--- a/오공 스토리보드.pptx
+++ b/오공 스토리보드.pptx
@@ -7,10 +7,13 @@
   <p:sldIdLst>
     <p:sldId id="256" r:id="rId2"/>
     <p:sldId id="257" r:id="rId3"/>
-    <p:sldId id="258" r:id="rId4"/>
-    <p:sldId id="259" r:id="rId5"/>
-    <p:sldId id="260" r:id="rId6"/>
-    <p:sldId id="261" r:id="rId7"/>
+    <p:sldId id="264" r:id="rId4"/>
+    <p:sldId id="258" r:id="rId5"/>
+    <p:sldId id="259" r:id="rId6"/>
+    <p:sldId id="262" r:id="rId7"/>
+    <p:sldId id="263" r:id="rId8"/>
+    <p:sldId id="260" r:id="rId9"/>
+    <p:sldId id="261" r:id="rId10"/>
   </p:sldIdLst>
   <p:sldSz cx="12192000" cy="6858000"/>
   <p:notesSz cx="6858000" cy="9144000"/>
@@ -109,6 +112,11 @@
       </a:defRPr>
     </a:lvl9pPr>
   </p:defaultTextStyle>
+  <p:extLst>
+    <p:ext uri="{EFAFB233-063F-42B5-8137-9DF3F51BA10A}">
+      <p15:sldGuideLst xmlns:p15="http://schemas.microsoft.com/office/powerpoint/2012/main"/>
+    </p:ext>
+  </p:extLst>
 </p:presentation>
 </file>
 
@@ -259,7 +267,7 @@
           <a:p>
             <a:fld id="{B1FA103F-A0A0-421B-9106-CBDB7838DD6F}" type="datetimeFigureOut">
               <a:rPr lang="ko-KR" altLang="en-US" smtClean="0"/>
-              <a:t>2019-05-30</a:t>
+              <a:t>2019-05-31</a:t>
             </a:fld>
             <a:endParaRPr lang="ko-KR" altLang="en-US"/>
           </a:p>
@@ -457,7 +465,7 @@
           <a:p>
             <a:fld id="{B1FA103F-A0A0-421B-9106-CBDB7838DD6F}" type="datetimeFigureOut">
               <a:rPr lang="ko-KR" altLang="en-US" smtClean="0"/>
-              <a:t>2019-05-30</a:t>
+              <a:t>2019-05-31</a:t>
             </a:fld>
             <a:endParaRPr lang="ko-KR" altLang="en-US"/>
           </a:p>
@@ -665,7 +673,7 @@
           <a:p>
             <a:fld id="{B1FA103F-A0A0-421B-9106-CBDB7838DD6F}" type="datetimeFigureOut">
               <a:rPr lang="ko-KR" altLang="en-US" smtClean="0"/>
-              <a:t>2019-05-30</a:t>
+              <a:t>2019-05-31</a:t>
             </a:fld>
             <a:endParaRPr lang="ko-KR" altLang="en-US"/>
           </a:p>
@@ -863,7 +871,7 @@
           <a:p>
             <a:fld id="{B1FA103F-A0A0-421B-9106-CBDB7838DD6F}" type="datetimeFigureOut">
               <a:rPr lang="ko-KR" altLang="en-US" smtClean="0"/>
-              <a:t>2019-05-30</a:t>
+              <a:t>2019-05-31</a:t>
             </a:fld>
             <a:endParaRPr lang="ko-KR" altLang="en-US"/>
           </a:p>
@@ -1138,7 +1146,7 @@
           <a:p>
             <a:fld id="{B1FA103F-A0A0-421B-9106-CBDB7838DD6F}" type="datetimeFigureOut">
               <a:rPr lang="ko-KR" altLang="en-US" smtClean="0"/>
-              <a:t>2019-05-30</a:t>
+              <a:t>2019-05-31</a:t>
             </a:fld>
             <a:endParaRPr lang="ko-KR" altLang="en-US"/>
           </a:p>
@@ -1403,7 +1411,7 @@
           <a:p>
             <a:fld id="{B1FA103F-A0A0-421B-9106-CBDB7838DD6F}" type="datetimeFigureOut">
               <a:rPr lang="ko-KR" altLang="en-US" smtClean="0"/>
-              <a:t>2019-05-30</a:t>
+              <a:t>2019-05-31</a:t>
             </a:fld>
             <a:endParaRPr lang="ko-KR" altLang="en-US"/>
           </a:p>
@@ -1815,7 +1823,7 @@
           <a:p>
             <a:fld id="{B1FA103F-A0A0-421B-9106-CBDB7838DD6F}" type="datetimeFigureOut">
               <a:rPr lang="ko-KR" altLang="en-US" smtClean="0"/>
-              <a:t>2019-05-30</a:t>
+              <a:t>2019-05-31</a:t>
             </a:fld>
             <a:endParaRPr lang="ko-KR" altLang="en-US"/>
           </a:p>
@@ -1956,7 +1964,7 @@
           <a:p>
             <a:fld id="{B1FA103F-A0A0-421B-9106-CBDB7838DD6F}" type="datetimeFigureOut">
               <a:rPr lang="ko-KR" altLang="en-US" smtClean="0"/>
-              <a:t>2019-05-30</a:t>
+              <a:t>2019-05-31</a:t>
             </a:fld>
             <a:endParaRPr lang="ko-KR" altLang="en-US"/>
           </a:p>
@@ -2069,7 +2077,7 @@
           <a:p>
             <a:fld id="{B1FA103F-A0A0-421B-9106-CBDB7838DD6F}" type="datetimeFigureOut">
               <a:rPr lang="ko-KR" altLang="en-US" smtClean="0"/>
-              <a:t>2019-05-30</a:t>
+              <a:t>2019-05-31</a:t>
             </a:fld>
             <a:endParaRPr lang="ko-KR" altLang="en-US"/>
           </a:p>
@@ -2380,7 +2388,7 @@
           <a:p>
             <a:fld id="{B1FA103F-A0A0-421B-9106-CBDB7838DD6F}" type="datetimeFigureOut">
               <a:rPr lang="ko-KR" altLang="en-US" smtClean="0"/>
-              <a:t>2019-05-30</a:t>
+              <a:t>2019-05-31</a:t>
             </a:fld>
             <a:endParaRPr lang="ko-KR" altLang="en-US"/>
           </a:p>
@@ -2668,7 +2676,7 @@
           <a:p>
             <a:fld id="{B1FA103F-A0A0-421B-9106-CBDB7838DD6F}" type="datetimeFigureOut">
               <a:rPr lang="ko-KR" altLang="en-US" smtClean="0"/>
-              <a:t>2019-05-30</a:t>
+              <a:t>2019-05-31</a:t>
             </a:fld>
             <a:endParaRPr lang="ko-KR" altLang="en-US"/>
           </a:p>
@@ -2909,7 +2917,7 @@
           <a:p>
             <a:fld id="{B1FA103F-A0A0-421B-9106-CBDB7838DD6F}" type="datetimeFigureOut">
               <a:rPr lang="ko-KR" altLang="en-US" smtClean="0"/>
-              <a:t>2019-05-30</a:t>
+              <a:t>2019-05-31</a:t>
             </a:fld>
             <a:endParaRPr lang="ko-KR" altLang="en-US"/>
           </a:p>
@@ -4070,8 +4078,8 @@
         </p:nvSpPr>
         <p:spPr>
           <a:xfrm>
-            <a:off x="5112261" y="5515159"/>
-            <a:ext cx="2351529" cy="326771"/>
+            <a:off x="4382150" y="5515159"/>
+            <a:ext cx="3973179" cy="326771"/>
           </a:xfrm>
           <a:prstGeom prst="rect">
             <a:avLst/>
@@ -4104,6 +4112,14 @@
             <a:r>
               <a:rPr lang="en-US" altLang="ko-KR" dirty="0"/>
               <a:t>7) </a:t>
+            </a:r>
+            <a:r>
+              <a:rPr lang="ko-KR" altLang="en-US" dirty="0"/>
+              <a:t>아이디</a:t>
+            </a:r>
+            <a:r>
+              <a:rPr lang="en-US" altLang="ko-KR" dirty="0"/>
+              <a:t>, </a:t>
             </a:r>
             <a:r>
               <a:rPr lang="ko-KR" altLang="en-US" dirty="0"/>
@@ -4292,8 +4308,8 @@
         </p:nvSpPr>
         <p:spPr>
           <a:xfrm>
-            <a:off x="2089272" y="330938"/>
-            <a:ext cx="8012266" cy="6424192"/>
+            <a:off x="2089272" y="0"/>
+            <a:ext cx="8012266" cy="6858000"/>
           </a:xfrm>
           <a:prstGeom prst="rect">
             <a:avLst/>
@@ -4347,8 +4363,8 @@
         </p:nvSpPr>
         <p:spPr>
           <a:xfrm>
-            <a:off x="2912745" y="468630"/>
-            <a:ext cx="6366510" cy="6058432"/>
+            <a:off x="2912745" y="114300"/>
+            <a:ext cx="6366510" cy="6629400"/>
           </a:xfrm>
           <a:prstGeom prst="rect">
             <a:avLst/>
@@ -4396,7 +4412,7 @@
         </p:nvSpPr>
         <p:spPr>
           <a:xfrm>
-            <a:off x="3051194" y="577183"/>
+            <a:off x="3038494" y="244090"/>
             <a:ext cx="1716820" cy="336458"/>
           </a:xfrm>
           <a:prstGeom prst="rect">
@@ -4428,16 +4444,8 @@
           <a:p>
             <a:pPr algn="ctr"/>
             <a:r>
-              <a:rPr lang="en-US" altLang="ko-KR"/>
-              <a:t>1. </a:t>
-            </a:r>
-            <a:r>
-              <a:rPr lang="ko-KR" altLang="en-US"/>
-              <a:t>회원 </a:t>
-            </a:r>
-            <a:r>
               <a:rPr lang="ko-KR" altLang="en-US" dirty="0"/>
-              <a:t>가입</a:t>
+              <a:t>회원 가입</a:t>
             </a:r>
           </a:p>
         </p:txBody>
@@ -4456,7 +4464,7 @@
         </p:nvSpPr>
         <p:spPr>
           <a:xfrm>
-            <a:off x="3886745" y="1097863"/>
+            <a:off x="3852408" y="639038"/>
             <a:ext cx="4440181" cy="289292"/>
           </a:xfrm>
           <a:prstGeom prst="rect">
@@ -4489,7 +4497,7 @@
             <a:pPr algn="ctr"/>
             <a:r>
               <a:rPr lang="en-US" altLang="ko-KR" sz="1500" dirty="0"/>
-              <a:t>2. </a:t>
+              <a:t>1&gt; </a:t>
             </a:r>
             <a:r>
               <a:rPr lang="ko-KR" altLang="en-US" sz="1500" dirty="0"/>
@@ -4512,7 +4520,7 @@
         </p:nvSpPr>
         <p:spPr>
           <a:xfrm>
-            <a:off x="3898173" y="1609935"/>
+            <a:off x="3862613" y="1129875"/>
             <a:ext cx="4440181" cy="289292"/>
           </a:xfrm>
           <a:prstGeom prst="rect">
@@ -4545,7 +4553,7 @@
             <a:pPr algn="ctr"/>
             <a:r>
               <a:rPr lang="en-US" altLang="ko-KR" sz="1500" dirty="0"/>
-              <a:t>3. </a:t>
+              <a:t>2&gt; </a:t>
             </a:r>
             <a:r>
               <a:rPr lang="ko-KR" altLang="en-US" sz="1500" dirty="0"/>
@@ -4568,7 +4576,7 @@
         </p:nvSpPr>
         <p:spPr>
           <a:xfrm>
-            <a:off x="3898173" y="2154906"/>
+            <a:off x="3862613" y="2109186"/>
             <a:ext cx="4440181" cy="289292"/>
           </a:xfrm>
           <a:prstGeom prst="rect">
@@ -4601,7 +4609,7 @@
             <a:pPr algn="ctr"/>
             <a:r>
               <a:rPr lang="en-US" altLang="ko-KR" sz="1500" dirty="0"/>
-              <a:t>4. </a:t>
+              <a:t>4&gt; </a:t>
             </a:r>
             <a:r>
               <a:rPr lang="ko-KR" altLang="en-US" sz="1500" dirty="0"/>
@@ -4624,7 +4632,7 @@
         </p:nvSpPr>
         <p:spPr>
           <a:xfrm>
-            <a:off x="3898173" y="2659120"/>
+            <a:off x="3862613" y="2601970"/>
             <a:ext cx="4440181" cy="289292"/>
           </a:xfrm>
           <a:prstGeom prst="rect">
@@ -4657,7 +4665,7 @@
             <a:pPr algn="ctr"/>
             <a:r>
               <a:rPr lang="en-US" altLang="ko-KR" sz="1500" dirty="0"/>
-              <a:t>5. </a:t>
+              <a:t>5&gt; </a:t>
             </a:r>
             <a:r>
               <a:rPr lang="ko-KR" altLang="en-US" sz="1500" dirty="0" err="1"/>
@@ -4681,7 +4689,7 @@
         </p:nvSpPr>
         <p:spPr>
           <a:xfrm>
-            <a:off x="3898173" y="4713186"/>
+            <a:off x="3875313" y="5251666"/>
             <a:ext cx="4440181" cy="276090"/>
           </a:xfrm>
           <a:prstGeom prst="rect">
@@ -4714,7 +4722,7 @@
             <a:pPr algn="ctr"/>
             <a:r>
               <a:rPr lang="en-US" altLang="ko-KR" sz="1200" dirty="0"/>
-              <a:t>8-1 </a:t>
+              <a:t>10&gt;-1 </a:t>
             </a:r>
             <a:r>
               <a:rPr lang="ko-KR" altLang="en-US" sz="1200" dirty="0"/>
@@ -4737,7 +4745,7 @@
         </p:nvSpPr>
         <p:spPr>
           <a:xfrm>
-            <a:off x="3898173" y="5116452"/>
+            <a:off x="3875313" y="5597782"/>
             <a:ext cx="4440181" cy="276090"/>
           </a:xfrm>
           <a:prstGeom prst="rect">
@@ -4770,7 +4778,7 @@
             <a:pPr algn="ctr"/>
             <a:r>
               <a:rPr lang="en-US" altLang="ko-KR" sz="1200" dirty="0"/>
-              <a:t>8-2 </a:t>
+              <a:t>10&gt;-2 </a:t>
             </a:r>
             <a:r>
               <a:rPr lang="ko-KR" altLang="en-US" sz="1200" dirty="0"/>
@@ -4793,7 +4801,7 @@
         </p:nvSpPr>
         <p:spPr>
           <a:xfrm>
-            <a:off x="3898173" y="5545317"/>
+            <a:off x="3875313" y="5980927"/>
             <a:ext cx="4440181" cy="289292"/>
           </a:xfrm>
           <a:prstGeom prst="rect">
@@ -4826,7 +4834,7 @@
             <a:pPr algn="ctr"/>
             <a:r>
               <a:rPr lang="en-US" altLang="ko-KR" sz="1500" dirty="0"/>
-              <a:t>9</a:t>
+              <a:t>11&gt; </a:t>
             </a:r>
             <a:r>
               <a:rPr lang="ko-KR" altLang="en-US" sz="1500" dirty="0"/>
@@ -4849,7 +4857,7 @@
         </p:nvSpPr>
         <p:spPr>
           <a:xfrm>
-            <a:off x="3898173" y="3196170"/>
+            <a:off x="3862613" y="3070440"/>
             <a:ext cx="4440181" cy="289292"/>
           </a:xfrm>
           <a:prstGeom prst="rect">
@@ -4882,7 +4890,7 @@
             <a:pPr algn="ctr"/>
             <a:r>
               <a:rPr lang="en-US" altLang="ko-KR" sz="1500" dirty="0"/>
-              <a:t>6. </a:t>
+              <a:t>6&gt; </a:t>
             </a:r>
             <a:r>
               <a:rPr lang="ko-KR" altLang="en-US" sz="1500" dirty="0"/>
@@ -4905,7 +4913,7 @@
         </p:nvSpPr>
         <p:spPr>
           <a:xfrm>
-            <a:off x="3875268" y="3714324"/>
+            <a:off x="3862568" y="3565734"/>
             <a:ext cx="4440181" cy="289292"/>
           </a:xfrm>
           <a:prstGeom prst="rect">
@@ -4938,7 +4946,7 @@
             <a:pPr algn="ctr"/>
             <a:r>
               <a:rPr lang="en-US" altLang="ko-KR" sz="1500" dirty="0"/>
-              <a:t>7. </a:t>
+              <a:t>7&gt; </a:t>
             </a:r>
             <a:r>
               <a:rPr lang="ko-KR" altLang="en-US" sz="1500" dirty="0"/>
@@ -4961,7 +4969,7 @@
         </p:nvSpPr>
         <p:spPr>
           <a:xfrm>
-            <a:off x="3886698" y="4264680"/>
+            <a:off x="3862568" y="4859040"/>
             <a:ext cx="4440181" cy="289292"/>
           </a:xfrm>
           <a:prstGeom prst="rect">
@@ -4994,7 +5002,7 @@
             <a:pPr algn="ctr"/>
             <a:r>
               <a:rPr lang="en-US" altLang="ko-KR" sz="1500" dirty="0"/>
-              <a:t>8. </a:t>
+              <a:t>10&gt; </a:t>
             </a:r>
             <a:r>
               <a:rPr lang="ko-KR" altLang="en-US" sz="1500" dirty="0"/>
@@ -5017,7 +5025,7 @@
         </p:nvSpPr>
         <p:spPr>
           <a:xfrm>
-            <a:off x="3794759" y="1386166"/>
+            <a:off x="3715248" y="928724"/>
             <a:ext cx="1371601" cy="246221"/>
           </a:xfrm>
           <a:prstGeom prst="rect">
@@ -5056,7 +5064,7 @@
         </p:nvSpPr>
         <p:spPr>
           <a:xfrm>
-            <a:off x="3794758" y="1893208"/>
+            <a:off x="3783328" y="1413148"/>
             <a:ext cx="1508762" cy="246221"/>
           </a:xfrm>
           <a:prstGeom prst="rect">
@@ -5091,7 +5099,7 @@
         </p:nvSpPr>
         <p:spPr>
           <a:xfrm>
-            <a:off x="3852952" y="2948412"/>
+            <a:off x="3807232" y="2868402"/>
             <a:ext cx="1131028" cy="246221"/>
           </a:xfrm>
           <a:prstGeom prst="rect">
@@ -5130,7 +5138,7 @@
         </p:nvSpPr>
         <p:spPr>
           <a:xfrm>
-            <a:off x="3875268" y="3501428"/>
+            <a:off x="3806688" y="3341408"/>
             <a:ext cx="1428252" cy="246221"/>
           </a:xfrm>
           <a:prstGeom prst="rect">
@@ -5169,7 +5177,7 @@
         </p:nvSpPr>
         <p:spPr>
           <a:xfrm>
-            <a:off x="3835013" y="3995025"/>
+            <a:off x="3800723" y="3835005"/>
             <a:ext cx="1091317" cy="246221"/>
           </a:xfrm>
           <a:prstGeom prst="rect">
@@ -5204,7 +5212,7 @@
         </p:nvSpPr>
         <p:spPr>
           <a:xfrm>
-            <a:off x="3835013" y="5903455"/>
+            <a:off x="3835013" y="6292075"/>
             <a:ext cx="4440181" cy="246221"/>
           </a:xfrm>
           <a:prstGeom prst="rect">
@@ -5247,7 +5255,7 @@
         </p:nvSpPr>
         <p:spPr>
           <a:xfrm>
-            <a:off x="3835557" y="6100038"/>
+            <a:off x="3835557" y="6477228"/>
             <a:ext cx="4502797" cy="246221"/>
           </a:xfrm>
           <a:prstGeom prst="rect">
@@ -5282,8 +5290,8 @@
         </p:nvSpPr>
         <p:spPr>
           <a:xfrm>
-            <a:off x="7006591" y="2188440"/>
-            <a:ext cx="1331764" cy="255758"/>
+            <a:off x="6761013" y="2131290"/>
+            <a:ext cx="1508762" cy="244480"/>
           </a:xfrm>
           <a:prstGeom prst="rect">
             <a:avLst/>
@@ -5315,11 +5323,305 @@
             <a:pPr algn="ctr"/>
             <a:r>
               <a:rPr lang="en-US" altLang="ko-KR" sz="1000" dirty="0"/>
-              <a:t>4-1</a:t>
+              <a:t>4&gt;-1</a:t>
             </a:r>
             <a:r>
               <a:rPr lang="ko-KR" altLang="en-US" sz="1000" dirty="0"/>
               <a:t>닉네임 중복확인</a:t>
+            </a:r>
+          </a:p>
+        </p:txBody>
+      </p:sp>
+      <p:sp>
+        <p:nvSpPr>
+          <p:cNvPr id="25" name="직사각형 24">
+            <a:extLst>
+              <a:ext uri="{FF2B5EF4-FFF2-40B4-BE49-F238E27FC236}">
+                <a16:creationId xmlns:a16="http://schemas.microsoft.com/office/drawing/2014/main" id="{9613FF44-F00D-4229-97BE-7373DB8F1581}"/>
+              </a:ext>
+            </a:extLst>
+          </p:cNvPr>
+          <p:cNvSpPr/>
+          <p:nvPr/>
+        </p:nvSpPr>
+        <p:spPr>
+          <a:xfrm>
+            <a:off x="3851184" y="1625305"/>
+            <a:ext cx="4440181" cy="289292"/>
+          </a:xfrm>
+          <a:prstGeom prst="rect">
+            <a:avLst/>
+          </a:prstGeom>
+          <a:ln w="28575">
+            <a:solidFill>
+              <a:schemeClr val="tx1"/>
+            </a:solidFill>
+          </a:ln>
+        </p:spPr>
+        <p:style>
+          <a:lnRef idx="2">
+            <a:schemeClr val="accent6"/>
+          </a:lnRef>
+          <a:fillRef idx="1">
+            <a:schemeClr val="lt1"/>
+          </a:fillRef>
+          <a:effectRef idx="0">
+            <a:schemeClr val="accent6"/>
+          </a:effectRef>
+          <a:fontRef idx="minor">
+            <a:schemeClr val="dk1"/>
+          </a:fontRef>
+        </p:style>
+        <p:txBody>
+          <a:bodyPr rtlCol="0" anchor="ctr"/>
+          <a:lstStyle/>
+          <a:p>
+            <a:pPr algn="ctr"/>
+            <a:r>
+              <a:rPr lang="en-US" altLang="ko-KR" sz="1500" dirty="0"/>
+              <a:t>3&gt; </a:t>
+            </a:r>
+            <a:r>
+              <a:rPr lang="ko-KR" altLang="en-US" sz="1500" dirty="0"/>
+              <a:t>비밀번호 확인</a:t>
+            </a:r>
+          </a:p>
+        </p:txBody>
+      </p:sp>
+      <p:sp>
+        <p:nvSpPr>
+          <p:cNvPr id="26" name="TextBox 25">
+            <a:extLst>
+              <a:ext uri="{FF2B5EF4-FFF2-40B4-BE49-F238E27FC236}">
+                <a16:creationId xmlns:a16="http://schemas.microsoft.com/office/drawing/2014/main" id="{B1706981-B98B-4360-A32A-1A3C3F2ABD6B}"/>
+              </a:ext>
+            </a:extLst>
+          </p:cNvPr>
+          <p:cNvSpPr txBox="1"/>
+          <p:nvPr/>
+        </p:nvSpPr>
+        <p:spPr>
+          <a:xfrm>
+            <a:off x="3795258" y="1906444"/>
+            <a:ext cx="1508762" cy="246221"/>
+          </a:xfrm>
+          <a:prstGeom prst="rect">
+            <a:avLst/>
+          </a:prstGeom>
+          <a:noFill/>
+        </p:spPr>
+        <p:txBody>
+          <a:bodyPr wrap="square" rtlCol="0">
+            <a:spAutoFit/>
+          </a:bodyPr>
+          <a:lstStyle/>
+          <a:p>
+            <a:r>
+              <a:rPr lang="ko-KR" altLang="en-US" sz="1000" dirty="0"/>
+              <a:t>비밀번호 유효성 체크</a:t>
+            </a:r>
+          </a:p>
+        </p:txBody>
+      </p:sp>
+      <p:sp>
+        <p:nvSpPr>
+          <p:cNvPr id="27" name="TextBox 26">
+            <a:extLst>
+              <a:ext uri="{FF2B5EF4-FFF2-40B4-BE49-F238E27FC236}">
+                <a16:creationId xmlns:a16="http://schemas.microsoft.com/office/drawing/2014/main" id="{64E6059A-C46E-4826-ADB9-7AD83DB63BEE}"/>
+              </a:ext>
+            </a:extLst>
+          </p:cNvPr>
+          <p:cNvSpPr txBox="1"/>
+          <p:nvPr/>
+        </p:nvSpPr>
+        <p:spPr>
+          <a:xfrm>
+            <a:off x="3795758" y="2391553"/>
+            <a:ext cx="1508762" cy="246221"/>
+          </a:xfrm>
+          <a:prstGeom prst="rect">
+            <a:avLst/>
+          </a:prstGeom>
+          <a:noFill/>
+        </p:spPr>
+        <p:txBody>
+          <a:bodyPr wrap="square" rtlCol="0">
+            <a:spAutoFit/>
+          </a:bodyPr>
+          <a:lstStyle/>
+          <a:p>
+            <a:r>
+              <a:rPr lang="ko-KR" altLang="en-US" sz="1000" dirty="0"/>
+              <a:t>닉네임 유효성 체크</a:t>
+            </a:r>
+          </a:p>
+        </p:txBody>
+      </p:sp>
+      <p:sp>
+        <p:nvSpPr>
+          <p:cNvPr id="28" name="직사각형 27">
+            <a:extLst>
+              <a:ext uri="{FF2B5EF4-FFF2-40B4-BE49-F238E27FC236}">
+                <a16:creationId xmlns:a16="http://schemas.microsoft.com/office/drawing/2014/main" id="{7F2BA886-479C-4758-9C23-5863FD139093}"/>
+              </a:ext>
+            </a:extLst>
+          </p:cNvPr>
+          <p:cNvSpPr/>
+          <p:nvPr/>
+        </p:nvSpPr>
+        <p:spPr>
+          <a:xfrm>
+            <a:off x="3863884" y="4072917"/>
+            <a:ext cx="4440181" cy="289292"/>
+          </a:xfrm>
+          <a:prstGeom prst="rect">
+            <a:avLst/>
+          </a:prstGeom>
+          <a:ln w="28575">
+            <a:solidFill>
+              <a:schemeClr val="tx1"/>
+            </a:solidFill>
+          </a:ln>
+        </p:spPr>
+        <p:style>
+          <a:lnRef idx="2">
+            <a:schemeClr val="accent6"/>
+          </a:lnRef>
+          <a:fillRef idx="1">
+            <a:schemeClr val="lt1"/>
+          </a:fillRef>
+          <a:effectRef idx="0">
+            <a:schemeClr val="accent6"/>
+          </a:effectRef>
+          <a:fontRef idx="minor">
+            <a:schemeClr val="dk1"/>
+          </a:fontRef>
+        </p:style>
+        <p:txBody>
+          <a:bodyPr rtlCol="0" anchor="ctr"/>
+          <a:lstStyle/>
+          <a:p>
+            <a:pPr algn="ctr"/>
+            <a:r>
+              <a:rPr lang="en-US" altLang="ko-KR" sz="1500" dirty="0"/>
+              <a:t>8&gt; </a:t>
+            </a:r>
+            <a:r>
+              <a:rPr lang="ko-KR" altLang="en-US" sz="1500" dirty="0"/>
+              <a:t>전화번호 인증</a:t>
+            </a:r>
+          </a:p>
+        </p:txBody>
+      </p:sp>
+      <p:sp>
+        <p:nvSpPr>
+          <p:cNvPr id="29" name="직사각형 28">
+            <a:extLst>
+              <a:ext uri="{FF2B5EF4-FFF2-40B4-BE49-F238E27FC236}">
+                <a16:creationId xmlns:a16="http://schemas.microsoft.com/office/drawing/2014/main" id="{7BEF3C7C-6947-4E40-AA73-DC212715E2B0}"/>
+              </a:ext>
+            </a:extLst>
+          </p:cNvPr>
+          <p:cNvSpPr/>
+          <p:nvPr/>
+        </p:nvSpPr>
+        <p:spPr>
+          <a:xfrm>
+            <a:off x="7029450" y="4076769"/>
+            <a:ext cx="1273299" cy="274010"/>
+          </a:xfrm>
+          <a:prstGeom prst="rect">
+            <a:avLst/>
+          </a:prstGeom>
+          <a:ln w="28575">
+            <a:solidFill>
+              <a:schemeClr val="tx1"/>
+            </a:solidFill>
+          </a:ln>
+        </p:spPr>
+        <p:style>
+          <a:lnRef idx="2">
+            <a:schemeClr val="accent6"/>
+          </a:lnRef>
+          <a:fillRef idx="1">
+            <a:schemeClr val="lt1"/>
+          </a:fillRef>
+          <a:effectRef idx="0">
+            <a:schemeClr val="accent6"/>
+          </a:effectRef>
+          <a:fontRef idx="minor">
+            <a:schemeClr val="dk1"/>
+          </a:fontRef>
+        </p:style>
+        <p:txBody>
+          <a:bodyPr rtlCol="0" anchor="ctr"/>
+          <a:lstStyle/>
+          <a:p>
+            <a:pPr algn="ctr"/>
+            <a:r>
+              <a:rPr lang="en-US" altLang="ko-KR" sz="1000" dirty="0"/>
+              <a:t>8&gt;-1</a:t>
+            </a:r>
+            <a:r>
+              <a:rPr lang="ko-KR" altLang="en-US" sz="1000" dirty="0"/>
+              <a:t>인증번호 전송</a:t>
+            </a:r>
+          </a:p>
+        </p:txBody>
+      </p:sp>
+      <p:sp>
+        <p:nvSpPr>
+          <p:cNvPr id="30" name="직사각형 29">
+            <a:extLst>
+              <a:ext uri="{FF2B5EF4-FFF2-40B4-BE49-F238E27FC236}">
+                <a16:creationId xmlns:a16="http://schemas.microsoft.com/office/drawing/2014/main" id="{F2AA98A6-E474-492F-9E4F-41896BF1E874}"/>
+              </a:ext>
+            </a:extLst>
+          </p:cNvPr>
+          <p:cNvSpPr/>
+          <p:nvPr/>
+        </p:nvSpPr>
+        <p:spPr>
+          <a:xfrm>
+            <a:off x="3863884" y="4453340"/>
+            <a:ext cx="4440181" cy="289292"/>
+          </a:xfrm>
+          <a:prstGeom prst="rect">
+            <a:avLst/>
+          </a:prstGeom>
+          <a:ln w="28575">
+            <a:solidFill>
+              <a:schemeClr val="tx1"/>
+            </a:solidFill>
+          </a:ln>
+        </p:spPr>
+        <p:style>
+          <a:lnRef idx="2">
+            <a:schemeClr val="accent6"/>
+          </a:lnRef>
+          <a:fillRef idx="1">
+            <a:schemeClr val="lt1"/>
+          </a:fillRef>
+          <a:effectRef idx="0">
+            <a:schemeClr val="accent6"/>
+          </a:effectRef>
+          <a:fontRef idx="minor">
+            <a:schemeClr val="dk1"/>
+          </a:fontRef>
+        </p:style>
+        <p:txBody>
+          <a:bodyPr rtlCol="0" anchor="ctr"/>
+          <a:lstStyle/>
+          <a:p>
+            <a:pPr algn="ctr"/>
+            <a:r>
+              <a:rPr lang="en-US" altLang="ko-KR" sz="1500" dirty="0"/>
+              <a:t>9&gt; </a:t>
+            </a:r>
+            <a:r>
+              <a:rPr lang="ko-KR" altLang="en-US" sz="1500" dirty="0"/>
+              <a:t>인증번호 입력</a:t>
             </a:r>
           </a:p>
         </p:txBody>
@@ -5359,7 +5661,7 @@
           <p:cNvPr id="2" name="직사각형 1">
             <a:extLst>
               <a:ext uri="{FF2B5EF4-FFF2-40B4-BE49-F238E27FC236}">
-                <a16:creationId xmlns:a16="http://schemas.microsoft.com/office/drawing/2014/main" id="{B72A1106-0EEB-406D-88BB-9C914D7DEEAD}"/>
+                <a16:creationId xmlns:a16="http://schemas.microsoft.com/office/drawing/2014/main" id="{D670663B-C062-4D80-AA1F-F5806A8291FF}"/>
               </a:ext>
             </a:extLst>
           </p:cNvPr>
@@ -5368,8 +5670,8 @@
         </p:nvSpPr>
         <p:spPr>
           <a:xfrm>
-            <a:off x="2297594" y="260007"/>
-            <a:ext cx="8012266" cy="5672163"/>
+            <a:off x="1593367" y="1199014"/>
+            <a:ext cx="9397365" cy="5154930"/>
           </a:xfrm>
           <a:prstGeom prst="rect">
             <a:avLst/>
@@ -5411,10 +5713,10 @@
       </p:sp>
       <p:sp>
         <p:nvSpPr>
-          <p:cNvPr id="4" name="직사각형 3">
-            <a:extLst>
-              <a:ext uri="{FF2B5EF4-FFF2-40B4-BE49-F238E27FC236}">
-                <a16:creationId xmlns:a16="http://schemas.microsoft.com/office/drawing/2014/main" id="{1CA2AD84-73BA-4DE3-A797-2452B7C56732}"/>
+          <p:cNvPr id="3" name="직사각형 2">
+            <a:extLst>
+              <a:ext uri="{FF2B5EF4-FFF2-40B4-BE49-F238E27FC236}">
+                <a16:creationId xmlns:a16="http://schemas.microsoft.com/office/drawing/2014/main" id="{C769E097-6A37-4201-AA1A-F3C38ABFA581}"/>
               </a:ext>
             </a:extLst>
           </p:cNvPr>
@@ -5423,13 +5725,13 @@
         </p:nvSpPr>
         <p:spPr>
           <a:xfrm>
-            <a:off x="2470893" y="404303"/>
-            <a:ext cx="1335298" cy="875857"/>
-          </a:xfrm>
-          <a:prstGeom prst="rect">
-            <a:avLst/>
-          </a:prstGeom>
-          <a:ln w="38100">
+            <a:off x="131445" y="272161"/>
+            <a:ext cx="2175161" cy="515628"/>
+          </a:xfrm>
+          <a:prstGeom prst="rect">
+            <a:avLst/>
+          </a:prstGeom>
+          <a:ln w="19050">
             <a:solidFill>
               <a:schemeClr val="tx1"/>
             </a:solidFill>
@@ -5455,22 +5757,46 @@
           <a:p>
             <a:pPr algn="ctr"/>
             <a:r>
-              <a:rPr lang="en-US" altLang="ko-KR" dirty="0"/>
-              <a:t>2) </a:t>
-            </a:r>
-            <a:r>
-              <a:rPr lang="ko-KR" altLang="en-US" dirty="0"/>
-              <a:t>로고</a:t>
-            </a:r>
-          </a:p>
-        </p:txBody>
-      </p:sp>
-      <p:sp>
-        <p:nvSpPr>
-          <p:cNvPr id="6" name="직사각형 5">
-            <a:extLst>
-              <a:ext uri="{FF2B5EF4-FFF2-40B4-BE49-F238E27FC236}">
-                <a16:creationId xmlns:a16="http://schemas.microsoft.com/office/drawing/2014/main" id="{3E5EF0F5-F267-4253-894A-0AB6AF2496CD}"/>
+              <a:rPr lang="en-US" altLang="ko-KR" sz="1400" dirty="0">
+                <a:ln w="0"/>
+                <a:solidFill>
+                  <a:schemeClr val="tx1"/>
+                </a:solidFill>
+                <a:effectLst>
+                  <a:outerShdw blurRad="38100" dist="19050" dir="2700000" algn="tl" rotWithShape="0">
+                    <a:schemeClr val="dk1">
+                      <a:alpha val="40000"/>
+                    </a:schemeClr>
+                  </a:outerShdw>
+                </a:effectLst>
+              </a:rPr>
+              <a:t>6-1-7) </a:t>
+            </a:r>
+            <a:r>
+              <a:rPr lang="ko-KR" altLang="en-US" sz="1400" dirty="0">
+                <a:ln w="0"/>
+                <a:solidFill>
+                  <a:schemeClr val="tx1"/>
+                </a:solidFill>
+                <a:effectLst>
+                  <a:outerShdw blurRad="38100" dist="19050" dir="2700000" algn="tl" rotWithShape="0">
+                    <a:schemeClr val="dk1">
+                      <a:alpha val="40000"/>
+                    </a:schemeClr>
+                  </a:outerShdw>
+                </a:effectLst>
+              </a:rPr>
+              <a:t>아이디 비밀번호 찾기 폼</a:t>
+            </a:r>
+          </a:p>
+        </p:txBody>
+      </p:sp>
+      <p:sp>
+        <p:nvSpPr>
+          <p:cNvPr id="14" name="직사각형 13">
+            <a:extLst>
+              <a:ext uri="{FF2B5EF4-FFF2-40B4-BE49-F238E27FC236}">
+                <a16:creationId xmlns:a16="http://schemas.microsoft.com/office/drawing/2014/main" id="{9FCACEA7-4D5B-4CA4-864F-F822B4364FD7}"/>
               </a:ext>
             </a:extLst>
           </p:cNvPr>
@@ -5479,746 +5805,8 @@
         </p:nvSpPr>
         <p:spPr>
           <a:xfrm>
-            <a:off x="4123508" y="953164"/>
-            <a:ext cx="4125143" cy="300547"/>
-          </a:xfrm>
-          <a:prstGeom prst="rect">
-            <a:avLst/>
-          </a:prstGeom>
-          <a:ln w="38100">
-            <a:solidFill>
-              <a:schemeClr val="tx1"/>
-            </a:solidFill>
-          </a:ln>
-        </p:spPr>
-        <p:style>
-          <a:lnRef idx="2">
-            <a:schemeClr val="accent6"/>
-          </a:lnRef>
-          <a:fillRef idx="1">
-            <a:schemeClr val="lt1"/>
-          </a:fillRef>
-          <a:effectRef idx="0">
-            <a:schemeClr val="accent6"/>
-          </a:effectRef>
-          <a:fontRef idx="minor">
-            <a:schemeClr val="dk1"/>
-          </a:fontRef>
-        </p:style>
-        <p:txBody>
-          <a:bodyPr rtlCol="0" anchor="ctr"/>
-          <a:lstStyle/>
-          <a:p>
-            <a:pPr algn="ctr"/>
-            <a:r>
-              <a:rPr lang="en-US" altLang="ko-KR" dirty="0"/>
-              <a:t>3) </a:t>
-            </a:r>
-            <a:r>
-              <a:rPr lang="ko-KR" altLang="en-US" dirty="0"/>
-              <a:t>검색</a:t>
-            </a:r>
-          </a:p>
-        </p:txBody>
-      </p:sp>
-      <p:sp>
-        <p:nvSpPr>
-          <p:cNvPr id="7" name="직사각형 6">
-            <a:extLst>
-              <a:ext uri="{FF2B5EF4-FFF2-40B4-BE49-F238E27FC236}">
-                <a16:creationId xmlns:a16="http://schemas.microsoft.com/office/drawing/2014/main" id="{DD1EF373-AE7E-4CF5-9F8F-D9F1A5F567C4}"/>
-              </a:ext>
-            </a:extLst>
-          </p:cNvPr>
-          <p:cNvSpPr/>
-          <p:nvPr/>
-        </p:nvSpPr>
-        <p:spPr>
-          <a:xfrm>
-            <a:off x="8565968" y="438966"/>
-            <a:ext cx="1635307" cy="514571"/>
-          </a:xfrm>
-          <a:prstGeom prst="rect">
-            <a:avLst/>
-          </a:prstGeom>
-          <a:ln w="38100">
-            <a:solidFill>
-              <a:schemeClr val="tx1"/>
-            </a:solidFill>
-          </a:ln>
-        </p:spPr>
-        <p:style>
-          <a:lnRef idx="2">
-            <a:schemeClr val="accent6"/>
-          </a:lnRef>
-          <a:fillRef idx="1">
-            <a:schemeClr val="lt1"/>
-          </a:fillRef>
-          <a:effectRef idx="0">
-            <a:schemeClr val="accent6"/>
-          </a:effectRef>
-          <a:fontRef idx="minor">
-            <a:schemeClr val="dk1"/>
-          </a:fontRef>
-        </p:style>
-        <p:txBody>
-          <a:bodyPr rtlCol="0" anchor="ctr"/>
-          <a:lstStyle/>
-          <a:p>
-            <a:pPr algn="ctr"/>
-            <a:r>
-              <a:rPr lang="en-US" altLang="ko-KR" dirty="0"/>
-              <a:t>1) </a:t>
-            </a:r>
-            <a:r>
-              <a:rPr lang="ko-KR" altLang="en-US" dirty="0"/>
-              <a:t>회원</a:t>
-            </a:r>
-          </a:p>
-        </p:txBody>
-      </p:sp>
-      <p:sp>
-        <p:nvSpPr>
-          <p:cNvPr id="8" name="직사각형 7">
-            <a:extLst>
-              <a:ext uri="{FF2B5EF4-FFF2-40B4-BE49-F238E27FC236}">
-                <a16:creationId xmlns:a16="http://schemas.microsoft.com/office/drawing/2014/main" id="{BADB3C00-AB8B-4889-A12A-393956DAFFCC}"/>
-              </a:ext>
-            </a:extLst>
-          </p:cNvPr>
-          <p:cNvSpPr/>
-          <p:nvPr/>
-        </p:nvSpPr>
-        <p:spPr>
-          <a:xfrm>
-            <a:off x="2578091" y="1433725"/>
-            <a:ext cx="7451272" cy="300547"/>
-          </a:xfrm>
-          <a:prstGeom prst="rect">
-            <a:avLst/>
-          </a:prstGeom>
-          <a:ln w="38100">
-            <a:solidFill>
-              <a:schemeClr val="tx1"/>
-            </a:solidFill>
-          </a:ln>
-        </p:spPr>
-        <p:style>
-          <a:lnRef idx="2">
-            <a:schemeClr val="accent6"/>
-          </a:lnRef>
-          <a:fillRef idx="1">
-            <a:schemeClr val="lt1"/>
-          </a:fillRef>
-          <a:effectRef idx="0">
-            <a:schemeClr val="accent6"/>
-          </a:effectRef>
-          <a:fontRef idx="minor">
-            <a:schemeClr val="dk1"/>
-          </a:fontRef>
-        </p:style>
-        <p:txBody>
-          <a:bodyPr rtlCol="0" anchor="ctr"/>
-          <a:lstStyle/>
-          <a:p>
-            <a:pPr algn="ctr"/>
-            <a:r>
-              <a:rPr lang="en-US" altLang="ko-KR" dirty="0"/>
-              <a:t>4) </a:t>
-            </a:r>
-            <a:r>
-              <a:rPr lang="ko-KR" altLang="en-US" dirty="0"/>
-              <a:t>네비게이션</a:t>
-            </a:r>
-          </a:p>
-        </p:txBody>
-      </p:sp>
-      <p:sp>
-        <p:nvSpPr>
-          <p:cNvPr id="9" name="직사각형 8">
-            <a:extLst>
-              <a:ext uri="{FF2B5EF4-FFF2-40B4-BE49-F238E27FC236}">
-                <a16:creationId xmlns:a16="http://schemas.microsoft.com/office/drawing/2014/main" id="{E20E3290-9DD9-436D-8987-45BB0D623ECF}"/>
-              </a:ext>
-            </a:extLst>
-          </p:cNvPr>
-          <p:cNvSpPr/>
-          <p:nvPr/>
-        </p:nvSpPr>
-        <p:spPr>
-          <a:xfrm>
-            <a:off x="3446252" y="1952344"/>
-            <a:ext cx="5920740" cy="3887902"/>
-          </a:xfrm>
-          <a:prstGeom prst="rect">
-            <a:avLst/>
-          </a:prstGeom>
-          <a:ln w="38100">
-            <a:solidFill>
-              <a:schemeClr val="tx1"/>
-            </a:solidFill>
-          </a:ln>
-        </p:spPr>
-        <p:style>
-          <a:lnRef idx="2">
-            <a:schemeClr val="accent6"/>
-          </a:lnRef>
-          <a:fillRef idx="1">
-            <a:schemeClr val="lt1"/>
-          </a:fillRef>
-          <a:effectRef idx="0">
-            <a:schemeClr val="accent6"/>
-          </a:effectRef>
-          <a:fontRef idx="minor">
-            <a:schemeClr val="dk1"/>
-          </a:fontRef>
-        </p:style>
-        <p:txBody>
-          <a:bodyPr rtlCol="0" anchor="ctr"/>
-          <a:lstStyle/>
-          <a:p>
-            <a:pPr algn="ctr"/>
-            <a:endParaRPr lang="ko-KR" altLang="en-US" dirty="0"/>
-          </a:p>
-        </p:txBody>
-      </p:sp>
-      <p:sp>
-        <p:nvSpPr>
-          <p:cNvPr id="10" name="직사각형 9">
-            <a:extLst>
-              <a:ext uri="{FF2B5EF4-FFF2-40B4-BE49-F238E27FC236}">
-                <a16:creationId xmlns:a16="http://schemas.microsoft.com/office/drawing/2014/main" id="{AC53831B-99E2-489B-BE41-C6A491DA1348}"/>
-              </a:ext>
-            </a:extLst>
-          </p:cNvPr>
-          <p:cNvSpPr/>
-          <p:nvPr/>
-        </p:nvSpPr>
-        <p:spPr>
-          <a:xfrm>
-            <a:off x="3537692" y="2453878"/>
-            <a:ext cx="2257317" cy="1478042"/>
-          </a:xfrm>
-          <a:prstGeom prst="rect">
-            <a:avLst/>
-          </a:prstGeom>
-          <a:ln w="38100">
-            <a:solidFill>
-              <a:schemeClr val="tx1"/>
-            </a:solidFill>
-          </a:ln>
-        </p:spPr>
-        <p:style>
-          <a:lnRef idx="2">
-            <a:schemeClr val="accent6"/>
-          </a:lnRef>
-          <a:fillRef idx="1">
-            <a:schemeClr val="lt1"/>
-          </a:fillRef>
-          <a:effectRef idx="0">
-            <a:schemeClr val="accent6"/>
-          </a:effectRef>
-          <a:fontRef idx="minor">
-            <a:schemeClr val="dk1"/>
-          </a:fontRef>
-        </p:style>
-        <p:txBody>
-          <a:bodyPr rtlCol="0" anchor="ctr"/>
-          <a:lstStyle/>
-          <a:p>
-            <a:pPr algn="ctr"/>
-            <a:r>
-              <a:rPr lang="ko-KR" altLang="en-US" dirty="0"/>
-              <a:t>블랙리스트</a:t>
-            </a:r>
-          </a:p>
-        </p:txBody>
-      </p:sp>
-      <p:sp>
-        <p:nvSpPr>
-          <p:cNvPr id="11" name="직사각형 10">
-            <a:extLst>
-              <a:ext uri="{FF2B5EF4-FFF2-40B4-BE49-F238E27FC236}">
-                <a16:creationId xmlns:a16="http://schemas.microsoft.com/office/drawing/2014/main" id="{4D404286-3940-4EDC-B4A7-4ED3C25D1ECF}"/>
-              </a:ext>
-            </a:extLst>
-          </p:cNvPr>
-          <p:cNvSpPr/>
-          <p:nvPr/>
-        </p:nvSpPr>
-        <p:spPr>
-          <a:xfrm>
-            <a:off x="3537690" y="2016851"/>
-            <a:ext cx="2028719" cy="345103"/>
-          </a:xfrm>
-          <a:prstGeom prst="rect">
-            <a:avLst/>
-          </a:prstGeom>
-          <a:ln w="38100">
-            <a:solidFill>
-              <a:schemeClr val="tx1"/>
-            </a:solidFill>
-          </a:ln>
-        </p:spPr>
-        <p:style>
-          <a:lnRef idx="2">
-            <a:schemeClr val="accent6"/>
-          </a:lnRef>
-          <a:fillRef idx="1">
-            <a:schemeClr val="lt1"/>
-          </a:fillRef>
-          <a:effectRef idx="0">
-            <a:schemeClr val="accent6"/>
-          </a:effectRef>
-          <a:fontRef idx="minor">
-            <a:schemeClr val="dk1"/>
-          </a:fontRef>
-        </p:style>
-        <p:txBody>
-          <a:bodyPr rtlCol="0" anchor="ctr"/>
-          <a:lstStyle/>
-          <a:p>
-            <a:pPr algn="ctr"/>
-            <a:r>
-              <a:rPr lang="en-US" altLang="ko-KR" dirty="0"/>
-              <a:t>5) </a:t>
-            </a:r>
-            <a:r>
-              <a:rPr lang="ko-KR" altLang="en-US" dirty="0" err="1"/>
-              <a:t>메인인덱스</a:t>
-            </a:r>
-            <a:endParaRPr lang="ko-KR" altLang="en-US" dirty="0"/>
-          </a:p>
-        </p:txBody>
-      </p:sp>
-      <p:sp>
-        <p:nvSpPr>
-          <p:cNvPr id="12" name="직사각형 11">
-            <a:extLst>
-              <a:ext uri="{FF2B5EF4-FFF2-40B4-BE49-F238E27FC236}">
-                <a16:creationId xmlns:a16="http://schemas.microsoft.com/office/drawing/2014/main" id="{C19A91D9-6AE2-4938-B29E-332C1AA83D5B}"/>
-              </a:ext>
-            </a:extLst>
-          </p:cNvPr>
-          <p:cNvSpPr/>
-          <p:nvPr/>
-        </p:nvSpPr>
-        <p:spPr>
-          <a:xfrm>
-            <a:off x="3537691" y="4147062"/>
-            <a:ext cx="2257317" cy="1478042"/>
-          </a:xfrm>
-          <a:prstGeom prst="rect">
-            <a:avLst/>
-          </a:prstGeom>
-          <a:ln w="38100">
-            <a:solidFill>
-              <a:schemeClr val="tx1"/>
-            </a:solidFill>
-          </a:ln>
-        </p:spPr>
-        <p:style>
-          <a:lnRef idx="2">
-            <a:schemeClr val="accent6"/>
-          </a:lnRef>
-          <a:fillRef idx="1">
-            <a:schemeClr val="lt1"/>
-          </a:fillRef>
-          <a:effectRef idx="0">
-            <a:schemeClr val="accent6"/>
-          </a:effectRef>
-          <a:fontRef idx="minor">
-            <a:schemeClr val="dk1"/>
-          </a:fontRef>
-        </p:style>
-        <p:txBody>
-          <a:bodyPr rtlCol="0" anchor="ctr"/>
-          <a:lstStyle/>
-          <a:p>
-            <a:pPr algn="ctr"/>
-            <a:r>
-              <a:rPr lang="ko-KR" altLang="en-US" dirty="0"/>
-              <a:t>키워드</a:t>
-            </a:r>
-          </a:p>
-        </p:txBody>
-      </p:sp>
-      <p:sp>
-        <p:nvSpPr>
-          <p:cNvPr id="13" name="직사각형 12">
-            <a:extLst>
-              <a:ext uri="{FF2B5EF4-FFF2-40B4-BE49-F238E27FC236}">
-                <a16:creationId xmlns:a16="http://schemas.microsoft.com/office/drawing/2014/main" id="{D66B30E4-D14B-441C-BC67-70CB0D2A9A90}"/>
-              </a:ext>
-            </a:extLst>
-          </p:cNvPr>
-          <p:cNvSpPr/>
-          <p:nvPr/>
-        </p:nvSpPr>
-        <p:spPr>
-          <a:xfrm>
-            <a:off x="5953126" y="2433378"/>
-            <a:ext cx="990542" cy="1478042"/>
-          </a:xfrm>
-          <a:prstGeom prst="rect">
-            <a:avLst/>
-          </a:prstGeom>
-          <a:ln w="38100">
-            <a:solidFill>
-              <a:schemeClr val="tx1"/>
-            </a:solidFill>
-          </a:ln>
-        </p:spPr>
-        <p:style>
-          <a:lnRef idx="2">
-            <a:schemeClr val="accent6"/>
-          </a:lnRef>
-          <a:fillRef idx="1">
-            <a:schemeClr val="lt1"/>
-          </a:fillRef>
-          <a:effectRef idx="0">
-            <a:schemeClr val="accent6"/>
-          </a:effectRef>
-          <a:fontRef idx="minor">
-            <a:schemeClr val="dk1"/>
-          </a:fontRef>
-        </p:style>
-        <p:txBody>
-          <a:bodyPr rtlCol="0" anchor="ctr"/>
-          <a:lstStyle/>
-          <a:p>
-            <a:pPr algn="ctr"/>
-            <a:r>
-              <a:rPr lang="ko-KR" altLang="en-US" dirty="0"/>
-              <a:t>공지</a:t>
-            </a:r>
-          </a:p>
-        </p:txBody>
-      </p:sp>
-      <p:sp>
-        <p:nvSpPr>
-          <p:cNvPr id="14" name="직사각형 13">
-            <a:extLst>
-              <a:ext uri="{FF2B5EF4-FFF2-40B4-BE49-F238E27FC236}">
-                <a16:creationId xmlns:a16="http://schemas.microsoft.com/office/drawing/2014/main" id="{38D5E0DC-7C0F-4336-BF65-A39F1540B8D3}"/>
-              </a:ext>
-            </a:extLst>
-          </p:cNvPr>
-          <p:cNvSpPr/>
-          <p:nvPr/>
-        </p:nvSpPr>
-        <p:spPr>
-          <a:xfrm>
-            <a:off x="8248651" y="4147062"/>
-            <a:ext cx="990542" cy="1478042"/>
-          </a:xfrm>
-          <a:prstGeom prst="rect">
-            <a:avLst/>
-          </a:prstGeom>
-          <a:ln w="38100">
-            <a:solidFill>
-              <a:schemeClr val="tx1"/>
-            </a:solidFill>
-          </a:ln>
-        </p:spPr>
-        <p:style>
-          <a:lnRef idx="2">
-            <a:schemeClr val="accent6"/>
-          </a:lnRef>
-          <a:fillRef idx="1">
-            <a:schemeClr val="lt1"/>
-          </a:fillRef>
-          <a:effectRef idx="0">
-            <a:schemeClr val="accent6"/>
-          </a:effectRef>
-          <a:fontRef idx="minor">
-            <a:schemeClr val="dk1"/>
-          </a:fontRef>
-        </p:style>
-        <p:txBody>
-          <a:bodyPr rtlCol="0" anchor="ctr"/>
-          <a:lstStyle/>
-          <a:p>
-            <a:pPr algn="ctr"/>
-            <a:r>
-              <a:rPr lang="ko-KR" altLang="en-US" sz="1500" dirty="0"/>
-              <a:t>게시글</a:t>
-            </a:r>
-            <a:endParaRPr lang="en-US" altLang="ko-KR" sz="1500" dirty="0"/>
-          </a:p>
-          <a:p>
-            <a:pPr algn="ctr"/>
-            <a:r>
-              <a:rPr lang="ko-KR" altLang="en-US" sz="1500" dirty="0"/>
-              <a:t>상위 </a:t>
-            </a:r>
-            <a:r>
-              <a:rPr lang="en-US" altLang="ko-KR" sz="1500" dirty="0"/>
-              <a:t>5</a:t>
-            </a:r>
-            <a:r>
-              <a:rPr lang="ko-KR" altLang="en-US" sz="1500" dirty="0"/>
-              <a:t>개</a:t>
-            </a:r>
-          </a:p>
-        </p:txBody>
-      </p:sp>
-      <p:sp>
-        <p:nvSpPr>
-          <p:cNvPr id="15" name="직사각형 14">
-            <a:extLst>
-              <a:ext uri="{FF2B5EF4-FFF2-40B4-BE49-F238E27FC236}">
-                <a16:creationId xmlns:a16="http://schemas.microsoft.com/office/drawing/2014/main" id="{1E15A2DE-2F43-4C82-91DF-609661D4C7A3}"/>
-              </a:ext>
-            </a:extLst>
-          </p:cNvPr>
-          <p:cNvSpPr/>
-          <p:nvPr/>
-        </p:nvSpPr>
-        <p:spPr>
-          <a:xfrm>
-            <a:off x="7101784" y="4147062"/>
-            <a:ext cx="990542" cy="1478042"/>
-          </a:xfrm>
-          <a:prstGeom prst="rect">
-            <a:avLst/>
-          </a:prstGeom>
-          <a:ln w="38100">
-            <a:solidFill>
-              <a:schemeClr val="tx1"/>
-            </a:solidFill>
-          </a:ln>
-        </p:spPr>
-        <p:style>
-          <a:lnRef idx="2">
-            <a:schemeClr val="accent6"/>
-          </a:lnRef>
-          <a:fillRef idx="1">
-            <a:schemeClr val="lt1"/>
-          </a:fillRef>
-          <a:effectRef idx="0">
-            <a:schemeClr val="accent6"/>
-          </a:effectRef>
-          <a:fontRef idx="minor">
-            <a:schemeClr val="dk1"/>
-          </a:fontRef>
-        </p:style>
-        <p:txBody>
-          <a:bodyPr rtlCol="0" anchor="ctr"/>
-          <a:lstStyle/>
-          <a:p>
-            <a:pPr algn="ctr"/>
-            <a:r>
-              <a:rPr lang="ko-KR" altLang="en-US" sz="1500" dirty="0" err="1"/>
-              <a:t>구매글</a:t>
-            </a:r>
-            <a:endParaRPr lang="en-US" altLang="ko-KR" sz="1500" dirty="0"/>
-          </a:p>
-          <a:p>
-            <a:pPr algn="ctr"/>
-            <a:r>
-              <a:rPr lang="ko-KR" altLang="en-US" sz="1500" dirty="0"/>
-              <a:t>상위 </a:t>
-            </a:r>
-            <a:r>
-              <a:rPr lang="en-US" altLang="ko-KR" sz="1500" dirty="0"/>
-              <a:t>5</a:t>
-            </a:r>
-            <a:r>
-              <a:rPr lang="ko-KR" altLang="en-US" sz="1500" dirty="0"/>
-              <a:t>개</a:t>
-            </a:r>
-          </a:p>
-        </p:txBody>
-      </p:sp>
-      <p:sp>
-        <p:nvSpPr>
-          <p:cNvPr id="16" name="직사각형 15">
-            <a:extLst>
-              <a:ext uri="{FF2B5EF4-FFF2-40B4-BE49-F238E27FC236}">
-                <a16:creationId xmlns:a16="http://schemas.microsoft.com/office/drawing/2014/main" id="{013E2233-C775-4044-9DAC-1436D1713311}"/>
-              </a:ext>
-            </a:extLst>
-          </p:cNvPr>
-          <p:cNvSpPr/>
-          <p:nvPr/>
-        </p:nvSpPr>
-        <p:spPr>
-          <a:xfrm>
-            <a:off x="5953126" y="4147062"/>
-            <a:ext cx="990542" cy="1478042"/>
-          </a:xfrm>
-          <a:prstGeom prst="rect">
-            <a:avLst/>
-          </a:prstGeom>
-          <a:ln w="38100">
-            <a:solidFill>
-              <a:schemeClr val="tx1"/>
-            </a:solidFill>
-          </a:ln>
-        </p:spPr>
-        <p:style>
-          <a:lnRef idx="2">
-            <a:schemeClr val="accent6"/>
-          </a:lnRef>
-          <a:fillRef idx="1">
-            <a:schemeClr val="lt1"/>
-          </a:fillRef>
-          <a:effectRef idx="0">
-            <a:schemeClr val="accent6"/>
-          </a:effectRef>
-          <a:fontRef idx="minor">
-            <a:schemeClr val="dk1"/>
-          </a:fontRef>
-        </p:style>
-        <p:txBody>
-          <a:bodyPr rtlCol="0" anchor="ctr"/>
-          <a:lstStyle/>
-          <a:p>
-            <a:pPr algn="ctr"/>
-            <a:r>
-              <a:rPr lang="ko-KR" altLang="en-US" sz="1500" dirty="0" err="1"/>
-              <a:t>판매글</a:t>
-            </a:r>
-            <a:endParaRPr lang="en-US" altLang="ko-KR" sz="1500" dirty="0"/>
-          </a:p>
-          <a:p>
-            <a:pPr algn="ctr"/>
-            <a:r>
-              <a:rPr lang="ko-KR" altLang="en-US" sz="1500" dirty="0"/>
-              <a:t>상위 </a:t>
-            </a:r>
-            <a:r>
-              <a:rPr lang="en-US" altLang="ko-KR" sz="1500" dirty="0"/>
-              <a:t>5</a:t>
-            </a:r>
-            <a:r>
-              <a:rPr lang="ko-KR" altLang="en-US" sz="1500" dirty="0"/>
-              <a:t>개</a:t>
-            </a:r>
-          </a:p>
-        </p:txBody>
-      </p:sp>
-      <p:sp>
-        <p:nvSpPr>
-          <p:cNvPr id="17" name="직사각형 16">
-            <a:extLst>
-              <a:ext uri="{FF2B5EF4-FFF2-40B4-BE49-F238E27FC236}">
-                <a16:creationId xmlns:a16="http://schemas.microsoft.com/office/drawing/2014/main" id="{A901336C-BCD5-4687-8CE3-DA00DD1EBFF3}"/>
-              </a:ext>
-            </a:extLst>
-          </p:cNvPr>
-          <p:cNvSpPr/>
-          <p:nvPr/>
-        </p:nvSpPr>
-        <p:spPr>
-          <a:xfrm>
-            <a:off x="7089318" y="2418253"/>
-            <a:ext cx="990542" cy="1478042"/>
-          </a:xfrm>
-          <a:prstGeom prst="rect">
-            <a:avLst/>
-          </a:prstGeom>
-          <a:ln w="38100">
-            <a:solidFill>
-              <a:schemeClr val="tx1"/>
-            </a:solidFill>
-          </a:ln>
-        </p:spPr>
-        <p:style>
-          <a:lnRef idx="2">
-            <a:schemeClr val="accent6"/>
-          </a:lnRef>
-          <a:fillRef idx="1">
-            <a:schemeClr val="lt1"/>
-          </a:fillRef>
-          <a:effectRef idx="0">
-            <a:schemeClr val="accent6"/>
-          </a:effectRef>
-          <a:fontRef idx="minor">
-            <a:schemeClr val="dk1"/>
-          </a:fontRef>
-        </p:style>
-        <p:txBody>
-          <a:bodyPr rtlCol="0" anchor="ctr"/>
-          <a:lstStyle/>
-          <a:p>
-            <a:pPr algn="ctr"/>
-            <a:r>
-              <a:rPr lang="ko-KR" altLang="en-US" dirty="0"/>
-              <a:t>이벤트</a:t>
-            </a:r>
-          </a:p>
-        </p:txBody>
-      </p:sp>
-      <p:sp>
-        <p:nvSpPr>
-          <p:cNvPr id="18" name="직사각형 17">
-            <a:extLst>
-              <a:ext uri="{FF2B5EF4-FFF2-40B4-BE49-F238E27FC236}">
-                <a16:creationId xmlns:a16="http://schemas.microsoft.com/office/drawing/2014/main" id="{C63D6C8E-DEF2-4ADD-A622-BE40EE720045}"/>
-              </a:ext>
-            </a:extLst>
-          </p:cNvPr>
-          <p:cNvSpPr/>
-          <p:nvPr/>
-        </p:nvSpPr>
-        <p:spPr>
-          <a:xfrm>
-            <a:off x="8237976" y="2418253"/>
-            <a:ext cx="990542" cy="1478042"/>
-          </a:xfrm>
-          <a:prstGeom prst="rect">
-            <a:avLst/>
-          </a:prstGeom>
-          <a:ln w="38100">
-            <a:solidFill>
-              <a:schemeClr val="tx1"/>
-            </a:solidFill>
-          </a:ln>
-        </p:spPr>
-        <p:style>
-          <a:lnRef idx="2">
-            <a:schemeClr val="accent6"/>
-          </a:lnRef>
-          <a:fillRef idx="1">
-            <a:schemeClr val="lt1"/>
-          </a:fillRef>
-          <a:effectRef idx="0">
-            <a:schemeClr val="accent6"/>
-          </a:effectRef>
-          <a:fontRef idx="minor">
-            <a:schemeClr val="dk1"/>
-          </a:fontRef>
-        </p:style>
-        <p:txBody>
-          <a:bodyPr rtlCol="0" anchor="ctr"/>
-          <a:lstStyle/>
-          <a:p>
-            <a:pPr algn="ctr"/>
-            <a:r>
-              <a:rPr lang="ko-KR" altLang="en-US" sz="1500" dirty="0"/>
-              <a:t>유의사항</a:t>
-            </a:r>
-          </a:p>
-        </p:txBody>
-      </p:sp>
-      <p:sp>
-        <p:nvSpPr>
-          <p:cNvPr id="19" name="직사각형 18">
-            <a:extLst>
-              <a:ext uri="{FF2B5EF4-FFF2-40B4-BE49-F238E27FC236}">
-                <a16:creationId xmlns:a16="http://schemas.microsoft.com/office/drawing/2014/main" id="{878C148B-C864-44A8-8C5B-B6BB61E5AB6D}"/>
-              </a:ext>
-            </a:extLst>
-          </p:cNvPr>
-          <p:cNvSpPr/>
-          <p:nvPr/>
-        </p:nvSpPr>
-        <p:spPr>
-          <a:xfrm>
-            <a:off x="2297594" y="6143163"/>
-            <a:ext cx="8012266" cy="284826"/>
+            <a:off x="1904276" y="1399260"/>
+            <a:ext cx="4294594" cy="4624350"/>
           </a:xfrm>
           <a:prstGeom prst="rect">
             <a:avLst/>
@@ -6226,7 +5814,7 @@
           <a:solidFill>
             <a:schemeClr val="bg1"/>
           </a:solidFill>
-          <a:ln w="28575">
+          <a:ln w="38100">
             <a:solidFill>
               <a:schemeClr val="tx1"/>
             </a:solidFill>
@@ -6253,13 +5841,128 @@
           <a:lstStyle/>
           <a:p>
             <a:pPr algn="ctr"/>
+            <a:endParaRPr lang="ko-KR" altLang="en-US" dirty="0"/>
+          </a:p>
+        </p:txBody>
+      </p:sp>
+      <p:sp>
+        <p:nvSpPr>
+          <p:cNvPr id="4" name="직사각형 3">
+            <a:extLst>
+              <a:ext uri="{FF2B5EF4-FFF2-40B4-BE49-F238E27FC236}">
+                <a16:creationId xmlns:a16="http://schemas.microsoft.com/office/drawing/2014/main" id="{F9541B1B-E75D-458D-B3D6-45A833B81256}"/>
+              </a:ext>
+            </a:extLst>
+          </p:cNvPr>
+          <p:cNvSpPr/>
+          <p:nvPr/>
+        </p:nvSpPr>
+        <p:spPr>
+          <a:xfrm>
+            <a:off x="2176162" y="1621129"/>
+            <a:ext cx="1535002" cy="321267"/>
+          </a:xfrm>
+          <a:prstGeom prst="rect">
+            <a:avLst/>
+          </a:prstGeom>
+          <a:solidFill>
+            <a:schemeClr val="bg1"/>
+          </a:solidFill>
+          <a:ln w="28575">
+            <a:solidFill>
+              <a:schemeClr val="tx1"/>
+            </a:solidFill>
+          </a:ln>
+        </p:spPr>
+        <p:style>
+          <a:lnRef idx="2">
+            <a:schemeClr val="accent1">
+              <a:shade val="50000"/>
+            </a:schemeClr>
+          </a:lnRef>
+          <a:fillRef idx="1">
+            <a:schemeClr val="accent1"/>
+          </a:fillRef>
+          <a:effectRef idx="0">
+            <a:schemeClr val="accent1"/>
+          </a:effectRef>
+          <a:fontRef idx="minor">
+            <a:schemeClr val="lt1"/>
+          </a:fontRef>
+        </p:style>
+        <p:txBody>
+          <a:bodyPr rtlCol="0" anchor="ctr"/>
+          <a:lstStyle/>
+          <a:p>
+            <a:pPr algn="ctr"/>
+            <a:r>
+              <a:rPr lang="ko-KR" altLang="en-US" dirty="0">
+                <a:solidFill>
+                  <a:schemeClr val="tx1"/>
+                </a:solidFill>
+              </a:rPr>
+              <a:t>아이디  찾기</a:t>
+            </a:r>
+          </a:p>
+        </p:txBody>
+      </p:sp>
+      <p:sp>
+        <p:nvSpPr>
+          <p:cNvPr id="7" name="직사각형 6">
+            <a:extLst>
+              <a:ext uri="{FF2B5EF4-FFF2-40B4-BE49-F238E27FC236}">
+                <a16:creationId xmlns:a16="http://schemas.microsoft.com/office/drawing/2014/main" id="{EC8D0DE9-61E8-4907-B692-EF4AF23DC798}"/>
+              </a:ext>
+            </a:extLst>
+          </p:cNvPr>
+          <p:cNvSpPr/>
+          <p:nvPr/>
+        </p:nvSpPr>
+        <p:spPr>
+          <a:xfrm>
+            <a:off x="2165768" y="2287566"/>
+            <a:ext cx="2722594" cy="321266"/>
+          </a:xfrm>
+          <a:prstGeom prst="rect">
+            <a:avLst/>
+          </a:prstGeom>
+          <a:solidFill>
+            <a:schemeClr val="bg1"/>
+          </a:solidFill>
+          <a:ln w="28575">
+            <a:solidFill>
+              <a:schemeClr val="tx1"/>
+            </a:solidFill>
+          </a:ln>
+        </p:spPr>
+        <p:style>
+          <a:lnRef idx="2">
+            <a:schemeClr val="accent1">
+              <a:shade val="50000"/>
+            </a:schemeClr>
+          </a:lnRef>
+          <a:fillRef idx="1">
+            <a:schemeClr val="accent1"/>
+          </a:fillRef>
+          <a:effectRef idx="0">
+            <a:schemeClr val="accent1"/>
+          </a:effectRef>
+          <a:fontRef idx="minor">
+            <a:schemeClr val="lt1"/>
+          </a:fontRef>
+        </p:style>
+        <p:txBody>
+          <a:bodyPr rtlCol="0" anchor="ctr"/>
+          <a:lstStyle/>
+          <a:p>
+            <a:pPr algn="ctr"/>
             <a:r>
               <a:rPr lang="en-US" altLang="ko-KR" dirty="0">
                 <a:solidFill>
                   <a:schemeClr val="tx1"/>
                 </a:solidFill>
               </a:rPr>
-              <a:t>6) </a:t>
+              <a:t> </a:t>
             </a:r>
             <a:r>
               <a:rPr lang="ko-KR" altLang="en-US" dirty="0">
@@ -6267,15 +5970,68 @@
                   <a:schemeClr val="tx1"/>
                 </a:solidFill>
               </a:rPr>
-              <a:t>개인정보 처리방침</a:t>
-            </a:r>
+              <a:t>휴대전화번호 인증</a:t>
+            </a:r>
+          </a:p>
+        </p:txBody>
+      </p:sp>
+      <p:sp>
+        <p:nvSpPr>
+          <p:cNvPr id="9" name="직사각형 8">
+            <a:extLst>
+              <a:ext uri="{FF2B5EF4-FFF2-40B4-BE49-F238E27FC236}">
+                <a16:creationId xmlns:a16="http://schemas.microsoft.com/office/drawing/2014/main" id="{A4BBE2AA-01E4-47CA-84EA-DA43246B3877}"/>
+              </a:ext>
+            </a:extLst>
+          </p:cNvPr>
+          <p:cNvSpPr/>
+          <p:nvPr/>
+        </p:nvSpPr>
+        <p:spPr>
+          <a:xfrm>
+            <a:off x="2161959" y="2824776"/>
+            <a:ext cx="1872964" cy="321266"/>
+          </a:xfrm>
+          <a:prstGeom prst="rect">
+            <a:avLst/>
+          </a:prstGeom>
+          <a:solidFill>
+            <a:schemeClr val="bg1"/>
+          </a:solidFill>
+          <a:ln w="28575">
+            <a:solidFill>
+              <a:schemeClr val="tx1"/>
+            </a:solidFill>
+          </a:ln>
+        </p:spPr>
+        <p:style>
+          <a:lnRef idx="2">
+            <a:schemeClr val="accent1">
+              <a:shade val="50000"/>
+            </a:schemeClr>
+          </a:lnRef>
+          <a:fillRef idx="1">
+            <a:schemeClr val="accent1"/>
+          </a:fillRef>
+          <a:effectRef idx="0">
+            <a:schemeClr val="accent1"/>
+          </a:effectRef>
+          <a:fontRef idx="minor">
+            <a:schemeClr val="lt1"/>
+          </a:fontRef>
+        </p:style>
+        <p:txBody>
+          <a:bodyPr rtlCol="0" anchor="ctr"/>
+          <a:lstStyle/>
+          <a:p>
+            <a:pPr algn="ctr"/>
             <a:r>
               <a:rPr lang="en-US" altLang="ko-KR" dirty="0">
                 <a:solidFill>
                   <a:schemeClr val="tx1"/>
                 </a:solidFill>
               </a:rPr>
-              <a:t>/</a:t>
+              <a:t>1&gt;</a:t>
             </a:r>
             <a:r>
               <a:rPr lang="ko-KR" altLang="en-US" dirty="0">
@@ -6283,23 +6039,67 @@
                   <a:schemeClr val="tx1"/>
                 </a:solidFill>
               </a:rPr>
-              <a:t> 사이트 정보 </a:t>
-            </a:r>
+              <a:t>이름</a:t>
+            </a:r>
+          </a:p>
+        </p:txBody>
+      </p:sp>
+      <p:sp>
+        <p:nvSpPr>
+          <p:cNvPr id="10" name="직사각형 9">
+            <a:extLst>
+              <a:ext uri="{FF2B5EF4-FFF2-40B4-BE49-F238E27FC236}">
+                <a16:creationId xmlns:a16="http://schemas.microsoft.com/office/drawing/2014/main" id="{84B65C4F-6D92-457B-93B3-ED52D61CAE82}"/>
+              </a:ext>
+            </a:extLst>
+          </p:cNvPr>
+          <p:cNvSpPr/>
+          <p:nvPr/>
+        </p:nvSpPr>
+        <p:spPr>
+          <a:xfrm>
+            <a:off x="2172611" y="3291371"/>
+            <a:ext cx="3648763" cy="358994"/>
+          </a:xfrm>
+          <a:prstGeom prst="rect">
+            <a:avLst/>
+          </a:prstGeom>
+          <a:solidFill>
+            <a:schemeClr val="bg1"/>
+          </a:solidFill>
+          <a:ln w="28575">
+            <a:solidFill>
+              <a:schemeClr val="tx1"/>
+            </a:solidFill>
+          </a:ln>
+        </p:spPr>
+        <p:style>
+          <a:lnRef idx="2">
+            <a:schemeClr val="accent1">
+              <a:shade val="50000"/>
+            </a:schemeClr>
+          </a:lnRef>
+          <a:fillRef idx="1">
+            <a:schemeClr val="accent1"/>
+          </a:fillRef>
+          <a:effectRef idx="0">
+            <a:schemeClr val="accent1"/>
+          </a:effectRef>
+          <a:fontRef idx="minor">
+            <a:schemeClr val="lt1"/>
+          </a:fontRef>
+        </p:style>
+        <p:txBody>
+          <a:bodyPr rtlCol="0" anchor="ctr"/>
+          <a:lstStyle/>
+          <a:p>
             <a:r>
               <a:rPr lang="en-US" altLang="ko-KR" dirty="0">
                 <a:solidFill>
                   <a:schemeClr val="tx1"/>
                 </a:solidFill>
               </a:rPr>
-              <a:t>/Copyright co.</a:t>
-            </a:r>
-            <a:r>
-              <a:rPr lang="ko-KR" altLang="en-US" dirty="0" err="1">
-                <a:solidFill>
-                  <a:schemeClr val="tx1"/>
-                </a:solidFill>
-              </a:rPr>
-              <a:t>떼걸룩</a:t>
+              <a:t>     2&gt;</a:t>
             </a:r>
             <a:r>
               <a:rPr lang="ko-KR" altLang="en-US" dirty="0">
@@ -6307,38 +6107,155 @@
                   <a:schemeClr val="tx1"/>
                 </a:solidFill>
               </a:rPr>
-              <a:t> </a:t>
-            </a:r>
+              <a:t> 휴대전화번호</a:t>
+            </a:r>
+          </a:p>
+        </p:txBody>
+      </p:sp>
+      <p:sp>
+        <p:nvSpPr>
+          <p:cNvPr id="11" name="직사각형 10">
+            <a:extLst>
+              <a:ext uri="{FF2B5EF4-FFF2-40B4-BE49-F238E27FC236}">
+                <a16:creationId xmlns:a16="http://schemas.microsoft.com/office/drawing/2014/main" id="{0700935F-179B-4CD6-9A82-6C98C6EE5C89}"/>
+              </a:ext>
+            </a:extLst>
+          </p:cNvPr>
+          <p:cNvSpPr/>
+          <p:nvPr/>
+        </p:nvSpPr>
+        <p:spPr>
+          <a:xfrm>
+            <a:off x="4648458" y="3291371"/>
+            <a:ext cx="1172915" cy="358994"/>
+          </a:xfrm>
+          <a:prstGeom prst="rect">
+            <a:avLst/>
+          </a:prstGeom>
+          <a:solidFill>
+            <a:schemeClr val="bg1"/>
+          </a:solidFill>
+          <a:ln w="28575">
+            <a:solidFill>
+              <a:schemeClr val="tx1"/>
+            </a:solidFill>
+          </a:ln>
+        </p:spPr>
+        <p:style>
+          <a:lnRef idx="2">
+            <a:schemeClr val="accent1">
+              <a:shade val="50000"/>
+            </a:schemeClr>
+          </a:lnRef>
+          <a:fillRef idx="1">
+            <a:schemeClr val="accent1"/>
+          </a:fillRef>
+          <a:effectRef idx="0">
+            <a:schemeClr val="accent1"/>
+          </a:effectRef>
+          <a:fontRef idx="minor">
+            <a:schemeClr val="lt1"/>
+          </a:fontRef>
+        </p:style>
+        <p:txBody>
+          <a:bodyPr rtlCol="0" anchor="ctr"/>
+          <a:lstStyle/>
+          <a:p>
+            <a:pPr algn="ctr"/>
+            <a:r>
+              <a:rPr lang="en-US" altLang="ko-KR" sz="1000" dirty="0">
+                <a:solidFill>
+                  <a:schemeClr val="tx1"/>
+                </a:solidFill>
+              </a:rPr>
+              <a:t>3&gt;</a:t>
+            </a:r>
+            <a:r>
+              <a:rPr lang="ko-KR" altLang="en-US" sz="1000" dirty="0">
+                <a:solidFill>
+                  <a:schemeClr val="tx1"/>
+                </a:solidFill>
+              </a:rPr>
+              <a:t>인증번호 받기</a:t>
+            </a:r>
+          </a:p>
+        </p:txBody>
+      </p:sp>
+      <p:sp>
+        <p:nvSpPr>
+          <p:cNvPr id="12" name="직사각형 11">
+            <a:extLst>
+              <a:ext uri="{FF2B5EF4-FFF2-40B4-BE49-F238E27FC236}">
+                <a16:creationId xmlns:a16="http://schemas.microsoft.com/office/drawing/2014/main" id="{143D2A0C-5A0B-466B-B621-F107C3A5B290}"/>
+              </a:ext>
+            </a:extLst>
+          </p:cNvPr>
+          <p:cNvSpPr/>
+          <p:nvPr/>
+        </p:nvSpPr>
+        <p:spPr>
+          <a:xfrm>
+            <a:off x="2172611" y="3828580"/>
+            <a:ext cx="2722594" cy="321266"/>
+          </a:xfrm>
+          <a:prstGeom prst="rect">
+            <a:avLst/>
+          </a:prstGeom>
+          <a:solidFill>
+            <a:schemeClr val="bg1"/>
+          </a:solidFill>
+          <a:ln w="28575">
+            <a:solidFill>
+              <a:schemeClr val="tx1"/>
+            </a:solidFill>
+          </a:ln>
+        </p:spPr>
+        <p:style>
+          <a:lnRef idx="2">
+            <a:schemeClr val="accent1">
+              <a:shade val="50000"/>
+            </a:schemeClr>
+          </a:lnRef>
+          <a:fillRef idx="1">
+            <a:schemeClr val="accent1"/>
+          </a:fillRef>
+          <a:effectRef idx="0">
+            <a:schemeClr val="accent1"/>
+          </a:effectRef>
+          <a:fontRef idx="minor">
+            <a:schemeClr val="lt1"/>
+          </a:fontRef>
+        </p:style>
+        <p:txBody>
+          <a:bodyPr rtlCol="0" anchor="ctr"/>
+          <a:lstStyle/>
+          <a:p>
+            <a:pPr algn="ctr"/>
             <a:r>
               <a:rPr lang="en-US" altLang="ko-KR" dirty="0">
                 <a:solidFill>
                   <a:schemeClr val="tx1"/>
                 </a:solidFill>
               </a:rPr>
-              <a:t>.</a:t>
-            </a:r>
-            <a:r>
-              <a:rPr lang="en-US" altLang="ko-KR" dirty="0" err="1">
+              <a:t>4&gt; </a:t>
+            </a:r>
+            <a:r>
+              <a:rPr lang="ko-KR" altLang="en-US" dirty="0">
                 <a:solidFill>
                   <a:schemeClr val="tx1"/>
                 </a:solidFill>
               </a:rPr>
-              <a:t>corp</a:t>
-            </a:r>
-            <a:endParaRPr lang="ko-KR" altLang="en-US" dirty="0">
-              <a:solidFill>
-                <a:schemeClr val="tx1"/>
-              </a:solidFill>
-            </a:endParaRPr>
-          </a:p>
-        </p:txBody>
-      </p:sp>
-      <p:sp>
-        <p:nvSpPr>
-          <p:cNvPr id="20" name="직사각형 19">
-            <a:extLst>
-              <a:ext uri="{FF2B5EF4-FFF2-40B4-BE49-F238E27FC236}">
-                <a16:creationId xmlns:a16="http://schemas.microsoft.com/office/drawing/2014/main" id="{8E13D3EA-A7DC-41CC-9CC0-65B7DE60026B}"/>
+              <a:t>인증번호 입력</a:t>
+            </a:r>
+          </a:p>
+        </p:txBody>
+      </p:sp>
+      <p:sp>
+        <p:nvSpPr>
+          <p:cNvPr id="13" name="직사각형 12">
+            <a:extLst>
+              <a:ext uri="{FF2B5EF4-FFF2-40B4-BE49-F238E27FC236}">
+                <a16:creationId xmlns:a16="http://schemas.microsoft.com/office/drawing/2014/main" id="{470AA575-FF26-489D-AE67-BF56B15AA9D4}"/>
               </a:ext>
             </a:extLst>
           </p:cNvPr>
@@ -6347,12 +6264,84 @@
         </p:nvSpPr>
         <p:spPr>
           <a:xfrm>
-            <a:off x="546842" y="260007"/>
-            <a:ext cx="1335298" cy="357918"/>
-          </a:xfrm>
-          <a:prstGeom prst="rect">
-            <a:avLst/>
-          </a:prstGeom>
+            <a:off x="2161959" y="4319458"/>
+            <a:ext cx="1522444" cy="321266"/>
+          </a:xfrm>
+          <a:prstGeom prst="rect">
+            <a:avLst/>
+          </a:prstGeom>
+          <a:solidFill>
+            <a:schemeClr val="bg1"/>
+          </a:solidFill>
+          <a:ln w="28575">
+            <a:solidFill>
+              <a:schemeClr val="tx1"/>
+            </a:solidFill>
+          </a:ln>
+        </p:spPr>
+        <p:style>
+          <a:lnRef idx="2">
+            <a:schemeClr val="accent1">
+              <a:shade val="50000"/>
+            </a:schemeClr>
+          </a:lnRef>
+          <a:fillRef idx="1">
+            <a:schemeClr val="accent1"/>
+          </a:fillRef>
+          <a:effectRef idx="0">
+            <a:schemeClr val="accent1"/>
+          </a:effectRef>
+          <a:fontRef idx="minor">
+            <a:schemeClr val="lt1"/>
+          </a:fontRef>
+        </p:style>
+        <p:txBody>
+          <a:bodyPr rtlCol="0" anchor="ctr"/>
+          <a:lstStyle/>
+          <a:p>
+            <a:pPr algn="ctr"/>
+            <a:r>
+              <a:rPr lang="en-US" altLang="ko-KR" dirty="0">
+                <a:solidFill>
+                  <a:schemeClr val="tx1"/>
+                </a:solidFill>
+              </a:rPr>
+              <a:t>5&gt; </a:t>
+            </a:r>
+            <a:r>
+              <a:rPr lang="ko-KR" altLang="en-US" dirty="0">
+                <a:solidFill>
+                  <a:schemeClr val="tx1"/>
+                </a:solidFill>
+              </a:rPr>
+              <a:t>확인</a:t>
+            </a:r>
+          </a:p>
+        </p:txBody>
+      </p:sp>
+      <p:sp>
+        <p:nvSpPr>
+          <p:cNvPr id="24" name="직사각형 23">
+            <a:extLst>
+              <a:ext uri="{FF2B5EF4-FFF2-40B4-BE49-F238E27FC236}">
+                <a16:creationId xmlns:a16="http://schemas.microsoft.com/office/drawing/2014/main" id="{1E49B622-AC92-4D35-960F-020F9C0C0BFE}"/>
+              </a:ext>
+            </a:extLst>
+          </p:cNvPr>
+          <p:cNvSpPr/>
+          <p:nvPr/>
+        </p:nvSpPr>
+        <p:spPr>
+          <a:xfrm>
+            <a:off x="6470756" y="1399260"/>
+            <a:ext cx="4294594" cy="4624350"/>
+          </a:xfrm>
+          <a:prstGeom prst="rect">
+            <a:avLst/>
+          </a:prstGeom>
+          <a:solidFill>
+            <a:schemeClr val="bg1"/>
+          </a:solidFill>
           <a:ln w="38100">
             <a:solidFill>
               <a:schemeClr val="tx1"/>
@@ -6361,42 +6350,576 @@
         </p:spPr>
         <p:style>
           <a:lnRef idx="2">
-            <a:schemeClr val="accent6"/>
+            <a:schemeClr val="accent1">
+              <a:shade val="50000"/>
+            </a:schemeClr>
           </a:lnRef>
           <a:fillRef idx="1">
-            <a:schemeClr val="lt1"/>
+            <a:schemeClr val="accent1"/>
           </a:fillRef>
           <a:effectRef idx="0">
-            <a:schemeClr val="accent6"/>
+            <a:schemeClr val="accent1"/>
           </a:effectRef>
           <a:fontRef idx="minor">
-            <a:schemeClr val="dk1"/>
+            <a:schemeClr val="lt1"/>
           </a:fontRef>
         </p:style>
         <p:txBody>
           <a:bodyPr rtlCol="0" anchor="ctr"/>
           <a:lstStyle/>
           <a:p>
-            <a:r>
-              <a:rPr lang="en-US" altLang="ko-KR" dirty="0"/>
-              <a:t>6-2</a:t>
-            </a:r>
-            <a:r>
-              <a:rPr lang="ko-KR" altLang="en-US" dirty="0"/>
-              <a:t>메인 </a:t>
-            </a:r>
-            <a:r>
-              <a:rPr lang="en-US" altLang="ko-KR" dirty="0"/>
-              <a:t>UI</a:t>
-            </a:r>
+            <a:pPr algn="ctr"/>
             <a:endParaRPr lang="ko-KR" altLang="en-US" dirty="0"/>
+          </a:p>
+        </p:txBody>
+      </p:sp>
+      <p:sp>
+        <p:nvSpPr>
+          <p:cNvPr id="25" name="직사각형 24">
+            <a:extLst>
+              <a:ext uri="{FF2B5EF4-FFF2-40B4-BE49-F238E27FC236}">
+                <a16:creationId xmlns:a16="http://schemas.microsoft.com/office/drawing/2014/main" id="{FA290105-1F08-4FD4-8334-9D87CD09CFFA}"/>
+              </a:ext>
+            </a:extLst>
+          </p:cNvPr>
+          <p:cNvSpPr/>
+          <p:nvPr/>
+        </p:nvSpPr>
+        <p:spPr>
+          <a:xfrm>
+            <a:off x="6742642" y="1586839"/>
+            <a:ext cx="1872964" cy="321267"/>
+          </a:xfrm>
+          <a:prstGeom prst="rect">
+            <a:avLst/>
+          </a:prstGeom>
+          <a:solidFill>
+            <a:schemeClr val="bg1"/>
+          </a:solidFill>
+          <a:ln w="28575">
+            <a:solidFill>
+              <a:schemeClr val="tx1"/>
+            </a:solidFill>
+          </a:ln>
+        </p:spPr>
+        <p:style>
+          <a:lnRef idx="2">
+            <a:schemeClr val="accent1">
+              <a:shade val="50000"/>
+            </a:schemeClr>
+          </a:lnRef>
+          <a:fillRef idx="1">
+            <a:schemeClr val="accent1"/>
+          </a:fillRef>
+          <a:effectRef idx="0">
+            <a:schemeClr val="accent1"/>
+          </a:effectRef>
+          <a:fontRef idx="minor">
+            <a:schemeClr val="lt1"/>
+          </a:fontRef>
+        </p:style>
+        <p:txBody>
+          <a:bodyPr rtlCol="0" anchor="ctr"/>
+          <a:lstStyle/>
+          <a:p>
+            <a:pPr algn="ctr"/>
+            <a:r>
+              <a:rPr lang="ko-KR" altLang="en-US">
+                <a:solidFill>
+                  <a:schemeClr val="tx1"/>
+                </a:solidFill>
+              </a:rPr>
+              <a:t>비밀번호  </a:t>
+            </a:r>
+            <a:r>
+              <a:rPr lang="ko-KR" altLang="en-US" dirty="0">
+                <a:solidFill>
+                  <a:schemeClr val="tx1"/>
+                </a:solidFill>
+              </a:rPr>
+              <a:t>찾기</a:t>
+            </a:r>
+          </a:p>
+        </p:txBody>
+      </p:sp>
+      <p:sp>
+        <p:nvSpPr>
+          <p:cNvPr id="26" name="직사각형 25">
+            <a:extLst>
+              <a:ext uri="{FF2B5EF4-FFF2-40B4-BE49-F238E27FC236}">
+                <a16:creationId xmlns:a16="http://schemas.microsoft.com/office/drawing/2014/main" id="{5127D9DD-1B47-4711-A854-C1D329EECDD5}"/>
+              </a:ext>
+            </a:extLst>
+          </p:cNvPr>
+          <p:cNvSpPr/>
+          <p:nvPr/>
+        </p:nvSpPr>
+        <p:spPr>
+          <a:xfrm>
+            <a:off x="6753294" y="2692432"/>
+            <a:ext cx="2722594" cy="321266"/>
+          </a:xfrm>
+          <a:prstGeom prst="rect">
+            <a:avLst/>
+          </a:prstGeom>
+          <a:solidFill>
+            <a:schemeClr val="bg1"/>
+          </a:solidFill>
+          <a:ln w="28575">
+            <a:solidFill>
+              <a:schemeClr val="tx1"/>
+            </a:solidFill>
+          </a:ln>
+        </p:spPr>
+        <p:style>
+          <a:lnRef idx="2">
+            <a:schemeClr val="accent1">
+              <a:shade val="50000"/>
+            </a:schemeClr>
+          </a:lnRef>
+          <a:fillRef idx="1">
+            <a:schemeClr val="accent1"/>
+          </a:fillRef>
+          <a:effectRef idx="0">
+            <a:schemeClr val="accent1"/>
+          </a:effectRef>
+          <a:fontRef idx="minor">
+            <a:schemeClr val="lt1"/>
+          </a:fontRef>
+        </p:style>
+        <p:txBody>
+          <a:bodyPr rtlCol="0" anchor="ctr"/>
+          <a:lstStyle/>
+          <a:p>
+            <a:pPr algn="ctr"/>
+            <a:r>
+              <a:rPr lang="ko-KR" altLang="en-US" dirty="0">
+                <a:solidFill>
+                  <a:schemeClr val="tx1"/>
+                </a:solidFill>
+              </a:rPr>
+              <a:t>휴대전화번호 인증</a:t>
+            </a:r>
+          </a:p>
+        </p:txBody>
+      </p:sp>
+      <p:sp>
+        <p:nvSpPr>
+          <p:cNvPr id="27" name="직사각형 26">
+            <a:extLst>
+              <a:ext uri="{FF2B5EF4-FFF2-40B4-BE49-F238E27FC236}">
+                <a16:creationId xmlns:a16="http://schemas.microsoft.com/office/drawing/2014/main" id="{20188951-0800-4F3C-814D-8EA8467BD228}"/>
+              </a:ext>
+            </a:extLst>
+          </p:cNvPr>
+          <p:cNvSpPr/>
+          <p:nvPr/>
+        </p:nvSpPr>
+        <p:spPr>
+          <a:xfrm>
+            <a:off x="6742642" y="3298437"/>
+            <a:ext cx="1872964" cy="321266"/>
+          </a:xfrm>
+          <a:prstGeom prst="rect">
+            <a:avLst/>
+          </a:prstGeom>
+          <a:solidFill>
+            <a:schemeClr val="bg1"/>
+          </a:solidFill>
+          <a:ln w="28575">
+            <a:solidFill>
+              <a:schemeClr val="tx1"/>
+            </a:solidFill>
+          </a:ln>
+        </p:spPr>
+        <p:style>
+          <a:lnRef idx="2">
+            <a:schemeClr val="accent1">
+              <a:shade val="50000"/>
+            </a:schemeClr>
+          </a:lnRef>
+          <a:fillRef idx="1">
+            <a:schemeClr val="accent1"/>
+          </a:fillRef>
+          <a:effectRef idx="0">
+            <a:schemeClr val="accent1"/>
+          </a:effectRef>
+          <a:fontRef idx="minor">
+            <a:schemeClr val="lt1"/>
+          </a:fontRef>
+        </p:style>
+        <p:txBody>
+          <a:bodyPr rtlCol="0" anchor="ctr"/>
+          <a:lstStyle/>
+          <a:p>
+            <a:pPr algn="ctr"/>
+            <a:r>
+              <a:rPr lang="en-US" altLang="ko-KR" dirty="0">
+                <a:solidFill>
+                  <a:schemeClr val="tx1"/>
+                </a:solidFill>
+              </a:rPr>
+              <a:t>7&gt;</a:t>
+            </a:r>
+            <a:r>
+              <a:rPr lang="ko-KR" altLang="en-US" dirty="0">
+                <a:solidFill>
+                  <a:schemeClr val="tx1"/>
+                </a:solidFill>
+              </a:rPr>
+              <a:t> 이름</a:t>
+            </a:r>
+          </a:p>
+        </p:txBody>
+      </p:sp>
+      <p:sp>
+        <p:nvSpPr>
+          <p:cNvPr id="28" name="직사각형 27">
+            <a:extLst>
+              <a:ext uri="{FF2B5EF4-FFF2-40B4-BE49-F238E27FC236}">
+                <a16:creationId xmlns:a16="http://schemas.microsoft.com/office/drawing/2014/main" id="{02CC82C3-A196-49EB-8E09-12CBA2988E3F}"/>
+              </a:ext>
+            </a:extLst>
+          </p:cNvPr>
+          <p:cNvSpPr/>
+          <p:nvPr/>
+        </p:nvSpPr>
+        <p:spPr>
+          <a:xfrm>
+            <a:off x="6753294" y="3765032"/>
+            <a:ext cx="3648763" cy="358994"/>
+          </a:xfrm>
+          <a:prstGeom prst="rect">
+            <a:avLst/>
+          </a:prstGeom>
+          <a:solidFill>
+            <a:schemeClr val="bg1"/>
+          </a:solidFill>
+          <a:ln w="28575">
+            <a:solidFill>
+              <a:schemeClr val="tx1"/>
+            </a:solidFill>
+          </a:ln>
+        </p:spPr>
+        <p:style>
+          <a:lnRef idx="2">
+            <a:schemeClr val="accent1">
+              <a:shade val="50000"/>
+            </a:schemeClr>
+          </a:lnRef>
+          <a:fillRef idx="1">
+            <a:schemeClr val="accent1"/>
+          </a:fillRef>
+          <a:effectRef idx="0">
+            <a:schemeClr val="accent1"/>
+          </a:effectRef>
+          <a:fontRef idx="minor">
+            <a:schemeClr val="lt1"/>
+          </a:fontRef>
+        </p:style>
+        <p:txBody>
+          <a:bodyPr rtlCol="0" anchor="ctr"/>
+          <a:lstStyle/>
+          <a:p>
+            <a:r>
+              <a:rPr lang="en-US" altLang="ko-KR" dirty="0">
+                <a:solidFill>
+                  <a:schemeClr val="tx1"/>
+                </a:solidFill>
+              </a:rPr>
+              <a:t>    8&gt; </a:t>
+            </a:r>
+            <a:r>
+              <a:rPr lang="ko-KR" altLang="en-US" dirty="0">
+                <a:solidFill>
+                  <a:schemeClr val="tx1"/>
+                </a:solidFill>
+              </a:rPr>
+              <a:t>휴대전화번호</a:t>
+            </a:r>
+          </a:p>
+        </p:txBody>
+      </p:sp>
+      <p:sp>
+        <p:nvSpPr>
+          <p:cNvPr id="29" name="직사각형 28">
+            <a:extLst>
+              <a:ext uri="{FF2B5EF4-FFF2-40B4-BE49-F238E27FC236}">
+                <a16:creationId xmlns:a16="http://schemas.microsoft.com/office/drawing/2014/main" id="{90EDC05E-A18F-4CA1-996C-898D98AA6FAC}"/>
+              </a:ext>
+            </a:extLst>
+          </p:cNvPr>
+          <p:cNvSpPr/>
+          <p:nvPr/>
+        </p:nvSpPr>
+        <p:spPr>
+          <a:xfrm>
+            <a:off x="9178289" y="3776479"/>
+            <a:ext cx="1216249" cy="347547"/>
+          </a:xfrm>
+          <a:prstGeom prst="rect">
+            <a:avLst/>
+          </a:prstGeom>
+          <a:solidFill>
+            <a:schemeClr val="bg1"/>
+          </a:solidFill>
+          <a:ln w="28575">
+            <a:solidFill>
+              <a:schemeClr val="tx1"/>
+            </a:solidFill>
+          </a:ln>
+        </p:spPr>
+        <p:style>
+          <a:lnRef idx="2">
+            <a:schemeClr val="accent1">
+              <a:shade val="50000"/>
+            </a:schemeClr>
+          </a:lnRef>
+          <a:fillRef idx="1">
+            <a:schemeClr val="accent1"/>
+          </a:fillRef>
+          <a:effectRef idx="0">
+            <a:schemeClr val="accent1"/>
+          </a:effectRef>
+          <a:fontRef idx="minor">
+            <a:schemeClr val="lt1"/>
+          </a:fontRef>
+        </p:style>
+        <p:txBody>
+          <a:bodyPr rtlCol="0" anchor="ctr"/>
+          <a:lstStyle/>
+          <a:p>
+            <a:pPr algn="ctr"/>
+            <a:r>
+              <a:rPr lang="en-US" altLang="ko-KR" sz="1000" dirty="0">
+                <a:solidFill>
+                  <a:schemeClr val="tx1"/>
+                </a:solidFill>
+              </a:rPr>
+              <a:t>9&gt; </a:t>
+            </a:r>
+            <a:r>
+              <a:rPr lang="ko-KR" altLang="en-US" sz="1000" dirty="0">
+                <a:solidFill>
+                  <a:schemeClr val="tx1"/>
+                </a:solidFill>
+              </a:rPr>
+              <a:t>인증번호 받기</a:t>
+            </a:r>
+          </a:p>
+        </p:txBody>
+      </p:sp>
+      <p:sp>
+        <p:nvSpPr>
+          <p:cNvPr id="30" name="직사각형 29">
+            <a:extLst>
+              <a:ext uri="{FF2B5EF4-FFF2-40B4-BE49-F238E27FC236}">
+                <a16:creationId xmlns:a16="http://schemas.microsoft.com/office/drawing/2014/main" id="{93FE29FD-BE64-4AF1-AAB1-12B89DC1DAB2}"/>
+              </a:ext>
+            </a:extLst>
+          </p:cNvPr>
+          <p:cNvSpPr/>
+          <p:nvPr/>
+        </p:nvSpPr>
+        <p:spPr>
+          <a:xfrm>
+            <a:off x="6753294" y="4302241"/>
+            <a:ext cx="2722594" cy="321266"/>
+          </a:xfrm>
+          <a:prstGeom prst="rect">
+            <a:avLst/>
+          </a:prstGeom>
+          <a:solidFill>
+            <a:schemeClr val="bg1"/>
+          </a:solidFill>
+          <a:ln w="28575">
+            <a:solidFill>
+              <a:schemeClr val="tx1"/>
+            </a:solidFill>
+          </a:ln>
+        </p:spPr>
+        <p:style>
+          <a:lnRef idx="2">
+            <a:schemeClr val="accent1">
+              <a:shade val="50000"/>
+            </a:schemeClr>
+          </a:lnRef>
+          <a:fillRef idx="1">
+            <a:schemeClr val="accent1"/>
+          </a:fillRef>
+          <a:effectRef idx="0">
+            <a:schemeClr val="accent1"/>
+          </a:effectRef>
+          <a:fontRef idx="minor">
+            <a:schemeClr val="lt1"/>
+          </a:fontRef>
+        </p:style>
+        <p:txBody>
+          <a:bodyPr rtlCol="0" anchor="ctr"/>
+          <a:lstStyle/>
+          <a:p>
+            <a:pPr algn="ctr"/>
+            <a:r>
+              <a:rPr lang="en-US" altLang="ko-KR" dirty="0">
+                <a:solidFill>
+                  <a:schemeClr val="tx1"/>
+                </a:solidFill>
+              </a:rPr>
+              <a:t>10&gt; </a:t>
+            </a:r>
+            <a:r>
+              <a:rPr lang="ko-KR" altLang="en-US" dirty="0">
+                <a:solidFill>
+                  <a:schemeClr val="tx1"/>
+                </a:solidFill>
+              </a:rPr>
+              <a:t>인증번호 입력</a:t>
+            </a:r>
+          </a:p>
+        </p:txBody>
+      </p:sp>
+      <p:sp>
+        <p:nvSpPr>
+          <p:cNvPr id="31" name="직사각형 30">
+            <a:extLst>
+              <a:ext uri="{FF2B5EF4-FFF2-40B4-BE49-F238E27FC236}">
+                <a16:creationId xmlns:a16="http://schemas.microsoft.com/office/drawing/2014/main" id="{976510BF-B9C8-44E8-A82E-69A8385AA40D}"/>
+              </a:ext>
+            </a:extLst>
+          </p:cNvPr>
+          <p:cNvSpPr/>
+          <p:nvPr/>
+        </p:nvSpPr>
+        <p:spPr>
+          <a:xfrm>
+            <a:off x="6742642" y="4793119"/>
+            <a:ext cx="1522444" cy="321266"/>
+          </a:xfrm>
+          <a:prstGeom prst="rect">
+            <a:avLst/>
+          </a:prstGeom>
+          <a:solidFill>
+            <a:schemeClr val="bg1"/>
+          </a:solidFill>
+          <a:ln w="28575">
+            <a:solidFill>
+              <a:schemeClr val="tx1"/>
+            </a:solidFill>
+          </a:ln>
+        </p:spPr>
+        <p:style>
+          <a:lnRef idx="2">
+            <a:schemeClr val="accent1">
+              <a:shade val="50000"/>
+            </a:schemeClr>
+          </a:lnRef>
+          <a:fillRef idx="1">
+            <a:schemeClr val="accent1"/>
+          </a:fillRef>
+          <a:effectRef idx="0">
+            <a:schemeClr val="accent1"/>
+          </a:effectRef>
+          <a:fontRef idx="minor">
+            <a:schemeClr val="lt1"/>
+          </a:fontRef>
+        </p:style>
+        <p:txBody>
+          <a:bodyPr rtlCol="0" anchor="ctr"/>
+          <a:lstStyle/>
+          <a:p>
+            <a:pPr algn="ctr"/>
+            <a:r>
+              <a:rPr lang="en-US" altLang="ko-KR" dirty="0">
+                <a:solidFill>
+                  <a:schemeClr val="tx1"/>
+                </a:solidFill>
+              </a:rPr>
+              <a:t>11&gt; </a:t>
+            </a:r>
+            <a:r>
+              <a:rPr lang="ko-KR" altLang="en-US" dirty="0">
+                <a:solidFill>
+                  <a:schemeClr val="tx1"/>
+                </a:solidFill>
+              </a:rPr>
+              <a:t>확인</a:t>
+            </a:r>
+          </a:p>
+        </p:txBody>
+      </p:sp>
+      <p:sp>
+        <p:nvSpPr>
+          <p:cNvPr id="32" name="직사각형 31">
+            <a:extLst>
+              <a:ext uri="{FF2B5EF4-FFF2-40B4-BE49-F238E27FC236}">
+                <a16:creationId xmlns:a16="http://schemas.microsoft.com/office/drawing/2014/main" id="{A02E450E-E18B-43A1-8A60-2EFE2F238E23}"/>
+              </a:ext>
+            </a:extLst>
+          </p:cNvPr>
+          <p:cNvSpPr/>
+          <p:nvPr/>
+        </p:nvSpPr>
+        <p:spPr>
+          <a:xfrm>
+            <a:off x="6753294" y="2157788"/>
+            <a:ext cx="3362674" cy="321266"/>
+          </a:xfrm>
+          <a:prstGeom prst="rect">
+            <a:avLst/>
+          </a:prstGeom>
+          <a:solidFill>
+            <a:schemeClr val="bg1"/>
+          </a:solidFill>
+          <a:ln w="28575">
+            <a:solidFill>
+              <a:schemeClr val="tx1"/>
+            </a:solidFill>
+          </a:ln>
+        </p:spPr>
+        <p:style>
+          <a:lnRef idx="2">
+            <a:schemeClr val="accent1">
+              <a:shade val="50000"/>
+            </a:schemeClr>
+          </a:lnRef>
+          <a:fillRef idx="1">
+            <a:schemeClr val="accent1"/>
+          </a:fillRef>
+          <a:effectRef idx="0">
+            <a:schemeClr val="accent1"/>
+          </a:effectRef>
+          <a:fontRef idx="minor">
+            <a:schemeClr val="lt1"/>
+          </a:fontRef>
+        </p:style>
+        <p:txBody>
+          <a:bodyPr rtlCol="0" anchor="ctr"/>
+          <a:lstStyle/>
+          <a:p>
+            <a:pPr algn="ctr"/>
+            <a:r>
+              <a:rPr lang="en-US" altLang="ko-KR" dirty="0">
+                <a:solidFill>
+                  <a:schemeClr val="tx1"/>
+                </a:solidFill>
+              </a:rPr>
+              <a:t>6&gt; </a:t>
+            </a:r>
+            <a:r>
+              <a:rPr lang="ko-KR" altLang="en-US" dirty="0">
+                <a:solidFill>
+                  <a:schemeClr val="tx1"/>
+                </a:solidFill>
+              </a:rPr>
+              <a:t>아이디 입력</a:t>
+            </a:r>
           </a:p>
         </p:txBody>
       </p:sp>
     </p:spTree>
     <p:extLst>
       <p:ext uri="{BB962C8B-B14F-4D97-AF65-F5344CB8AC3E}">
-        <p14:creationId xmlns:p14="http://schemas.microsoft.com/office/powerpoint/2010/main" val="2603119358"/>
+        <p14:creationId xmlns:p14="http://schemas.microsoft.com/office/powerpoint/2010/main" val="3992935238"/>
       </p:ext>
     </p:extLst>
   </p:cSld>
@@ -6428,7 +6951,7 @@
           <p:cNvPr id="2" name="직사각형 1">
             <a:extLst>
               <a:ext uri="{FF2B5EF4-FFF2-40B4-BE49-F238E27FC236}">
-                <a16:creationId xmlns:a16="http://schemas.microsoft.com/office/drawing/2014/main" id="{24356323-4836-4F0A-93C0-2B39CCC5019C}"/>
+                <a16:creationId xmlns:a16="http://schemas.microsoft.com/office/drawing/2014/main" id="{B72A1106-0EEB-406D-88BB-9C914D7DEEAD}"/>
               </a:ext>
             </a:extLst>
           </p:cNvPr>
@@ -6437,8 +6960,8 @@
         </p:nvSpPr>
         <p:spPr>
           <a:xfrm>
-            <a:off x="2366174" y="317157"/>
-            <a:ext cx="8012266" cy="6289383"/>
+            <a:off x="1554480" y="88185"/>
+            <a:ext cx="10534952" cy="6666946"/>
           </a:xfrm>
           <a:prstGeom prst="rect">
             <a:avLst/>
@@ -6480,10 +7003,10 @@
       </p:sp>
       <p:sp>
         <p:nvSpPr>
-          <p:cNvPr id="3" name="직사각형 2">
-            <a:extLst>
-              <a:ext uri="{FF2B5EF4-FFF2-40B4-BE49-F238E27FC236}">
-                <a16:creationId xmlns:a16="http://schemas.microsoft.com/office/drawing/2014/main" id="{9A06147B-0CE9-4710-9679-3FE6F8994060}"/>
+          <p:cNvPr id="4" name="직사각형 3">
+            <a:extLst>
+              <a:ext uri="{FF2B5EF4-FFF2-40B4-BE49-F238E27FC236}">
+                <a16:creationId xmlns:a16="http://schemas.microsoft.com/office/drawing/2014/main" id="{1CA2AD84-73BA-4DE3-A797-2452B7C56732}"/>
               </a:ext>
             </a:extLst>
           </p:cNvPr>
@@ -6492,13 +7015,13 @@
         </p:nvSpPr>
         <p:spPr>
           <a:xfrm>
-            <a:off x="546653" y="291465"/>
-            <a:ext cx="1584221" cy="345456"/>
-          </a:xfrm>
-          <a:prstGeom prst="rect">
-            <a:avLst/>
-          </a:prstGeom>
-          <a:ln w="19050">
+            <a:off x="1684150" y="173483"/>
+            <a:ext cx="1335298" cy="875857"/>
+          </a:xfrm>
+          <a:prstGeom prst="rect">
+            <a:avLst/>
+          </a:prstGeom>
+          <a:ln w="38100">
             <a:solidFill>
               <a:schemeClr val="tx1"/>
             </a:solidFill>
@@ -6524,30 +7047,22 @@
           <a:p>
             <a:pPr algn="ctr"/>
             <a:r>
-              <a:rPr lang="ko-KR" altLang="en-US" sz="1400" dirty="0">
-                <a:ln w="0"/>
-                <a:solidFill>
-                  <a:schemeClr val="tx1"/>
-                </a:solidFill>
-                <a:effectLst>
-                  <a:outerShdw blurRad="38100" dist="19050" dir="2700000" algn="tl" rotWithShape="0">
-                    <a:schemeClr val="dk1">
-                      <a:alpha val="40000"/>
-                    </a:schemeClr>
-                  </a:outerShdw>
-                </a:effectLst>
-              </a:rPr>
-              <a:t>마이페이지</a:t>
-            </a:r>
-          </a:p>
-        </p:txBody>
-      </p:sp>
-      <p:sp>
-        <p:nvSpPr>
-          <p:cNvPr id="4" name="직사각형 3">
-            <a:extLst>
-              <a:ext uri="{FF2B5EF4-FFF2-40B4-BE49-F238E27FC236}">
-                <a16:creationId xmlns:a16="http://schemas.microsoft.com/office/drawing/2014/main" id="{462FD3FC-0867-44B0-9A42-932E45265104}"/>
+              <a:rPr lang="en-US" altLang="ko-KR" dirty="0"/>
+              <a:t>2) </a:t>
+            </a:r>
+            <a:r>
+              <a:rPr lang="ko-KR" altLang="en-US" dirty="0"/>
+              <a:t>로고</a:t>
+            </a:r>
+          </a:p>
+        </p:txBody>
+      </p:sp>
+      <p:sp>
+        <p:nvSpPr>
+          <p:cNvPr id="6" name="직사각형 5">
+            <a:extLst>
+              <a:ext uri="{FF2B5EF4-FFF2-40B4-BE49-F238E27FC236}">
+                <a16:creationId xmlns:a16="http://schemas.microsoft.com/office/drawing/2014/main" id="{3E5EF0F5-F267-4253-894A-0AB6AF2496CD}"/>
               </a:ext>
             </a:extLst>
           </p:cNvPr>
@@ -6556,13 +7071,13 @@
         </p:nvSpPr>
         <p:spPr>
           <a:xfrm>
-            <a:off x="3042367" y="636921"/>
-            <a:ext cx="6524544" cy="486460"/>
-          </a:xfrm>
-          <a:prstGeom prst="rect">
-            <a:avLst/>
-          </a:prstGeom>
-          <a:ln w="28575">
+            <a:off x="3609158" y="768255"/>
+            <a:ext cx="6106342" cy="315061"/>
+          </a:xfrm>
+          <a:prstGeom prst="rect">
+            <a:avLst/>
+          </a:prstGeom>
+          <a:ln w="38100">
             <a:solidFill>
               <a:schemeClr val="tx1"/>
             </a:solidFill>
@@ -6586,28 +7101,24 @@
           <a:bodyPr rtlCol="0" anchor="ctr"/>
           <a:lstStyle/>
           <a:p>
-            <a:r>
-              <a:rPr lang="ko-KR" altLang="en-US" b="1" dirty="0" err="1"/>
-              <a:t>떼껄룩</a:t>
-            </a:r>
-            <a:r>
-              <a:rPr lang="ko-KR" altLang="en-US" b="1" dirty="0"/>
-              <a:t> </a:t>
-            </a:r>
-            <a:r>
-              <a:rPr lang="ko-KR" altLang="en-US" b="1" dirty="0" err="1"/>
-              <a:t>내정보</a:t>
-            </a:r>
-            <a:endParaRPr lang="ko-KR" altLang="en-US" b="1" dirty="0"/>
-          </a:p>
-        </p:txBody>
-      </p:sp>
-      <p:sp>
-        <p:nvSpPr>
-          <p:cNvPr id="5" name="직사각형 4">
-            <a:extLst>
-              <a:ext uri="{FF2B5EF4-FFF2-40B4-BE49-F238E27FC236}">
-                <a16:creationId xmlns:a16="http://schemas.microsoft.com/office/drawing/2014/main" id="{46D23D10-CB31-4F81-9975-9F267C2DECFF}"/>
+            <a:pPr algn="ctr"/>
+            <a:r>
+              <a:rPr lang="en-US" altLang="ko-KR" dirty="0"/>
+              <a:t>3) </a:t>
+            </a:r>
+            <a:r>
+              <a:rPr lang="ko-KR" altLang="en-US" dirty="0"/>
+              <a:t>검색</a:t>
+            </a:r>
+          </a:p>
+        </p:txBody>
+      </p:sp>
+      <p:sp>
+        <p:nvSpPr>
+          <p:cNvPr id="7" name="직사각형 6">
+            <a:extLst>
+              <a:ext uri="{FF2B5EF4-FFF2-40B4-BE49-F238E27FC236}">
+                <a16:creationId xmlns:a16="http://schemas.microsoft.com/office/drawing/2014/main" id="{DD1EF373-AE7E-4CF5-9F8F-D9F1A5F567C4}"/>
               </a:ext>
             </a:extLst>
           </p:cNvPr>
@@ -6616,13 +7127,13 @@
         </p:nvSpPr>
         <p:spPr>
           <a:xfrm>
-            <a:off x="3042367" y="1560547"/>
-            <a:ext cx="3200400" cy="2274129"/>
-          </a:xfrm>
-          <a:prstGeom prst="rect">
-            <a:avLst/>
-          </a:prstGeom>
-          <a:ln w="28575">
+            <a:off x="9918019" y="223160"/>
+            <a:ext cx="1962150" cy="437709"/>
+          </a:xfrm>
+          <a:prstGeom prst="rect">
+            <a:avLst/>
+          </a:prstGeom>
+          <a:ln w="38100">
             <a:solidFill>
               <a:schemeClr val="tx1"/>
             </a:solidFill>
@@ -6646,21 +7157,23 @@
           <a:bodyPr rtlCol="0" anchor="ctr"/>
           <a:lstStyle/>
           <a:p>
-            <a:pPr algn="ctr"/>
-            <a:r>
-              <a:rPr lang="ko-KR" altLang="en-US" sz="3000" b="1" dirty="0" err="1"/>
-              <a:t>쪽지함</a:t>
-            </a:r>
-            <a:endParaRPr lang="ko-KR" altLang="en-US" sz="3000" b="1" dirty="0"/>
-          </a:p>
-        </p:txBody>
-      </p:sp>
-      <p:sp>
-        <p:nvSpPr>
-          <p:cNvPr id="6" name="직사각형 5">
-            <a:extLst>
-              <a:ext uri="{FF2B5EF4-FFF2-40B4-BE49-F238E27FC236}">
-                <a16:creationId xmlns:a16="http://schemas.microsoft.com/office/drawing/2014/main" id="{8BE6E4FE-0474-4DFE-AC53-5B7EE9E4B053}"/>
+            <a:pPr marL="342900" indent="-342900">
+              <a:buAutoNum type="arabicParenR"/>
+            </a:pPr>
+            <a:r>
+              <a:rPr lang="ko-KR" altLang="en-US" sz="1500" dirty="0"/>
+              <a:t>회원</a:t>
+            </a:r>
+            <a:endParaRPr lang="en-US" altLang="ko-KR" sz="1500" dirty="0"/>
+          </a:p>
+        </p:txBody>
+      </p:sp>
+      <p:sp>
+        <p:nvSpPr>
+          <p:cNvPr id="8" name="직사각형 7">
+            <a:extLst>
+              <a:ext uri="{FF2B5EF4-FFF2-40B4-BE49-F238E27FC236}">
+                <a16:creationId xmlns:a16="http://schemas.microsoft.com/office/drawing/2014/main" id="{BADB3C00-AB8B-4889-A12A-393956DAFFCC}"/>
               </a:ext>
             </a:extLst>
           </p:cNvPr>
@@ -6669,13 +7182,13 @@
         </p:nvSpPr>
         <p:spPr>
           <a:xfrm>
-            <a:off x="3054257" y="4054694"/>
-            <a:ext cx="3200400" cy="1868452"/>
-          </a:xfrm>
-          <a:prstGeom prst="rect">
-            <a:avLst/>
-          </a:prstGeom>
-          <a:ln w="28575">
+            <a:off x="2481730" y="1218087"/>
+            <a:ext cx="8845399" cy="391710"/>
+          </a:xfrm>
+          <a:prstGeom prst="rect">
+            <a:avLst/>
+          </a:prstGeom>
+          <a:ln w="38100">
             <a:solidFill>
               <a:schemeClr val="tx1"/>
             </a:solidFill>
@@ -6699,36 +7212,24 @@
           <a:bodyPr rtlCol="0" anchor="ctr"/>
           <a:lstStyle/>
           <a:p>
-            <a:pPr algn="ctr"/>
-            <a:r>
-              <a:rPr lang="ko-KR" altLang="en-US" sz="3000" b="1" dirty="0"/>
-              <a:t>회원정보 </a:t>
-            </a:r>
-            <a:endParaRPr lang="en-US" altLang="ko-KR" sz="3000" b="1" dirty="0"/>
-          </a:p>
-          <a:p>
-            <a:pPr algn="ctr"/>
-            <a:r>
-              <a:rPr lang="ko-KR" altLang="en-US" sz="3000" b="1" dirty="0"/>
-              <a:t>수정 </a:t>
-            </a:r>
-            <a:r>
-              <a:rPr lang="en-US" altLang="ko-KR" sz="3000" b="1" dirty="0"/>
-              <a:t>/ </a:t>
-            </a:r>
-            <a:r>
-              <a:rPr lang="ko-KR" altLang="en-US" sz="3000" b="1" dirty="0"/>
-              <a:t>탈퇴</a:t>
-            </a:r>
-          </a:p>
-        </p:txBody>
-      </p:sp>
-      <p:sp>
-        <p:nvSpPr>
-          <p:cNvPr id="7" name="직사각형 6">
-            <a:extLst>
-              <a:ext uri="{FF2B5EF4-FFF2-40B4-BE49-F238E27FC236}">
-                <a16:creationId xmlns:a16="http://schemas.microsoft.com/office/drawing/2014/main" id="{E4DB211E-BE70-476A-A0D4-3995DAD3F38D}"/>
+            <a:pPr algn="r"/>
+            <a:r>
+              <a:rPr lang="en-US" altLang="ko-KR" dirty="0"/>
+              <a:t>4) </a:t>
+            </a:r>
+            <a:r>
+              <a:rPr lang="ko-KR" altLang="en-US" dirty="0"/>
+              <a:t>네비게이션</a:t>
+            </a:r>
+          </a:p>
+        </p:txBody>
+      </p:sp>
+      <p:sp>
+        <p:nvSpPr>
+          <p:cNvPr id="9" name="직사각형 8">
+            <a:extLst>
+              <a:ext uri="{FF2B5EF4-FFF2-40B4-BE49-F238E27FC236}">
+                <a16:creationId xmlns:a16="http://schemas.microsoft.com/office/drawing/2014/main" id="{E20E3290-9DD9-436D-8987-45BB0D623ECF}"/>
               </a:ext>
             </a:extLst>
           </p:cNvPr>
@@ -6737,13 +7238,13 @@
         </p:nvSpPr>
         <p:spPr>
           <a:xfrm>
-            <a:off x="6372307" y="1560548"/>
-            <a:ext cx="3200400" cy="4362598"/>
-          </a:xfrm>
-          <a:prstGeom prst="rect">
-            <a:avLst/>
-          </a:prstGeom>
-          <a:ln w="28575">
+            <a:off x="2481729" y="1713639"/>
+            <a:ext cx="8845399" cy="4184241"/>
+          </a:xfrm>
+          <a:prstGeom prst="rect">
+            <a:avLst/>
+          </a:prstGeom>
+          <a:ln w="38100">
             <a:solidFill>
               <a:schemeClr val="tx1"/>
             </a:solidFill>
@@ -6768,20 +7269,16 @@
           <a:lstStyle/>
           <a:p>
             <a:pPr algn="ctr"/>
-            <a:r>
-              <a:rPr lang="ko-KR" altLang="en-US" sz="3000" b="1" dirty="0"/>
-              <a:t>거래 내역</a:t>
-            </a:r>
-            <a:endParaRPr lang="en-US" altLang="ko-KR" sz="3000" b="1" dirty="0"/>
-          </a:p>
-        </p:txBody>
-      </p:sp>
-      <p:sp>
-        <p:nvSpPr>
-          <p:cNvPr id="8" name="직사각형 7">
-            <a:extLst>
-              <a:ext uri="{FF2B5EF4-FFF2-40B4-BE49-F238E27FC236}">
-                <a16:creationId xmlns:a16="http://schemas.microsoft.com/office/drawing/2014/main" id="{6E17CCE4-5AD3-4E8E-8FB9-015F4E798902}"/>
+            <a:endParaRPr lang="ko-KR" altLang="en-US" dirty="0"/>
+          </a:p>
+        </p:txBody>
+      </p:sp>
+      <p:sp>
+        <p:nvSpPr>
+          <p:cNvPr id="10" name="직사각형 9">
+            <a:extLst>
+              <a:ext uri="{FF2B5EF4-FFF2-40B4-BE49-F238E27FC236}">
+                <a16:creationId xmlns:a16="http://schemas.microsoft.com/office/drawing/2014/main" id="{AC53831B-99E2-489B-BE41-C6A491DA1348}"/>
               </a:ext>
             </a:extLst>
           </p:cNvPr>
@@ -6790,8 +7287,529 @@
         </p:nvSpPr>
         <p:spPr>
           <a:xfrm>
-            <a:off x="3048164" y="6143163"/>
-            <a:ext cx="6524543" cy="284826"/>
+            <a:off x="2779019" y="2341877"/>
+            <a:ext cx="3015989" cy="1554417"/>
+          </a:xfrm>
+          <a:prstGeom prst="rect">
+            <a:avLst/>
+          </a:prstGeom>
+          <a:ln w="38100">
+            <a:solidFill>
+              <a:schemeClr val="tx1"/>
+            </a:solidFill>
+          </a:ln>
+        </p:spPr>
+        <p:style>
+          <a:lnRef idx="2">
+            <a:schemeClr val="accent6"/>
+          </a:lnRef>
+          <a:fillRef idx="1">
+            <a:schemeClr val="lt1"/>
+          </a:fillRef>
+          <a:effectRef idx="0">
+            <a:schemeClr val="accent6"/>
+          </a:effectRef>
+          <a:fontRef idx="minor">
+            <a:schemeClr val="dk1"/>
+          </a:fontRef>
+        </p:style>
+        <p:txBody>
+          <a:bodyPr rtlCol="0" anchor="ctr"/>
+          <a:lstStyle/>
+          <a:p>
+            <a:pPr algn="ctr"/>
+            <a:r>
+              <a:rPr lang="ko-KR" altLang="en-US" dirty="0"/>
+              <a:t>블랙리스트</a:t>
+            </a:r>
+          </a:p>
+        </p:txBody>
+      </p:sp>
+      <p:sp>
+        <p:nvSpPr>
+          <p:cNvPr id="11" name="직사각형 10">
+            <a:extLst>
+              <a:ext uri="{FF2B5EF4-FFF2-40B4-BE49-F238E27FC236}">
+                <a16:creationId xmlns:a16="http://schemas.microsoft.com/office/drawing/2014/main" id="{4D404286-3940-4EDC-B4A7-4ED3C25D1ECF}"/>
+              </a:ext>
+            </a:extLst>
+          </p:cNvPr>
+          <p:cNvSpPr/>
+          <p:nvPr/>
+        </p:nvSpPr>
+        <p:spPr>
+          <a:xfrm>
+            <a:off x="2779019" y="1868663"/>
+            <a:ext cx="2028719" cy="345103"/>
+          </a:xfrm>
+          <a:prstGeom prst="rect">
+            <a:avLst/>
+          </a:prstGeom>
+          <a:ln w="38100">
+            <a:solidFill>
+              <a:schemeClr val="tx1"/>
+            </a:solidFill>
+          </a:ln>
+        </p:spPr>
+        <p:style>
+          <a:lnRef idx="2">
+            <a:schemeClr val="accent6"/>
+          </a:lnRef>
+          <a:fillRef idx="1">
+            <a:schemeClr val="lt1"/>
+          </a:fillRef>
+          <a:effectRef idx="0">
+            <a:schemeClr val="accent6"/>
+          </a:effectRef>
+          <a:fontRef idx="minor">
+            <a:schemeClr val="dk1"/>
+          </a:fontRef>
+        </p:style>
+        <p:txBody>
+          <a:bodyPr rtlCol="0" anchor="ctr"/>
+          <a:lstStyle/>
+          <a:p>
+            <a:pPr algn="ctr"/>
+            <a:r>
+              <a:rPr lang="en-US" altLang="ko-KR" dirty="0"/>
+              <a:t>5) </a:t>
+            </a:r>
+            <a:r>
+              <a:rPr lang="ko-KR" altLang="en-US" dirty="0" err="1"/>
+              <a:t>메인인덱스</a:t>
+            </a:r>
+            <a:endParaRPr lang="ko-KR" altLang="en-US" dirty="0"/>
+          </a:p>
+        </p:txBody>
+      </p:sp>
+      <p:sp>
+        <p:nvSpPr>
+          <p:cNvPr id="12" name="직사각형 11">
+            <a:extLst>
+              <a:ext uri="{FF2B5EF4-FFF2-40B4-BE49-F238E27FC236}">
+                <a16:creationId xmlns:a16="http://schemas.microsoft.com/office/drawing/2014/main" id="{C19A91D9-6AE2-4938-B29E-332C1AA83D5B}"/>
+              </a:ext>
+            </a:extLst>
+          </p:cNvPr>
+          <p:cNvSpPr/>
+          <p:nvPr/>
+        </p:nvSpPr>
+        <p:spPr>
+          <a:xfrm>
+            <a:off x="2779019" y="4024405"/>
+            <a:ext cx="3015989" cy="1615508"/>
+          </a:xfrm>
+          <a:prstGeom prst="rect">
+            <a:avLst/>
+          </a:prstGeom>
+          <a:ln w="38100">
+            <a:solidFill>
+              <a:schemeClr val="tx1"/>
+            </a:solidFill>
+          </a:ln>
+        </p:spPr>
+        <p:style>
+          <a:lnRef idx="2">
+            <a:schemeClr val="accent6"/>
+          </a:lnRef>
+          <a:fillRef idx="1">
+            <a:schemeClr val="lt1"/>
+          </a:fillRef>
+          <a:effectRef idx="0">
+            <a:schemeClr val="accent6"/>
+          </a:effectRef>
+          <a:fontRef idx="minor">
+            <a:schemeClr val="dk1"/>
+          </a:fontRef>
+        </p:style>
+        <p:txBody>
+          <a:bodyPr rtlCol="0" anchor="ctr"/>
+          <a:lstStyle/>
+          <a:p>
+            <a:pPr algn="ctr"/>
+            <a:r>
+              <a:rPr lang="ko-KR" altLang="en-US" dirty="0"/>
+              <a:t>키워드</a:t>
+            </a:r>
+          </a:p>
+        </p:txBody>
+      </p:sp>
+      <p:sp>
+        <p:nvSpPr>
+          <p:cNvPr id="13" name="직사각형 12">
+            <a:extLst>
+              <a:ext uri="{FF2B5EF4-FFF2-40B4-BE49-F238E27FC236}">
+                <a16:creationId xmlns:a16="http://schemas.microsoft.com/office/drawing/2014/main" id="{D66B30E4-D14B-441C-BC67-70CB0D2A9A90}"/>
+              </a:ext>
+            </a:extLst>
+          </p:cNvPr>
+          <p:cNvSpPr/>
+          <p:nvPr/>
+        </p:nvSpPr>
+        <p:spPr>
+          <a:xfrm>
+            <a:off x="5953126" y="2341878"/>
+            <a:ext cx="1476374" cy="1478042"/>
+          </a:xfrm>
+          <a:prstGeom prst="rect">
+            <a:avLst/>
+          </a:prstGeom>
+          <a:ln w="38100">
+            <a:solidFill>
+              <a:schemeClr val="tx1"/>
+            </a:solidFill>
+          </a:ln>
+        </p:spPr>
+        <p:style>
+          <a:lnRef idx="2">
+            <a:schemeClr val="accent6"/>
+          </a:lnRef>
+          <a:fillRef idx="1">
+            <a:schemeClr val="lt1"/>
+          </a:fillRef>
+          <a:effectRef idx="0">
+            <a:schemeClr val="accent6"/>
+          </a:effectRef>
+          <a:fontRef idx="minor">
+            <a:schemeClr val="dk1"/>
+          </a:fontRef>
+        </p:style>
+        <p:txBody>
+          <a:bodyPr rtlCol="0" anchor="ctr"/>
+          <a:lstStyle/>
+          <a:p>
+            <a:pPr algn="ctr"/>
+            <a:r>
+              <a:rPr lang="ko-KR" altLang="en-US" dirty="0"/>
+              <a:t>공지</a:t>
+            </a:r>
+          </a:p>
+        </p:txBody>
+      </p:sp>
+      <p:sp>
+        <p:nvSpPr>
+          <p:cNvPr id="14" name="직사각형 13">
+            <a:extLst>
+              <a:ext uri="{FF2B5EF4-FFF2-40B4-BE49-F238E27FC236}">
+                <a16:creationId xmlns:a16="http://schemas.microsoft.com/office/drawing/2014/main" id="{38D5E0DC-7C0F-4336-BF65-A39F1540B8D3}"/>
+              </a:ext>
+            </a:extLst>
+          </p:cNvPr>
+          <p:cNvSpPr/>
+          <p:nvPr/>
+        </p:nvSpPr>
+        <p:spPr>
+          <a:xfrm>
+            <a:off x="9317621" y="4031778"/>
+            <a:ext cx="1397944" cy="1584903"/>
+          </a:xfrm>
+          <a:prstGeom prst="rect">
+            <a:avLst/>
+          </a:prstGeom>
+          <a:ln w="38100">
+            <a:solidFill>
+              <a:schemeClr val="tx1"/>
+            </a:solidFill>
+          </a:ln>
+        </p:spPr>
+        <p:style>
+          <a:lnRef idx="2">
+            <a:schemeClr val="accent6"/>
+          </a:lnRef>
+          <a:fillRef idx="1">
+            <a:schemeClr val="lt1"/>
+          </a:fillRef>
+          <a:effectRef idx="0">
+            <a:schemeClr val="accent6"/>
+          </a:effectRef>
+          <a:fontRef idx="minor">
+            <a:schemeClr val="dk1"/>
+          </a:fontRef>
+        </p:style>
+        <p:txBody>
+          <a:bodyPr rtlCol="0" anchor="ctr"/>
+          <a:lstStyle/>
+          <a:p>
+            <a:pPr algn="ctr"/>
+            <a:r>
+              <a:rPr lang="ko-KR" altLang="en-US" sz="1500" dirty="0"/>
+              <a:t>게시글</a:t>
+            </a:r>
+            <a:endParaRPr lang="en-US" altLang="ko-KR" sz="1500" dirty="0"/>
+          </a:p>
+          <a:p>
+            <a:pPr algn="ctr"/>
+            <a:r>
+              <a:rPr lang="ko-KR" altLang="en-US" sz="1500" dirty="0"/>
+              <a:t>상위 </a:t>
+            </a:r>
+            <a:r>
+              <a:rPr lang="en-US" altLang="ko-KR" sz="1500" dirty="0"/>
+              <a:t>5</a:t>
+            </a:r>
+            <a:r>
+              <a:rPr lang="ko-KR" altLang="en-US" sz="1500" dirty="0"/>
+              <a:t>개</a:t>
+            </a:r>
+          </a:p>
+        </p:txBody>
+      </p:sp>
+      <p:sp>
+        <p:nvSpPr>
+          <p:cNvPr id="15" name="직사각형 14">
+            <a:extLst>
+              <a:ext uri="{FF2B5EF4-FFF2-40B4-BE49-F238E27FC236}">
+                <a16:creationId xmlns:a16="http://schemas.microsoft.com/office/drawing/2014/main" id="{1E15A2DE-2F43-4C82-91DF-609661D4C7A3}"/>
+              </a:ext>
+            </a:extLst>
+          </p:cNvPr>
+          <p:cNvSpPr/>
+          <p:nvPr/>
+        </p:nvSpPr>
+        <p:spPr>
+          <a:xfrm>
+            <a:off x="7635374" y="4029612"/>
+            <a:ext cx="1476373" cy="1595492"/>
+          </a:xfrm>
+          <a:prstGeom prst="rect">
+            <a:avLst/>
+          </a:prstGeom>
+          <a:ln w="38100">
+            <a:solidFill>
+              <a:schemeClr val="tx1"/>
+            </a:solidFill>
+          </a:ln>
+        </p:spPr>
+        <p:style>
+          <a:lnRef idx="2">
+            <a:schemeClr val="accent6"/>
+          </a:lnRef>
+          <a:fillRef idx="1">
+            <a:schemeClr val="lt1"/>
+          </a:fillRef>
+          <a:effectRef idx="0">
+            <a:schemeClr val="accent6"/>
+          </a:effectRef>
+          <a:fontRef idx="minor">
+            <a:schemeClr val="dk1"/>
+          </a:fontRef>
+        </p:style>
+        <p:txBody>
+          <a:bodyPr rtlCol="0" anchor="ctr"/>
+          <a:lstStyle/>
+          <a:p>
+            <a:pPr algn="ctr"/>
+            <a:r>
+              <a:rPr lang="ko-KR" altLang="en-US" sz="1500" dirty="0" err="1"/>
+              <a:t>구매글</a:t>
+            </a:r>
+            <a:endParaRPr lang="en-US" altLang="ko-KR" sz="1500" dirty="0"/>
+          </a:p>
+          <a:p>
+            <a:pPr algn="ctr"/>
+            <a:r>
+              <a:rPr lang="ko-KR" altLang="en-US" sz="1500" dirty="0"/>
+              <a:t>상위 </a:t>
+            </a:r>
+            <a:r>
+              <a:rPr lang="en-US" altLang="ko-KR" sz="1500" dirty="0"/>
+              <a:t>5</a:t>
+            </a:r>
+            <a:r>
+              <a:rPr lang="ko-KR" altLang="en-US" sz="1500" dirty="0"/>
+              <a:t>개</a:t>
+            </a:r>
+          </a:p>
+        </p:txBody>
+      </p:sp>
+      <p:sp>
+        <p:nvSpPr>
+          <p:cNvPr id="16" name="직사각형 15">
+            <a:extLst>
+              <a:ext uri="{FF2B5EF4-FFF2-40B4-BE49-F238E27FC236}">
+                <a16:creationId xmlns:a16="http://schemas.microsoft.com/office/drawing/2014/main" id="{013E2233-C775-4044-9DAC-1436D1713311}"/>
+              </a:ext>
+            </a:extLst>
+          </p:cNvPr>
+          <p:cNvSpPr/>
+          <p:nvPr/>
+        </p:nvSpPr>
+        <p:spPr>
+          <a:xfrm>
+            <a:off x="5953126" y="4024405"/>
+            <a:ext cx="1476374" cy="1600699"/>
+          </a:xfrm>
+          <a:prstGeom prst="rect">
+            <a:avLst/>
+          </a:prstGeom>
+          <a:ln w="38100">
+            <a:solidFill>
+              <a:schemeClr val="tx1"/>
+            </a:solidFill>
+          </a:ln>
+        </p:spPr>
+        <p:style>
+          <a:lnRef idx="2">
+            <a:schemeClr val="accent6"/>
+          </a:lnRef>
+          <a:fillRef idx="1">
+            <a:schemeClr val="lt1"/>
+          </a:fillRef>
+          <a:effectRef idx="0">
+            <a:schemeClr val="accent6"/>
+          </a:effectRef>
+          <a:fontRef idx="minor">
+            <a:schemeClr val="dk1"/>
+          </a:fontRef>
+        </p:style>
+        <p:txBody>
+          <a:bodyPr rtlCol="0" anchor="ctr"/>
+          <a:lstStyle/>
+          <a:p>
+            <a:pPr algn="ctr"/>
+            <a:r>
+              <a:rPr lang="ko-KR" altLang="en-US" sz="1500" dirty="0" err="1"/>
+              <a:t>판매글</a:t>
+            </a:r>
+            <a:endParaRPr lang="en-US" altLang="ko-KR" sz="1500" dirty="0"/>
+          </a:p>
+          <a:p>
+            <a:pPr algn="ctr"/>
+            <a:r>
+              <a:rPr lang="ko-KR" altLang="en-US" sz="1500" dirty="0"/>
+              <a:t>상위 </a:t>
+            </a:r>
+            <a:r>
+              <a:rPr lang="en-US" altLang="ko-KR" sz="1500" dirty="0"/>
+              <a:t>5</a:t>
+            </a:r>
+            <a:r>
+              <a:rPr lang="ko-KR" altLang="en-US" sz="1500" dirty="0"/>
+              <a:t>개</a:t>
+            </a:r>
+          </a:p>
+        </p:txBody>
+      </p:sp>
+      <p:sp>
+        <p:nvSpPr>
+          <p:cNvPr id="17" name="직사각형 16">
+            <a:extLst>
+              <a:ext uri="{FF2B5EF4-FFF2-40B4-BE49-F238E27FC236}">
+                <a16:creationId xmlns:a16="http://schemas.microsoft.com/office/drawing/2014/main" id="{A901336C-BCD5-4687-8CE3-DA00DD1EBFF3}"/>
+              </a:ext>
+            </a:extLst>
+          </p:cNvPr>
+          <p:cNvSpPr/>
+          <p:nvPr/>
+        </p:nvSpPr>
+        <p:spPr>
+          <a:xfrm>
+            <a:off x="7597054" y="2336871"/>
+            <a:ext cx="1476373" cy="1478042"/>
+          </a:xfrm>
+          <a:prstGeom prst="rect">
+            <a:avLst/>
+          </a:prstGeom>
+          <a:ln w="38100">
+            <a:solidFill>
+              <a:schemeClr val="tx1"/>
+            </a:solidFill>
+          </a:ln>
+        </p:spPr>
+        <p:style>
+          <a:lnRef idx="2">
+            <a:schemeClr val="accent6"/>
+          </a:lnRef>
+          <a:fillRef idx="1">
+            <a:schemeClr val="lt1"/>
+          </a:fillRef>
+          <a:effectRef idx="0">
+            <a:schemeClr val="accent6"/>
+          </a:effectRef>
+          <a:fontRef idx="minor">
+            <a:schemeClr val="dk1"/>
+          </a:fontRef>
+        </p:style>
+        <p:txBody>
+          <a:bodyPr rtlCol="0" anchor="ctr"/>
+          <a:lstStyle/>
+          <a:p>
+            <a:pPr algn="ctr"/>
+            <a:r>
+              <a:rPr lang="ko-KR" altLang="en-US" dirty="0"/>
+              <a:t>이벤트</a:t>
+            </a:r>
+          </a:p>
+        </p:txBody>
+      </p:sp>
+      <p:sp>
+        <p:nvSpPr>
+          <p:cNvPr id="18" name="직사각형 17">
+            <a:extLst>
+              <a:ext uri="{FF2B5EF4-FFF2-40B4-BE49-F238E27FC236}">
+                <a16:creationId xmlns:a16="http://schemas.microsoft.com/office/drawing/2014/main" id="{C63D6C8E-DEF2-4ADD-A622-BE40EE720045}"/>
+              </a:ext>
+            </a:extLst>
+          </p:cNvPr>
+          <p:cNvSpPr/>
+          <p:nvPr/>
+        </p:nvSpPr>
+        <p:spPr>
+          <a:xfrm>
+            <a:off x="9239192" y="2321598"/>
+            <a:ext cx="1476373" cy="1478042"/>
+          </a:xfrm>
+          <a:prstGeom prst="rect">
+            <a:avLst/>
+          </a:prstGeom>
+          <a:ln w="38100">
+            <a:solidFill>
+              <a:schemeClr val="tx1"/>
+            </a:solidFill>
+          </a:ln>
+        </p:spPr>
+        <p:style>
+          <a:lnRef idx="2">
+            <a:schemeClr val="accent6"/>
+          </a:lnRef>
+          <a:fillRef idx="1">
+            <a:schemeClr val="lt1"/>
+          </a:fillRef>
+          <a:effectRef idx="0">
+            <a:schemeClr val="accent6"/>
+          </a:effectRef>
+          <a:fontRef idx="minor">
+            <a:schemeClr val="dk1"/>
+          </a:fontRef>
+        </p:style>
+        <p:txBody>
+          <a:bodyPr rtlCol="0" anchor="ctr"/>
+          <a:lstStyle/>
+          <a:p>
+            <a:pPr algn="ctr"/>
+            <a:r>
+              <a:rPr lang="ko-KR" altLang="en-US" sz="1500" dirty="0"/>
+              <a:t>유의사항</a:t>
+            </a:r>
+          </a:p>
+        </p:txBody>
+      </p:sp>
+      <p:sp>
+        <p:nvSpPr>
+          <p:cNvPr id="19" name="직사각형 18">
+            <a:extLst>
+              <a:ext uri="{FF2B5EF4-FFF2-40B4-BE49-F238E27FC236}">
+                <a16:creationId xmlns:a16="http://schemas.microsoft.com/office/drawing/2014/main" id="{878C148B-C864-44A8-8C5B-B6BB61E5AB6D}"/>
+              </a:ext>
+            </a:extLst>
+          </p:cNvPr>
+          <p:cNvSpPr/>
+          <p:nvPr/>
+        </p:nvSpPr>
+        <p:spPr>
+          <a:xfrm>
+            <a:off x="1966124" y="6143163"/>
+            <a:ext cx="9715336" cy="284826"/>
           </a:xfrm>
           <a:prstGeom prst="rect">
             <a:avLst/>
@@ -6827,6 +7845,14 @@
           <a:p>
             <a:pPr algn="ctr"/>
             <a:r>
+              <a:rPr lang="en-US" altLang="ko-KR" dirty="0">
+                <a:solidFill>
+                  <a:schemeClr val="tx1"/>
+                </a:solidFill>
+              </a:rPr>
+              <a:t>6) </a:t>
+            </a:r>
+            <a:r>
               <a:rPr lang="ko-KR" altLang="en-US" dirty="0">
                 <a:solidFill>
                   <a:schemeClr val="tx1"/>
@@ -6898,10 +7924,463 @@
           </a:p>
         </p:txBody>
       </p:sp>
+      <p:sp>
+        <p:nvSpPr>
+          <p:cNvPr id="20" name="직사각형 19">
+            <a:extLst>
+              <a:ext uri="{FF2B5EF4-FFF2-40B4-BE49-F238E27FC236}">
+                <a16:creationId xmlns:a16="http://schemas.microsoft.com/office/drawing/2014/main" id="{8E13D3EA-A7DC-41CC-9CC0-65B7DE60026B}"/>
+              </a:ext>
+            </a:extLst>
+          </p:cNvPr>
+          <p:cNvSpPr/>
+          <p:nvPr/>
+        </p:nvSpPr>
+        <p:spPr>
+          <a:xfrm>
+            <a:off x="56848" y="88184"/>
+            <a:ext cx="1371600" cy="357918"/>
+          </a:xfrm>
+          <a:prstGeom prst="rect">
+            <a:avLst/>
+          </a:prstGeom>
+          <a:ln w="19050">
+            <a:solidFill>
+              <a:schemeClr val="tx1"/>
+            </a:solidFill>
+          </a:ln>
+        </p:spPr>
+        <p:style>
+          <a:lnRef idx="2">
+            <a:schemeClr val="accent6"/>
+          </a:lnRef>
+          <a:fillRef idx="1">
+            <a:schemeClr val="lt1"/>
+          </a:fillRef>
+          <a:effectRef idx="0">
+            <a:schemeClr val="accent6"/>
+          </a:effectRef>
+          <a:fontRef idx="minor">
+            <a:schemeClr val="dk1"/>
+          </a:fontRef>
+        </p:style>
+        <p:txBody>
+          <a:bodyPr rtlCol="0" anchor="ctr"/>
+          <a:lstStyle/>
+          <a:p>
+            <a:r>
+              <a:rPr lang="en-US" altLang="ko-KR" dirty="0"/>
+              <a:t>6-2 </a:t>
+            </a:r>
+            <a:r>
+              <a:rPr lang="ko-KR" altLang="en-US" dirty="0"/>
+              <a:t>메인 </a:t>
+            </a:r>
+            <a:r>
+              <a:rPr lang="en-US" altLang="ko-KR" dirty="0"/>
+              <a:t>UI</a:t>
+            </a:r>
+            <a:endParaRPr lang="ko-KR" altLang="en-US" dirty="0"/>
+          </a:p>
+        </p:txBody>
+      </p:sp>
+      <p:sp>
+        <p:nvSpPr>
+          <p:cNvPr id="24" name="직사각형 23">
+            <a:extLst>
+              <a:ext uri="{FF2B5EF4-FFF2-40B4-BE49-F238E27FC236}">
+                <a16:creationId xmlns:a16="http://schemas.microsoft.com/office/drawing/2014/main" id="{94864B1F-F667-483F-B190-9ACEBAA23C11}"/>
+              </a:ext>
+            </a:extLst>
+          </p:cNvPr>
+          <p:cNvSpPr/>
+          <p:nvPr/>
+        </p:nvSpPr>
+        <p:spPr>
+          <a:xfrm>
+            <a:off x="10864940" y="344628"/>
+            <a:ext cx="904316" cy="216486"/>
+          </a:xfrm>
+          <a:prstGeom prst="rect">
+            <a:avLst/>
+          </a:prstGeom>
+          <a:ln>
+            <a:solidFill>
+              <a:schemeClr val="tx1"/>
+            </a:solidFill>
+          </a:ln>
+        </p:spPr>
+        <p:style>
+          <a:lnRef idx="2">
+            <a:schemeClr val="accent6"/>
+          </a:lnRef>
+          <a:fillRef idx="1">
+            <a:schemeClr val="lt1"/>
+          </a:fillRef>
+          <a:effectRef idx="0">
+            <a:schemeClr val="accent6"/>
+          </a:effectRef>
+          <a:fontRef idx="minor">
+            <a:schemeClr val="dk1"/>
+          </a:fontRef>
+        </p:style>
+        <p:txBody>
+          <a:bodyPr rtlCol="0" anchor="ctr"/>
+          <a:lstStyle/>
+          <a:p>
+            <a:pPr algn="ctr"/>
+            <a:r>
+              <a:rPr lang="en-US" altLang="ko-KR" sz="800" dirty="0"/>
+              <a:t>1-1 </a:t>
+            </a:r>
+            <a:r>
+              <a:rPr lang="ko-KR" altLang="en-US" sz="800" dirty="0"/>
+              <a:t>마이페이지</a:t>
+            </a:r>
+          </a:p>
+        </p:txBody>
+      </p:sp>
+      <p:sp>
+        <p:nvSpPr>
+          <p:cNvPr id="25" name="직사각형 24">
+            <a:extLst>
+              <a:ext uri="{FF2B5EF4-FFF2-40B4-BE49-F238E27FC236}">
+                <a16:creationId xmlns:a16="http://schemas.microsoft.com/office/drawing/2014/main" id="{0814EBD4-39D9-442F-A4EE-C2B3B530FBF1}"/>
+              </a:ext>
+            </a:extLst>
+          </p:cNvPr>
+          <p:cNvSpPr/>
+          <p:nvPr/>
+        </p:nvSpPr>
+        <p:spPr>
+          <a:xfrm>
+            <a:off x="3654878" y="811679"/>
+            <a:ext cx="825682" cy="216486"/>
+          </a:xfrm>
+          <a:prstGeom prst="rect">
+            <a:avLst/>
+          </a:prstGeom>
+          <a:ln>
+            <a:solidFill>
+              <a:schemeClr val="tx1"/>
+            </a:solidFill>
+          </a:ln>
+        </p:spPr>
+        <p:style>
+          <a:lnRef idx="2">
+            <a:schemeClr val="accent6"/>
+          </a:lnRef>
+          <a:fillRef idx="1">
+            <a:schemeClr val="lt1"/>
+          </a:fillRef>
+          <a:effectRef idx="0">
+            <a:schemeClr val="accent6"/>
+          </a:effectRef>
+          <a:fontRef idx="minor">
+            <a:schemeClr val="dk1"/>
+          </a:fontRef>
+        </p:style>
+        <p:txBody>
+          <a:bodyPr rtlCol="0" anchor="ctr"/>
+          <a:lstStyle/>
+          <a:p>
+            <a:pPr algn="ctr"/>
+            <a:r>
+              <a:rPr lang="en-US" altLang="ko-KR" sz="1000" dirty="0"/>
+              <a:t>3-1 </a:t>
+            </a:r>
+            <a:r>
+              <a:rPr lang="ko-KR" altLang="en-US" sz="1000" dirty="0"/>
+              <a:t>팝니다</a:t>
+            </a:r>
+          </a:p>
+        </p:txBody>
+      </p:sp>
+      <p:sp>
+        <p:nvSpPr>
+          <p:cNvPr id="26" name="직사각형 25">
+            <a:extLst>
+              <a:ext uri="{FF2B5EF4-FFF2-40B4-BE49-F238E27FC236}">
+                <a16:creationId xmlns:a16="http://schemas.microsoft.com/office/drawing/2014/main" id="{07FF657E-46B6-4E66-B096-74FBC992713A}"/>
+              </a:ext>
+            </a:extLst>
+          </p:cNvPr>
+          <p:cNvSpPr/>
+          <p:nvPr/>
+        </p:nvSpPr>
+        <p:spPr>
+          <a:xfrm>
+            <a:off x="4549326" y="826147"/>
+            <a:ext cx="825681" cy="191123"/>
+          </a:xfrm>
+          <a:prstGeom prst="rect">
+            <a:avLst/>
+          </a:prstGeom>
+          <a:ln>
+            <a:solidFill>
+              <a:schemeClr val="tx1"/>
+            </a:solidFill>
+          </a:ln>
+        </p:spPr>
+        <p:style>
+          <a:lnRef idx="2">
+            <a:schemeClr val="accent6"/>
+          </a:lnRef>
+          <a:fillRef idx="1">
+            <a:schemeClr val="lt1"/>
+          </a:fillRef>
+          <a:effectRef idx="0">
+            <a:schemeClr val="accent6"/>
+          </a:effectRef>
+          <a:fontRef idx="minor">
+            <a:schemeClr val="dk1"/>
+          </a:fontRef>
+        </p:style>
+        <p:txBody>
+          <a:bodyPr rtlCol="0" anchor="ctr"/>
+          <a:lstStyle/>
+          <a:p>
+            <a:pPr algn="ctr"/>
+            <a:r>
+              <a:rPr lang="en-US" altLang="ko-KR" sz="1000" dirty="0"/>
+              <a:t>3-2 </a:t>
+            </a:r>
+            <a:r>
+              <a:rPr lang="ko-KR" altLang="en-US" sz="1000" dirty="0"/>
+              <a:t>삽니다</a:t>
+            </a:r>
+          </a:p>
+        </p:txBody>
+      </p:sp>
+      <p:sp>
+        <p:nvSpPr>
+          <p:cNvPr id="27" name="직사각형 26">
+            <a:extLst>
+              <a:ext uri="{FF2B5EF4-FFF2-40B4-BE49-F238E27FC236}">
+                <a16:creationId xmlns:a16="http://schemas.microsoft.com/office/drawing/2014/main" id="{2FF4EA96-2942-4B8B-B1AC-DA6AF7B2531F}"/>
+              </a:ext>
+            </a:extLst>
+          </p:cNvPr>
+          <p:cNvSpPr/>
+          <p:nvPr/>
+        </p:nvSpPr>
+        <p:spPr>
+          <a:xfrm>
+            <a:off x="2717956" y="1317632"/>
+            <a:ext cx="1617927" cy="217944"/>
+          </a:xfrm>
+          <a:prstGeom prst="rect">
+            <a:avLst/>
+          </a:prstGeom>
+          <a:ln>
+            <a:solidFill>
+              <a:schemeClr val="tx1"/>
+            </a:solidFill>
+          </a:ln>
+        </p:spPr>
+        <p:style>
+          <a:lnRef idx="2">
+            <a:schemeClr val="accent6"/>
+          </a:lnRef>
+          <a:fillRef idx="1">
+            <a:schemeClr val="lt1"/>
+          </a:fillRef>
+          <a:effectRef idx="0">
+            <a:schemeClr val="accent6"/>
+          </a:effectRef>
+          <a:fontRef idx="minor">
+            <a:schemeClr val="dk1"/>
+          </a:fontRef>
+        </p:style>
+        <p:txBody>
+          <a:bodyPr rtlCol="0" anchor="ctr"/>
+          <a:lstStyle/>
+          <a:p>
+            <a:pPr algn="ctr"/>
+            <a:r>
+              <a:rPr lang="en-US" altLang="ko-KR" sz="1400" dirty="0"/>
+              <a:t>4-1 </a:t>
+            </a:r>
+            <a:r>
+              <a:rPr lang="ko-KR" altLang="en-US" sz="1400" dirty="0" err="1"/>
+              <a:t>새소식</a:t>
+            </a:r>
+            <a:endParaRPr lang="ko-KR" altLang="en-US" sz="1400" dirty="0"/>
+          </a:p>
+        </p:txBody>
+      </p:sp>
+      <p:sp>
+        <p:nvSpPr>
+          <p:cNvPr id="29" name="직사각형 28">
+            <a:extLst>
+              <a:ext uri="{FF2B5EF4-FFF2-40B4-BE49-F238E27FC236}">
+                <a16:creationId xmlns:a16="http://schemas.microsoft.com/office/drawing/2014/main" id="{0CD7660D-6ED4-4225-AA6B-048B994A61C4}"/>
+              </a:ext>
+            </a:extLst>
+          </p:cNvPr>
+          <p:cNvSpPr/>
+          <p:nvPr/>
+        </p:nvSpPr>
+        <p:spPr>
+          <a:xfrm>
+            <a:off x="4534118" y="1310372"/>
+            <a:ext cx="1617927" cy="225204"/>
+          </a:xfrm>
+          <a:prstGeom prst="rect">
+            <a:avLst/>
+          </a:prstGeom>
+          <a:ln>
+            <a:solidFill>
+              <a:schemeClr val="tx1"/>
+            </a:solidFill>
+          </a:ln>
+        </p:spPr>
+        <p:style>
+          <a:lnRef idx="2">
+            <a:schemeClr val="accent6"/>
+          </a:lnRef>
+          <a:fillRef idx="1">
+            <a:schemeClr val="lt1"/>
+          </a:fillRef>
+          <a:effectRef idx="0">
+            <a:schemeClr val="accent6"/>
+          </a:effectRef>
+          <a:fontRef idx="minor">
+            <a:schemeClr val="dk1"/>
+          </a:fontRef>
+        </p:style>
+        <p:txBody>
+          <a:bodyPr rtlCol="0" anchor="ctr"/>
+          <a:lstStyle/>
+          <a:p>
+            <a:pPr algn="ctr"/>
+            <a:r>
+              <a:rPr lang="en-US" altLang="ko-KR" sz="1400" dirty="0"/>
+              <a:t>4-2 </a:t>
+            </a:r>
+            <a:r>
+              <a:rPr lang="ko-KR" altLang="en-US" sz="1400" dirty="0"/>
+              <a:t>중고거래</a:t>
+            </a:r>
+          </a:p>
+        </p:txBody>
+      </p:sp>
+      <p:sp>
+        <p:nvSpPr>
+          <p:cNvPr id="30" name="직사각형 29">
+            <a:extLst>
+              <a:ext uri="{FF2B5EF4-FFF2-40B4-BE49-F238E27FC236}">
+                <a16:creationId xmlns:a16="http://schemas.microsoft.com/office/drawing/2014/main" id="{A1FB2C8B-A003-46C2-A200-ADE9DB74584E}"/>
+              </a:ext>
+            </a:extLst>
+          </p:cNvPr>
+          <p:cNvSpPr/>
+          <p:nvPr/>
+        </p:nvSpPr>
+        <p:spPr>
+          <a:xfrm>
+            <a:off x="6324652" y="1302598"/>
+            <a:ext cx="1617927" cy="232977"/>
+          </a:xfrm>
+          <a:prstGeom prst="rect">
+            <a:avLst/>
+          </a:prstGeom>
+          <a:ln>
+            <a:solidFill>
+              <a:schemeClr val="tx1"/>
+            </a:solidFill>
+          </a:ln>
+        </p:spPr>
+        <p:style>
+          <a:lnRef idx="2">
+            <a:schemeClr val="accent6"/>
+          </a:lnRef>
+          <a:fillRef idx="1">
+            <a:schemeClr val="lt1"/>
+          </a:fillRef>
+          <a:effectRef idx="0">
+            <a:schemeClr val="accent6"/>
+          </a:effectRef>
+          <a:fontRef idx="minor">
+            <a:schemeClr val="dk1"/>
+          </a:fontRef>
+        </p:style>
+        <p:txBody>
+          <a:bodyPr rtlCol="0" anchor="ctr"/>
+          <a:lstStyle/>
+          <a:p>
+            <a:pPr algn="ctr"/>
+            <a:r>
+              <a:rPr lang="en-US" altLang="ko-KR" sz="1400" dirty="0"/>
+              <a:t>4-3 </a:t>
+            </a:r>
+            <a:r>
+              <a:rPr lang="ko-KR" altLang="en-US" sz="1400" dirty="0"/>
+              <a:t>자유게시판</a:t>
+            </a:r>
+          </a:p>
+        </p:txBody>
+      </p:sp>
+      <p:sp>
+        <p:nvSpPr>
+          <p:cNvPr id="31" name="직사각형 30">
+            <a:extLst>
+              <a:ext uri="{FF2B5EF4-FFF2-40B4-BE49-F238E27FC236}">
+                <a16:creationId xmlns:a16="http://schemas.microsoft.com/office/drawing/2014/main" id="{35DB3CDC-F2D9-4412-B849-D15BDE61795B}"/>
+              </a:ext>
+            </a:extLst>
+          </p:cNvPr>
+          <p:cNvSpPr/>
+          <p:nvPr/>
+        </p:nvSpPr>
+        <p:spPr>
+          <a:xfrm>
+            <a:off x="8092326" y="1302598"/>
+            <a:ext cx="1617927" cy="232976"/>
+          </a:xfrm>
+          <a:prstGeom prst="rect">
+            <a:avLst/>
+          </a:prstGeom>
+          <a:ln>
+            <a:solidFill>
+              <a:schemeClr val="tx1"/>
+            </a:solidFill>
+          </a:ln>
+        </p:spPr>
+        <p:style>
+          <a:lnRef idx="2">
+            <a:schemeClr val="accent6"/>
+          </a:lnRef>
+          <a:fillRef idx="1">
+            <a:schemeClr val="lt1"/>
+          </a:fillRef>
+          <a:effectRef idx="0">
+            <a:schemeClr val="accent6"/>
+          </a:effectRef>
+          <a:fontRef idx="minor">
+            <a:schemeClr val="dk1"/>
+          </a:fontRef>
+        </p:style>
+        <p:txBody>
+          <a:bodyPr rtlCol="0" anchor="ctr"/>
+          <a:lstStyle/>
+          <a:p>
+            <a:pPr algn="ctr"/>
+            <a:r>
+              <a:rPr lang="en-US" altLang="ko-KR" sz="1400" dirty="0"/>
+              <a:t>4-4 </a:t>
+            </a:r>
+            <a:r>
+              <a:rPr lang="ko-KR" altLang="en-US" sz="1400" dirty="0"/>
+              <a:t>고객센터</a:t>
+            </a:r>
+          </a:p>
+        </p:txBody>
+      </p:sp>
     </p:spTree>
     <p:extLst>
       <p:ext uri="{BB962C8B-B14F-4D97-AF65-F5344CB8AC3E}">
-        <p14:creationId xmlns:p14="http://schemas.microsoft.com/office/powerpoint/2010/main" val="2522453605"/>
+        <p14:creationId xmlns:p14="http://schemas.microsoft.com/office/powerpoint/2010/main" val="2603119358"/>
       </p:ext>
     </p:extLst>
   </p:cSld>
@@ -6933,7 +8412,7 @@
           <p:cNvPr id="2" name="직사각형 1">
             <a:extLst>
               <a:ext uri="{FF2B5EF4-FFF2-40B4-BE49-F238E27FC236}">
-                <a16:creationId xmlns:a16="http://schemas.microsoft.com/office/drawing/2014/main" id="{F967B7BD-644B-49BC-B8ED-0B9B798267D3}"/>
+                <a16:creationId xmlns:a16="http://schemas.microsoft.com/office/drawing/2014/main" id="{24356323-4836-4F0A-93C0-2B39CCC5019C}"/>
               </a:ext>
             </a:extLst>
           </p:cNvPr>
@@ -6942,7 +8421,7 @@
         </p:nvSpPr>
         <p:spPr>
           <a:xfrm>
-            <a:off x="2366174" y="317157"/>
+            <a:off x="2298506" y="291465"/>
             <a:ext cx="8012266" cy="6289383"/>
           </a:xfrm>
           <a:prstGeom prst="rect">
@@ -6988,7 +8467,7 @@
           <p:cNvPr id="3" name="직사각형 2">
             <a:extLst>
               <a:ext uri="{FF2B5EF4-FFF2-40B4-BE49-F238E27FC236}">
-                <a16:creationId xmlns:a16="http://schemas.microsoft.com/office/drawing/2014/main" id="{4DEC405D-74C7-49F4-9912-10E2D317CFB6}"/>
+                <a16:creationId xmlns:a16="http://schemas.microsoft.com/office/drawing/2014/main" id="{9A06147B-0CE9-4710-9679-3FE6F8994060}"/>
               </a:ext>
             </a:extLst>
           </p:cNvPr>
@@ -7029,7 +8508,7 @@
           <a:p>
             <a:pPr algn="ctr"/>
             <a:r>
-              <a:rPr lang="ko-KR" altLang="en-US" sz="1400" dirty="0" err="1">
+              <a:rPr lang="en-US" altLang="ko-KR" sz="1400" dirty="0">
                 <a:ln w="0"/>
                 <a:solidFill>
                   <a:schemeClr val="tx1"/>
@@ -7042,7 +8521,7 @@
                   </a:outerShdw>
                 </a:effectLst>
               </a:rPr>
-              <a:t>쪽지함</a:t>
+              <a:t>6-3</a:t>
             </a:r>
             <a:r>
               <a:rPr lang="ko-KR" altLang="en-US" sz="1400" dirty="0">
@@ -7058,17 +8537,17 @@
                   </a:outerShdw>
                 </a:effectLst>
               </a:rPr>
-              <a:t> 폼</a:t>
-            </a:r>
-          </a:p>
-        </p:txBody>
-      </p:sp>
-      <p:sp>
-        <p:nvSpPr>
-          <p:cNvPr id="5" name="직사각형 4">
-            <a:extLst>
-              <a:ext uri="{FF2B5EF4-FFF2-40B4-BE49-F238E27FC236}">
-                <a16:creationId xmlns:a16="http://schemas.microsoft.com/office/drawing/2014/main" id="{B645579D-DE29-4518-A5F5-C903C841F7C8}"/>
+              <a:t> 마이페이지</a:t>
+            </a:r>
+          </a:p>
+        </p:txBody>
+      </p:sp>
+      <p:sp>
+        <p:nvSpPr>
+          <p:cNvPr id="4" name="직사각형 3">
+            <a:extLst>
+              <a:ext uri="{FF2B5EF4-FFF2-40B4-BE49-F238E27FC236}">
+                <a16:creationId xmlns:a16="http://schemas.microsoft.com/office/drawing/2014/main" id="{462FD3FC-0867-44B0-9A42-932E45265104}"/>
               </a:ext>
             </a:extLst>
           </p:cNvPr>
@@ -7077,8 +8556,8 @@
         </p:nvSpPr>
         <p:spPr>
           <a:xfrm>
-            <a:off x="3121465" y="950635"/>
-            <a:ext cx="6524544" cy="5119990"/>
+            <a:off x="3042367" y="556889"/>
+            <a:ext cx="6524544" cy="486460"/>
           </a:xfrm>
           <a:prstGeom prst="rect">
             <a:avLst/>
@@ -7107,16 +8586,28 @@
           <a:bodyPr rtlCol="0" anchor="ctr"/>
           <a:lstStyle/>
           <a:p>
+            <a:r>
+              <a:rPr lang="ko-KR" altLang="en-US" b="1" dirty="0" err="1"/>
+              <a:t>떼껄룩</a:t>
+            </a:r>
+            <a:r>
+              <a:rPr lang="ko-KR" altLang="en-US" b="1" dirty="0"/>
+              <a:t> </a:t>
+            </a:r>
+            <a:r>
+              <a:rPr lang="ko-KR" altLang="en-US" b="1" dirty="0" err="1"/>
+              <a:t>내정보</a:t>
+            </a:r>
             <a:endParaRPr lang="ko-KR" altLang="en-US" b="1" dirty="0"/>
           </a:p>
         </p:txBody>
       </p:sp>
       <p:sp>
         <p:nvSpPr>
-          <p:cNvPr id="6" name="직사각형 5">
-            <a:extLst>
-              <a:ext uri="{FF2B5EF4-FFF2-40B4-BE49-F238E27FC236}">
-                <a16:creationId xmlns:a16="http://schemas.microsoft.com/office/drawing/2014/main" id="{24D02816-E5E4-421E-89D7-B7E1B74E610E}"/>
+          <p:cNvPr id="5" name="직사각형 4">
+            <a:extLst>
+              <a:ext uri="{FF2B5EF4-FFF2-40B4-BE49-F238E27FC236}">
+                <a16:creationId xmlns:a16="http://schemas.microsoft.com/office/drawing/2014/main" id="{46D23D10-CB31-4F81-9975-9F267C2DECFF}"/>
               </a:ext>
             </a:extLst>
           </p:cNvPr>
@@ -7125,8 +8616,8 @@
         </p:nvSpPr>
         <p:spPr>
           <a:xfrm>
-            <a:off x="3177539" y="1088815"/>
-            <a:ext cx="6309361" cy="465665"/>
+            <a:off x="3042367" y="1451611"/>
+            <a:ext cx="3200400" cy="2383066"/>
           </a:xfrm>
           <a:prstGeom prst="rect">
             <a:avLst/>
@@ -7155,23 +8646,41 @@
           <a:bodyPr rtlCol="0" anchor="ctr"/>
           <a:lstStyle/>
           <a:p>
-            <a:r>
-              <a:rPr lang="ko-KR" altLang="en-US" b="1" dirty="0" err="1"/>
-              <a:t>떼껄룩</a:t>
-            </a:r>
-            <a:r>
-              <a:rPr lang="ko-KR" altLang="en-US" b="1" dirty="0"/>
-              <a:t>  쪽지</a:t>
-            </a:r>
-          </a:p>
-        </p:txBody>
-      </p:sp>
-      <p:sp>
-        <p:nvSpPr>
-          <p:cNvPr id="10" name="직사각형 9">
-            <a:extLst>
-              <a:ext uri="{FF2B5EF4-FFF2-40B4-BE49-F238E27FC236}">
-                <a16:creationId xmlns:a16="http://schemas.microsoft.com/office/drawing/2014/main" id="{A7E46D4C-67BE-454F-B4E7-79DCD678F9DE}"/>
+            <a:pPr marL="514350" indent="-514350" algn="ctr">
+              <a:buAutoNum type="arabicParenR"/>
+            </a:pPr>
+            <a:r>
+              <a:rPr lang="ko-KR" altLang="en-US" sz="3000" b="1" dirty="0"/>
+              <a:t>회원정보관리</a:t>
+            </a:r>
+            <a:endParaRPr lang="en-US" altLang="ko-KR" sz="3000" b="1" dirty="0"/>
+          </a:p>
+          <a:p>
+            <a:pPr algn="ctr"/>
+            <a:endParaRPr lang="en-US" altLang="ko-KR" sz="3000" b="1" dirty="0"/>
+          </a:p>
+          <a:p>
+            <a:pPr algn="ctr"/>
+            <a:endParaRPr lang="en-US" altLang="ko-KR" sz="3000" b="1" dirty="0"/>
+          </a:p>
+          <a:p>
+            <a:pPr marL="514350" indent="-514350" algn="ctr">
+              <a:buAutoNum type="arabicParenR"/>
+            </a:pPr>
+            <a:endParaRPr lang="en-US" altLang="ko-KR" sz="3000" b="1" dirty="0"/>
+          </a:p>
+          <a:p>
+            <a:pPr algn="ctr"/>
+            <a:endParaRPr lang="ko-KR" altLang="en-US" sz="3000" b="1" dirty="0"/>
+          </a:p>
+        </p:txBody>
+      </p:sp>
+      <p:sp>
+        <p:nvSpPr>
+          <p:cNvPr id="6" name="직사각형 5">
+            <a:extLst>
+              <a:ext uri="{FF2B5EF4-FFF2-40B4-BE49-F238E27FC236}">
+                <a16:creationId xmlns:a16="http://schemas.microsoft.com/office/drawing/2014/main" id="{8BE6E4FE-0474-4DFE-AC53-5B7EE9E4B053}"/>
               </a:ext>
             </a:extLst>
           </p:cNvPr>
@@ -7180,8 +8689,122 @@
         </p:nvSpPr>
         <p:spPr>
           <a:xfrm>
-            <a:off x="3177539" y="1574375"/>
-            <a:ext cx="6309361" cy="4411980"/>
+            <a:off x="3054257" y="3945759"/>
+            <a:ext cx="3200400" cy="1977387"/>
+          </a:xfrm>
+          <a:prstGeom prst="rect">
+            <a:avLst/>
+          </a:prstGeom>
+          <a:ln w="28575">
+            <a:solidFill>
+              <a:schemeClr val="tx1"/>
+            </a:solidFill>
+          </a:ln>
+        </p:spPr>
+        <p:style>
+          <a:lnRef idx="2">
+            <a:schemeClr val="accent6"/>
+          </a:lnRef>
+          <a:fillRef idx="1">
+            <a:schemeClr val="lt1"/>
+          </a:fillRef>
+          <a:effectRef idx="0">
+            <a:schemeClr val="accent6"/>
+          </a:effectRef>
+          <a:fontRef idx="minor">
+            <a:schemeClr val="dk1"/>
+          </a:fontRef>
+        </p:style>
+        <p:txBody>
+          <a:bodyPr rtlCol="0" anchor="ctr"/>
+          <a:lstStyle/>
+          <a:p>
+            <a:pPr algn="ctr"/>
+            <a:r>
+              <a:rPr lang="en-US" altLang="ko-KR" sz="3000" b="1" dirty="0"/>
+              <a:t>3) </a:t>
+            </a:r>
+            <a:r>
+              <a:rPr lang="ko-KR" altLang="en-US" sz="3000" b="1" dirty="0" err="1"/>
+              <a:t>쪽지함</a:t>
+            </a:r>
+            <a:endParaRPr lang="ko-KR" altLang="en-US" sz="3000" b="1" dirty="0"/>
+          </a:p>
+        </p:txBody>
+      </p:sp>
+      <p:sp>
+        <p:nvSpPr>
+          <p:cNvPr id="7" name="직사각형 6">
+            <a:extLst>
+              <a:ext uri="{FF2B5EF4-FFF2-40B4-BE49-F238E27FC236}">
+                <a16:creationId xmlns:a16="http://schemas.microsoft.com/office/drawing/2014/main" id="{E4DB211E-BE70-476A-A0D4-3995DAD3F38D}"/>
+              </a:ext>
+            </a:extLst>
+          </p:cNvPr>
+          <p:cNvSpPr/>
+          <p:nvPr/>
+        </p:nvSpPr>
+        <p:spPr>
+          <a:xfrm>
+            <a:off x="6372307" y="1451611"/>
+            <a:ext cx="3200400" cy="4471535"/>
+          </a:xfrm>
+          <a:prstGeom prst="rect">
+            <a:avLst/>
+          </a:prstGeom>
+          <a:ln w="28575">
+            <a:solidFill>
+              <a:schemeClr val="tx1"/>
+            </a:solidFill>
+          </a:ln>
+        </p:spPr>
+        <p:style>
+          <a:lnRef idx="2">
+            <a:schemeClr val="accent6"/>
+          </a:lnRef>
+          <a:fillRef idx="1">
+            <a:schemeClr val="lt1"/>
+          </a:fillRef>
+          <a:effectRef idx="0">
+            <a:schemeClr val="accent6"/>
+          </a:effectRef>
+          <a:fontRef idx="minor">
+            <a:schemeClr val="dk1"/>
+          </a:fontRef>
+        </p:style>
+        <p:txBody>
+          <a:bodyPr rtlCol="0" anchor="ctr"/>
+          <a:lstStyle/>
+          <a:p>
+            <a:pPr algn="ctr"/>
+            <a:r>
+              <a:rPr lang="en-US" altLang="ko-KR" sz="3000" b="1" dirty="0"/>
+              <a:t>2) </a:t>
+            </a:r>
+            <a:r>
+              <a:rPr lang="ko-KR" altLang="en-US" sz="3000" b="1" dirty="0"/>
+              <a:t>거래 내역</a:t>
+            </a:r>
+            <a:endParaRPr lang="en-US" altLang="ko-KR" sz="3000" b="1" dirty="0"/>
+          </a:p>
+        </p:txBody>
+      </p:sp>
+      <p:sp>
+        <p:nvSpPr>
+          <p:cNvPr id="8" name="직사각형 7">
+            <a:extLst>
+              <a:ext uri="{FF2B5EF4-FFF2-40B4-BE49-F238E27FC236}">
+                <a16:creationId xmlns:a16="http://schemas.microsoft.com/office/drawing/2014/main" id="{6E17CCE4-5AD3-4E8E-8FB9-015F4E798902}"/>
+              </a:ext>
+            </a:extLst>
+          </p:cNvPr>
+          <p:cNvSpPr/>
+          <p:nvPr/>
+        </p:nvSpPr>
+        <p:spPr>
+          <a:xfrm>
+            <a:off x="3048164" y="6143163"/>
+            <a:ext cx="6524543" cy="284826"/>
           </a:xfrm>
           <a:prstGeom prst="rect">
             <a:avLst/>
@@ -7189,7 +8812,7 @@
           <a:solidFill>
             <a:schemeClr val="bg1"/>
           </a:solidFill>
-          <a:ln w="38100">
+          <a:ln w="28575">
             <a:solidFill>
               <a:schemeClr val="tx1"/>
             </a:solidFill>
@@ -7216,16 +8839,84 @@
           <a:lstStyle/>
           <a:p>
             <a:pPr algn="ctr"/>
-            <a:endParaRPr lang="ko-KR" altLang="en-US" dirty="0"/>
-          </a:p>
-        </p:txBody>
-      </p:sp>
-      <p:sp>
-        <p:nvSpPr>
-          <p:cNvPr id="7" name="직사각형 6">
-            <a:extLst>
-              <a:ext uri="{FF2B5EF4-FFF2-40B4-BE49-F238E27FC236}">
-                <a16:creationId xmlns:a16="http://schemas.microsoft.com/office/drawing/2014/main" id="{CD4B7C56-620A-4133-B781-04B52782FE65}"/>
+            <a:r>
+              <a:rPr lang="ko-KR" altLang="en-US" dirty="0">
+                <a:solidFill>
+                  <a:schemeClr val="tx1"/>
+                </a:solidFill>
+              </a:rPr>
+              <a:t>개인정보 처리방침</a:t>
+            </a:r>
+            <a:r>
+              <a:rPr lang="en-US" altLang="ko-KR" dirty="0">
+                <a:solidFill>
+                  <a:schemeClr val="tx1"/>
+                </a:solidFill>
+              </a:rPr>
+              <a:t>/</a:t>
+            </a:r>
+            <a:r>
+              <a:rPr lang="ko-KR" altLang="en-US" dirty="0">
+                <a:solidFill>
+                  <a:schemeClr val="tx1"/>
+                </a:solidFill>
+              </a:rPr>
+              <a:t> 사이트 정보 </a:t>
+            </a:r>
+            <a:r>
+              <a:rPr lang="en-US" altLang="ko-KR" dirty="0">
+                <a:solidFill>
+                  <a:schemeClr val="tx1"/>
+                </a:solidFill>
+              </a:rPr>
+              <a:t>/Copyright co.</a:t>
+            </a:r>
+            <a:r>
+              <a:rPr lang="ko-KR" altLang="en-US" dirty="0" err="1">
+                <a:solidFill>
+                  <a:schemeClr val="tx1"/>
+                </a:solidFill>
+              </a:rPr>
+              <a:t>떼걸룩</a:t>
+            </a:r>
+            <a:r>
+              <a:rPr lang="ko-KR" altLang="en-US" dirty="0">
+                <a:solidFill>
+                  <a:schemeClr val="tx1"/>
+                </a:solidFill>
+              </a:rPr>
+              <a:t> </a:t>
+            </a:r>
+            <a:r>
+              <a:rPr lang="en-US" altLang="ko-KR" dirty="0">
+                <a:solidFill>
+                  <a:schemeClr val="tx1"/>
+                </a:solidFill>
+              </a:rPr>
+              <a:t>.</a:t>
+            </a:r>
+            <a:r>
+              <a:rPr lang="en-US" altLang="ko-KR" dirty="0" err="1">
+                <a:solidFill>
+                  <a:schemeClr val="tx1"/>
+                </a:solidFill>
+              </a:rPr>
+              <a:t>corp</a:t>
+            </a:r>
+            <a:endParaRPr lang="ko-KR" altLang="en-US" dirty="0">
+              <a:solidFill>
+                <a:schemeClr val="tx1"/>
+              </a:solidFill>
+            </a:endParaRPr>
+          </a:p>
+        </p:txBody>
+      </p:sp>
+      <p:sp>
+        <p:nvSpPr>
+          <p:cNvPr id="9" name="직사각형 8">
+            <a:extLst>
+              <a:ext uri="{FF2B5EF4-FFF2-40B4-BE49-F238E27FC236}">
+                <a16:creationId xmlns:a16="http://schemas.microsoft.com/office/drawing/2014/main" id="{FCF6A255-2759-495C-8294-C1B8FAC4667D}"/>
               </a:ext>
             </a:extLst>
           </p:cNvPr>
@@ -7234,117 +8925,8 @@
         </p:nvSpPr>
         <p:spPr>
           <a:xfrm>
-            <a:off x="3291837" y="1813625"/>
-            <a:ext cx="1412517" cy="465665"/>
-          </a:xfrm>
-          <a:prstGeom prst="rect">
-            <a:avLst/>
-          </a:prstGeom>
-          <a:ln w="28575">
-            <a:solidFill>
-              <a:schemeClr val="tx1"/>
-            </a:solidFill>
-          </a:ln>
-        </p:spPr>
-        <p:style>
-          <a:lnRef idx="2">
-            <a:schemeClr val="accent6"/>
-          </a:lnRef>
-          <a:fillRef idx="1">
-            <a:schemeClr val="lt1"/>
-          </a:fillRef>
-          <a:effectRef idx="0">
-            <a:schemeClr val="accent6"/>
-          </a:effectRef>
-          <a:fontRef idx="minor">
-            <a:schemeClr val="dk1"/>
-          </a:fontRef>
-        </p:style>
-        <p:txBody>
-          <a:bodyPr rtlCol="0" anchor="ctr"/>
-          <a:lstStyle/>
-          <a:p>
-            <a:pPr algn="ctr"/>
-            <a:r>
-              <a:rPr lang="ko-KR" altLang="en-US" b="1" dirty="0"/>
-              <a:t>쪽지 쓰기</a:t>
-            </a:r>
-          </a:p>
-        </p:txBody>
-      </p:sp>
-      <p:sp>
-        <p:nvSpPr>
-          <p:cNvPr id="9" name="직사각형 8">
-            <a:extLst>
-              <a:ext uri="{FF2B5EF4-FFF2-40B4-BE49-F238E27FC236}">
-                <a16:creationId xmlns:a16="http://schemas.microsoft.com/office/drawing/2014/main" id="{2A4D0FF2-08E9-40A0-86FE-08EBD719EF60}"/>
-              </a:ext>
-            </a:extLst>
-          </p:cNvPr>
-          <p:cNvSpPr/>
-          <p:nvPr/>
-        </p:nvSpPr>
-        <p:spPr>
-          <a:xfrm>
-            <a:off x="3291838" y="2425218"/>
-            <a:ext cx="1428751" cy="465665"/>
-          </a:xfrm>
-          <a:prstGeom prst="rect">
-            <a:avLst/>
-          </a:prstGeom>
-          <a:ln w="28575">
-            <a:solidFill>
-              <a:schemeClr val="tx1"/>
-            </a:solidFill>
-          </a:ln>
-        </p:spPr>
-        <p:style>
-          <a:lnRef idx="2">
-            <a:schemeClr val="accent6"/>
-          </a:lnRef>
-          <a:fillRef idx="1">
-            <a:schemeClr val="lt1"/>
-          </a:fillRef>
-          <a:effectRef idx="0">
-            <a:schemeClr val="accent6"/>
-          </a:effectRef>
-          <a:fontRef idx="minor">
-            <a:schemeClr val="dk1"/>
-          </a:fontRef>
-        </p:style>
-        <p:txBody>
-          <a:bodyPr rtlCol="0" anchor="ctr"/>
-          <a:lstStyle/>
-          <a:p>
-            <a:pPr algn="ctr"/>
-            <a:r>
-              <a:rPr lang="ko-KR" altLang="en-US" b="1" dirty="0"/>
-              <a:t>받은 </a:t>
-            </a:r>
-            <a:r>
-              <a:rPr lang="ko-KR" altLang="en-US" b="1" dirty="0" err="1"/>
-              <a:t>쪽지함</a:t>
-            </a:r>
-            <a:endParaRPr lang="ko-KR" altLang="en-US" b="1" dirty="0"/>
-          </a:p>
-        </p:txBody>
-      </p:sp>
-      <p:sp>
-        <p:nvSpPr>
-          <p:cNvPr id="14" name="직사각형 13">
-            <a:extLst>
-              <a:ext uri="{FF2B5EF4-FFF2-40B4-BE49-F238E27FC236}">
-                <a16:creationId xmlns:a16="http://schemas.microsoft.com/office/drawing/2014/main" id="{7FF01D10-7150-4AB0-9F1E-485D74B4BA6A}"/>
-              </a:ext>
-            </a:extLst>
-          </p:cNvPr>
-          <p:cNvSpPr/>
-          <p:nvPr/>
-        </p:nvSpPr>
-        <p:spPr>
-          <a:xfrm>
-            <a:off x="4863464" y="2162875"/>
-            <a:ext cx="4480560" cy="3606310"/>
+            <a:off x="3412930" y="2305056"/>
+            <a:ext cx="2459274" cy="486460"/>
           </a:xfrm>
           <a:prstGeom prst="rect">
             <a:avLst/>
@@ -7379,16 +8961,31 @@
           <a:lstStyle/>
           <a:p>
             <a:pPr algn="ctr"/>
-            <a:endParaRPr lang="ko-KR" altLang="en-US" dirty="0"/>
-          </a:p>
-        </p:txBody>
-      </p:sp>
-      <p:sp>
-        <p:nvSpPr>
-          <p:cNvPr id="15" name="직사각형 14">
-            <a:extLst>
-              <a:ext uri="{FF2B5EF4-FFF2-40B4-BE49-F238E27FC236}">
-                <a16:creationId xmlns:a16="http://schemas.microsoft.com/office/drawing/2014/main" id="{1A6672B6-10BB-4935-B93B-E732487FE099}"/>
+            <a:r>
+              <a:rPr lang="en-US" altLang="ko-KR" dirty="0">
+                <a:solidFill>
+                  <a:schemeClr val="tx1"/>
+                </a:solidFill>
+              </a:rPr>
+              <a:t>1)-1 </a:t>
+            </a:r>
+            <a:r>
+              <a:rPr lang="ko-KR" altLang="en-US" dirty="0">
+                <a:solidFill>
+                  <a:schemeClr val="tx1"/>
+                </a:solidFill>
+              </a:rPr>
+              <a:t>회원정보 수정</a:t>
+            </a:r>
+          </a:p>
+        </p:txBody>
+      </p:sp>
+      <p:sp>
+        <p:nvSpPr>
+          <p:cNvPr id="10" name="직사각형 9">
+            <a:extLst>
+              <a:ext uri="{FF2B5EF4-FFF2-40B4-BE49-F238E27FC236}">
+                <a16:creationId xmlns:a16="http://schemas.microsoft.com/office/drawing/2014/main" id="{791EFB3C-7765-41C5-9A7A-0186A19127AA}"/>
               </a:ext>
             </a:extLst>
           </p:cNvPr>
@@ -7397,168 +8994,8 @@
         </p:nvSpPr>
         <p:spPr>
           <a:xfrm>
-            <a:off x="4863464" y="1813625"/>
-            <a:ext cx="948690" cy="264979"/>
-          </a:xfrm>
-          <a:prstGeom prst="rect">
-            <a:avLst/>
-          </a:prstGeom>
-          <a:ln w="28575">
-            <a:solidFill>
-              <a:schemeClr val="tx1"/>
-            </a:solidFill>
-          </a:ln>
-        </p:spPr>
-        <p:style>
-          <a:lnRef idx="2">
-            <a:schemeClr val="accent6"/>
-          </a:lnRef>
-          <a:fillRef idx="1">
-            <a:schemeClr val="lt1"/>
-          </a:fillRef>
-          <a:effectRef idx="0">
-            <a:schemeClr val="accent6"/>
-          </a:effectRef>
-          <a:fontRef idx="minor">
-            <a:schemeClr val="dk1"/>
-          </a:fontRef>
-        </p:style>
-        <p:txBody>
-          <a:bodyPr rtlCol="0" anchor="ctr"/>
-          <a:lstStyle/>
-          <a:p>
-            <a:pPr algn="ctr"/>
-            <a:r>
-              <a:rPr lang="ko-KR" altLang="en-US" sz="1500" b="1" dirty="0"/>
-              <a:t>보내기</a:t>
-            </a:r>
-          </a:p>
-        </p:txBody>
-      </p:sp>
-      <p:sp>
-        <p:nvSpPr>
-          <p:cNvPr id="16" name="직사각형 15">
-            <a:extLst>
-              <a:ext uri="{FF2B5EF4-FFF2-40B4-BE49-F238E27FC236}">
-                <a16:creationId xmlns:a16="http://schemas.microsoft.com/office/drawing/2014/main" id="{6D9D23C1-BB60-43C3-B038-7A6190722437}"/>
-              </a:ext>
-            </a:extLst>
-          </p:cNvPr>
-          <p:cNvSpPr/>
-          <p:nvPr/>
-        </p:nvSpPr>
-        <p:spPr>
-          <a:xfrm>
-            <a:off x="4977764" y="2264632"/>
-            <a:ext cx="1078230" cy="264978"/>
-          </a:xfrm>
-          <a:prstGeom prst="rect">
-            <a:avLst/>
-          </a:prstGeom>
-          <a:ln w="28575">
-            <a:solidFill>
-              <a:schemeClr val="tx1"/>
-            </a:solidFill>
-          </a:ln>
-        </p:spPr>
-        <p:style>
-          <a:lnRef idx="2">
-            <a:schemeClr val="accent6"/>
-          </a:lnRef>
-          <a:fillRef idx="1">
-            <a:schemeClr val="lt1"/>
-          </a:fillRef>
-          <a:effectRef idx="0">
-            <a:schemeClr val="accent6"/>
-          </a:effectRef>
-          <a:fontRef idx="minor">
-            <a:schemeClr val="dk1"/>
-          </a:fontRef>
-        </p:style>
-        <p:txBody>
-          <a:bodyPr rtlCol="0" anchor="ctr"/>
-          <a:lstStyle/>
-          <a:p>
-            <a:pPr algn="ctr"/>
-            <a:r>
-              <a:rPr lang="ko-KR" altLang="en-US" sz="1500" b="1" dirty="0"/>
-              <a:t>받는 사람</a:t>
-            </a:r>
-          </a:p>
-        </p:txBody>
-      </p:sp>
-      <p:sp>
-        <p:nvSpPr>
-          <p:cNvPr id="17" name="직사각형 16">
-            <a:extLst>
-              <a:ext uri="{FF2B5EF4-FFF2-40B4-BE49-F238E27FC236}">
-                <a16:creationId xmlns:a16="http://schemas.microsoft.com/office/drawing/2014/main" id="{B67BCD95-71CB-487E-89D7-A53C07AF0E61}"/>
-              </a:ext>
-            </a:extLst>
-          </p:cNvPr>
-          <p:cNvSpPr/>
-          <p:nvPr/>
-        </p:nvSpPr>
-        <p:spPr>
-          <a:xfrm>
-            <a:off x="6112068" y="2263218"/>
-            <a:ext cx="3060506" cy="264978"/>
-          </a:xfrm>
-          <a:prstGeom prst="rect">
-            <a:avLst/>
-          </a:prstGeom>
-          <a:ln w="28575">
-            <a:solidFill>
-              <a:schemeClr val="tx1"/>
-            </a:solidFill>
-          </a:ln>
-        </p:spPr>
-        <p:style>
-          <a:lnRef idx="2">
-            <a:schemeClr val="accent6"/>
-          </a:lnRef>
-          <a:fillRef idx="1">
-            <a:schemeClr val="lt1"/>
-          </a:fillRef>
-          <a:effectRef idx="0">
-            <a:schemeClr val="accent6"/>
-          </a:effectRef>
-          <a:fontRef idx="minor">
-            <a:schemeClr val="dk1"/>
-          </a:fontRef>
-        </p:style>
-        <p:txBody>
-          <a:bodyPr rtlCol="0" anchor="ctr"/>
-          <a:lstStyle/>
-          <a:p>
-            <a:pPr algn="ctr"/>
-            <a:r>
-              <a:rPr lang="ko-KR" altLang="en-US" sz="1500" b="1" dirty="0" err="1"/>
-              <a:t>받는사람</a:t>
-            </a:r>
-            <a:r>
-              <a:rPr lang="ko-KR" altLang="en-US" sz="1500" b="1" dirty="0"/>
-              <a:t> 아이디</a:t>
-            </a:r>
-          </a:p>
-        </p:txBody>
-      </p:sp>
-      <p:sp>
-        <p:nvSpPr>
-          <p:cNvPr id="18" name="직사각형 17">
-            <a:extLst>
-              <a:ext uri="{FF2B5EF4-FFF2-40B4-BE49-F238E27FC236}">
-                <a16:creationId xmlns:a16="http://schemas.microsoft.com/office/drawing/2014/main" id="{6DABD487-B9BA-4CE3-8870-FE52C8DA790E}"/>
-              </a:ext>
-            </a:extLst>
-          </p:cNvPr>
-          <p:cNvSpPr/>
-          <p:nvPr/>
-        </p:nvSpPr>
-        <p:spPr>
-          <a:xfrm>
-            <a:off x="5006339" y="2646750"/>
-            <a:ext cx="4194810" cy="2988240"/>
+            <a:off x="3413390" y="3011533"/>
+            <a:ext cx="2459274" cy="486460"/>
           </a:xfrm>
           <a:prstGeom prst="rect">
             <a:avLst/>
@@ -7593,14 +9030,29 @@
           <a:lstStyle/>
           <a:p>
             <a:pPr algn="ctr"/>
-            <a:endParaRPr lang="ko-KR" altLang="en-US" dirty="0"/>
+            <a:r>
+              <a:rPr lang="en-US" altLang="ko-KR" dirty="0">
+                <a:solidFill>
+                  <a:schemeClr val="tx1"/>
+                </a:solidFill>
+              </a:rPr>
+              <a:t>1)-2 </a:t>
+            </a:r>
+            <a:r>
+              <a:rPr lang="ko-KR" altLang="en-US" dirty="0">
+                <a:solidFill>
+                  <a:schemeClr val="tx1"/>
+                </a:solidFill>
+              </a:rPr>
+              <a:t>회원 탈퇴</a:t>
+            </a:r>
           </a:p>
         </p:txBody>
       </p:sp>
     </p:spTree>
     <p:extLst>
       <p:ext uri="{BB962C8B-B14F-4D97-AF65-F5344CB8AC3E}">
-        <p14:creationId xmlns:p14="http://schemas.microsoft.com/office/powerpoint/2010/main" val="3778416753"/>
+        <p14:creationId xmlns:p14="http://schemas.microsoft.com/office/powerpoint/2010/main" val="2522453605"/>
       </p:ext>
     </p:extLst>
   </p:cSld>
@@ -7632,7 +9084,7 @@
           <p:cNvPr id="2" name="직사각형 1">
             <a:extLst>
               <a:ext uri="{FF2B5EF4-FFF2-40B4-BE49-F238E27FC236}">
-                <a16:creationId xmlns:a16="http://schemas.microsoft.com/office/drawing/2014/main" id="{9B9343DE-01B5-49CA-971E-6C3924B345FC}"/>
+                <a16:creationId xmlns:a16="http://schemas.microsoft.com/office/drawing/2014/main" id="{AEBFC84F-0D3B-4063-BD27-2CA73CFB1402}"/>
               </a:ext>
             </a:extLst>
           </p:cNvPr>
@@ -7641,8 +9093,63 @@
         </p:nvSpPr>
         <p:spPr>
           <a:xfrm>
-            <a:off x="272333" y="568617"/>
-            <a:ext cx="1584221" cy="345456"/>
+            <a:off x="2172776" y="417195"/>
+            <a:ext cx="9108634" cy="6289383"/>
+          </a:xfrm>
+          <a:prstGeom prst="rect">
+            <a:avLst/>
+          </a:prstGeom>
+          <a:ln w="57150">
+            <a:solidFill>
+              <a:schemeClr val="accent5">
+                <a:lumMod val="75000"/>
+              </a:schemeClr>
+            </a:solidFill>
+          </a:ln>
+        </p:spPr>
+        <p:style>
+          <a:lnRef idx="2">
+            <a:schemeClr val="accent6"/>
+          </a:lnRef>
+          <a:fillRef idx="1">
+            <a:schemeClr val="lt1"/>
+          </a:fillRef>
+          <a:effectRef idx="0">
+            <a:schemeClr val="accent6"/>
+          </a:effectRef>
+          <a:fontRef idx="minor">
+            <a:schemeClr val="dk1"/>
+          </a:fontRef>
+        </p:style>
+        <p:txBody>
+          <a:bodyPr rtlCol="0" anchor="ctr"/>
+          <a:lstStyle/>
+          <a:p>
+            <a:pPr algn="ctr"/>
+            <a:endParaRPr lang="ko-KR" altLang="en-US" dirty="0">
+              <a:solidFill>
+                <a:schemeClr val="tx1"/>
+              </a:solidFill>
+            </a:endParaRPr>
+          </a:p>
+        </p:txBody>
+      </p:sp>
+      <p:sp>
+        <p:nvSpPr>
+          <p:cNvPr id="3" name="직사각형 2">
+            <a:extLst>
+              <a:ext uri="{FF2B5EF4-FFF2-40B4-BE49-F238E27FC236}">
+                <a16:creationId xmlns:a16="http://schemas.microsoft.com/office/drawing/2014/main" id="{8293170C-2729-438F-9B9E-007503E2A95A}"/>
+              </a:ext>
+            </a:extLst>
+          </p:cNvPr>
+          <p:cNvSpPr/>
+          <p:nvPr/>
+        </p:nvSpPr>
+        <p:spPr>
+          <a:xfrm>
+            <a:off x="228601" y="346484"/>
+            <a:ext cx="1783080" cy="645795"/>
           </a:xfrm>
           <a:prstGeom prst="rect">
             <a:avLst/>
@@ -7672,6 +9179,2180 @@
           <a:lstStyle/>
           <a:p>
             <a:pPr algn="ctr"/>
+            <a:r>
+              <a:rPr lang="en-US" altLang="ko-KR" dirty="0">
+                <a:ln w="0"/>
+                <a:solidFill>
+                  <a:schemeClr val="tx1"/>
+                </a:solidFill>
+                <a:effectLst>
+                  <a:outerShdw blurRad="38100" dist="19050" dir="2700000" algn="tl" rotWithShape="0">
+                    <a:schemeClr val="dk1">
+                      <a:alpha val="40000"/>
+                    </a:schemeClr>
+                  </a:outerShdw>
+                </a:effectLst>
+              </a:rPr>
+              <a:t>1-1</a:t>
+            </a:r>
+            <a:r>
+              <a:rPr lang="en-US" altLang="ko-KR">
+                <a:ln w="0"/>
+                <a:solidFill>
+                  <a:schemeClr val="tx1"/>
+                </a:solidFill>
+                <a:effectLst>
+                  <a:outerShdw blurRad="38100" dist="19050" dir="2700000" algn="tl" rotWithShape="0">
+                    <a:schemeClr val="dk1">
+                      <a:alpha val="40000"/>
+                    </a:schemeClr>
+                  </a:outerShdw>
+                </a:effectLst>
+              </a:rPr>
+              <a:t>) </a:t>
+            </a:r>
+            <a:r>
+              <a:rPr lang="ko-KR" altLang="en-US" dirty="0">
+                <a:ln w="0"/>
+                <a:solidFill>
+                  <a:schemeClr val="tx1"/>
+                </a:solidFill>
+                <a:effectLst>
+                  <a:outerShdw blurRad="38100" dist="19050" dir="2700000" algn="tl" rotWithShape="0">
+                    <a:schemeClr val="dk1">
+                      <a:alpha val="40000"/>
+                    </a:schemeClr>
+                  </a:outerShdw>
+                </a:effectLst>
+              </a:rPr>
+              <a:t>회원정보수정페이지</a:t>
+            </a:r>
+          </a:p>
+        </p:txBody>
+      </p:sp>
+      <p:sp>
+        <p:nvSpPr>
+          <p:cNvPr id="4" name="직사각형 3">
+            <a:extLst>
+              <a:ext uri="{FF2B5EF4-FFF2-40B4-BE49-F238E27FC236}">
+                <a16:creationId xmlns:a16="http://schemas.microsoft.com/office/drawing/2014/main" id="{CCA56186-0CCF-4B59-AAF2-465E5408BCF3}"/>
+              </a:ext>
+            </a:extLst>
+          </p:cNvPr>
+          <p:cNvSpPr/>
+          <p:nvPr/>
+        </p:nvSpPr>
+        <p:spPr>
+          <a:xfrm>
+            <a:off x="2594610" y="1424476"/>
+            <a:ext cx="8343900" cy="429836"/>
+          </a:xfrm>
+          <a:prstGeom prst="rect">
+            <a:avLst/>
+          </a:prstGeom>
+          <a:solidFill>
+            <a:schemeClr val="bg1"/>
+          </a:solidFill>
+          <a:ln w="28575">
+            <a:solidFill>
+              <a:schemeClr val="tx1"/>
+            </a:solidFill>
+          </a:ln>
+        </p:spPr>
+        <p:style>
+          <a:lnRef idx="2">
+            <a:schemeClr val="accent1">
+              <a:shade val="50000"/>
+            </a:schemeClr>
+          </a:lnRef>
+          <a:fillRef idx="1">
+            <a:schemeClr val="accent1"/>
+          </a:fillRef>
+          <a:effectRef idx="0">
+            <a:schemeClr val="accent1"/>
+          </a:effectRef>
+          <a:fontRef idx="minor">
+            <a:schemeClr val="lt1"/>
+          </a:fontRef>
+        </p:style>
+        <p:txBody>
+          <a:bodyPr rtlCol="0" anchor="ctr"/>
+          <a:lstStyle/>
+          <a:p>
+            <a:pPr algn="ctr"/>
+            <a:r>
+              <a:rPr lang="en-US" altLang="ko-KR" dirty="0">
+                <a:solidFill>
+                  <a:schemeClr val="tx1"/>
+                </a:solidFill>
+              </a:rPr>
+              <a:t>1&gt; </a:t>
+            </a:r>
+            <a:r>
+              <a:rPr lang="ko-KR" altLang="en-US" dirty="0">
+                <a:solidFill>
+                  <a:schemeClr val="tx1"/>
+                </a:solidFill>
+              </a:rPr>
+              <a:t>이메일</a:t>
+            </a:r>
+          </a:p>
+        </p:txBody>
+      </p:sp>
+      <p:sp>
+        <p:nvSpPr>
+          <p:cNvPr id="5" name="직사각형 4">
+            <a:extLst>
+              <a:ext uri="{FF2B5EF4-FFF2-40B4-BE49-F238E27FC236}">
+                <a16:creationId xmlns:a16="http://schemas.microsoft.com/office/drawing/2014/main" id="{3EB86239-39C5-4E28-B4E2-902B55AFBA95}"/>
+              </a:ext>
+            </a:extLst>
+          </p:cNvPr>
+          <p:cNvSpPr/>
+          <p:nvPr/>
+        </p:nvSpPr>
+        <p:spPr>
+          <a:xfrm>
+            <a:off x="2594610" y="2137774"/>
+            <a:ext cx="8343900" cy="429835"/>
+          </a:xfrm>
+          <a:prstGeom prst="rect">
+            <a:avLst/>
+          </a:prstGeom>
+          <a:solidFill>
+            <a:schemeClr val="bg1"/>
+          </a:solidFill>
+          <a:ln w="28575">
+            <a:solidFill>
+              <a:schemeClr val="tx1"/>
+            </a:solidFill>
+          </a:ln>
+        </p:spPr>
+        <p:style>
+          <a:lnRef idx="2">
+            <a:schemeClr val="accent1">
+              <a:shade val="50000"/>
+            </a:schemeClr>
+          </a:lnRef>
+          <a:fillRef idx="1">
+            <a:schemeClr val="accent1"/>
+          </a:fillRef>
+          <a:effectRef idx="0">
+            <a:schemeClr val="accent1"/>
+          </a:effectRef>
+          <a:fontRef idx="minor">
+            <a:schemeClr val="lt1"/>
+          </a:fontRef>
+        </p:style>
+        <p:txBody>
+          <a:bodyPr rtlCol="0" anchor="ctr"/>
+          <a:lstStyle/>
+          <a:p>
+            <a:pPr algn="ctr"/>
+            <a:r>
+              <a:rPr lang="en-US" altLang="ko-KR">
+                <a:solidFill>
+                  <a:schemeClr val="tx1"/>
+                </a:solidFill>
+              </a:rPr>
+              <a:t>2&gt; </a:t>
+            </a:r>
+            <a:r>
+              <a:rPr lang="ko-KR" altLang="en-US" dirty="0">
+                <a:solidFill>
+                  <a:schemeClr val="tx1"/>
+                </a:solidFill>
+              </a:rPr>
+              <a:t>현재 비밀번호</a:t>
+            </a:r>
+          </a:p>
+        </p:txBody>
+      </p:sp>
+      <p:sp>
+        <p:nvSpPr>
+          <p:cNvPr id="6" name="직사각형 5">
+            <a:extLst>
+              <a:ext uri="{FF2B5EF4-FFF2-40B4-BE49-F238E27FC236}">
+                <a16:creationId xmlns:a16="http://schemas.microsoft.com/office/drawing/2014/main" id="{4B91A224-ACAF-4691-ABA3-09B98CED404E}"/>
+              </a:ext>
+            </a:extLst>
+          </p:cNvPr>
+          <p:cNvSpPr/>
+          <p:nvPr/>
+        </p:nvSpPr>
+        <p:spPr>
+          <a:xfrm>
+            <a:off x="2594610" y="2860979"/>
+            <a:ext cx="8343900" cy="400050"/>
+          </a:xfrm>
+          <a:prstGeom prst="rect">
+            <a:avLst/>
+          </a:prstGeom>
+          <a:solidFill>
+            <a:schemeClr val="bg1"/>
+          </a:solidFill>
+          <a:ln w="28575">
+            <a:solidFill>
+              <a:schemeClr val="tx1"/>
+            </a:solidFill>
+          </a:ln>
+        </p:spPr>
+        <p:style>
+          <a:lnRef idx="2">
+            <a:schemeClr val="accent1">
+              <a:shade val="50000"/>
+            </a:schemeClr>
+          </a:lnRef>
+          <a:fillRef idx="1">
+            <a:schemeClr val="accent1"/>
+          </a:fillRef>
+          <a:effectRef idx="0">
+            <a:schemeClr val="accent1"/>
+          </a:effectRef>
+          <a:fontRef idx="minor">
+            <a:schemeClr val="lt1"/>
+          </a:fontRef>
+        </p:style>
+        <p:txBody>
+          <a:bodyPr rtlCol="0" anchor="ctr"/>
+          <a:lstStyle/>
+          <a:p>
+            <a:pPr algn="ctr"/>
+            <a:r>
+              <a:rPr lang="en-US" altLang="ko-KR" dirty="0">
+                <a:solidFill>
+                  <a:schemeClr val="tx1"/>
+                </a:solidFill>
+              </a:rPr>
+              <a:t>3&gt; </a:t>
+            </a:r>
+            <a:r>
+              <a:rPr lang="ko-KR" altLang="en-US" dirty="0">
+                <a:solidFill>
+                  <a:schemeClr val="tx1"/>
+                </a:solidFill>
+              </a:rPr>
+              <a:t>변경 비밀번호</a:t>
+            </a:r>
+          </a:p>
+        </p:txBody>
+      </p:sp>
+      <p:sp>
+        <p:nvSpPr>
+          <p:cNvPr id="7" name="직사각형 6">
+            <a:extLst>
+              <a:ext uri="{FF2B5EF4-FFF2-40B4-BE49-F238E27FC236}">
+                <a16:creationId xmlns:a16="http://schemas.microsoft.com/office/drawing/2014/main" id="{F502D788-88A9-4681-A886-61AF5B48D5B9}"/>
+              </a:ext>
+            </a:extLst>
+          </p:cNvPr>
+          <p:cNvSpPr/>
+          <p:nvPr/>
+        </p:nvSpPr>
+        <p:spPr>
+          <a:xfrm>
+            <a:off x="2594610" y="3542288"/>
+            <a:ext cx="8343900" cy="400050"/>
+          </a:xfrm>
+          <a:prstGeom prst="rect">
+            <a:avLst/>
+          </a:prstGeom>
+          <a:solidFill>
+            <a:schemeClr val="bg1"/>
+          </a:solidFill>
+          <a:ln w="28575">
+            <a:solidFill>
+              <a:schemeClr val="tx1"/>
+            </a:solidFill>
+          </a:ln>
+        </p:spPr>
+        <p:style>
+          <a:lnRef idx="2">
+            <a:schemeClr val="accent1">
+              <a:shade val="50000"/>
+            </a:schemeClr>
+          </a:lnRef>
+          <a:fillRef idx="1">
+            <a:schemeClr val="accent1"/>
+          </a:fillRef>
+          <a:effectRef idx="0">
+            <a:schemeClr val="accent1"/>
+          </a:effectRef>
+          <a:fontRef idx="minor">
+            <a:schemeClr val="lt1"/>
+          </a:fontRef>
+        </p:style>
+        <p:txBody>
+          <a:bodyPr rtlCol="0" anchor="ctr"/>
+          <a:lstStyle/>
+          <a:p>
+            <a:pPr algn="ctr"/>
+            <a:r>
+              <a:rPr lang="en-US" altLang="ko-KR" dirty="0">
+                <a:solidFill>
+                  <a:schemeClr val="tx1"/>
+                </a:solidFill>
+              </a:rPr>
+              <a:t>4&gt; </a:t>
+            </a:r>
+            <a:r>
+              <a:rPr lang="ko-KR" altLang="en-US" dirty="0">
+                <a:solidFill>
+                  <a:schemeClr val="tx1"/>
+                </a:solidFill>
+              </a:rPr>
+              <a:t>변경 비밀번호 확인</a:t>
+            </a:r>
+          </a:p>
+        </p:txBody>
+      </p:sp>
+      <p:sp>
+        <p:nvSpPr>
+          <p:cNvPr id="8" name="직사각형 7">
+            <a:extLst>
+              <a:ext uri="{FF2B5EF4-FFF2-40B4-BE49-F238E27FC236}">
+                <a16:creationId xmlns:a16="http://schemas.microsoft.com/office/drawing/2014/main" id="{D0074AB1-B8E0-4F4A-AAD2-23E64B0047A0}"/>
+              </a:ext>
+            </a:extLst>
+          </p:cNvPr>
+          <p:cNvSpPr/>
+          <p:nvPr/>
+        </p:nvSpPr>
+        <p:spPr>
+          <a:xfrm>
+            <a:off x="2586990" y="4231750"/>
+            <a:ext cx="8343900" cy="400050"/>
+          </a:xfrm>
+          <a:prstGeom prst="rect">
+            <a:avLst/>
+          </a:prstGeom>
+          <a:solidFill>
+            <a:schemeClr val="bg1"/>
+          </a:solidFill>
+          <a:ln w="28575">
+            <a:solidFill>
+              <a:schemeClr val="tx1"/>
+            </a:solidFill>
+          </a:ln>
+        </p:spPr>
+        <p:style>
+          <a:lnRef idx="2">
+            <a:schemeClr val="accent1">
+              <a:shade val="50000"/>
+            </a:schemeClr>
+          </a:lnRef>
+          <a:fillRef idx="1">
+            <a:schemeClr val="accent1"/>
+          </a:fillRef>
+          <a:effectRef idx="0">
+            <a:schemeClr val="accent1"/>
+          </a:effectRef>
+          <a:fontRef idx="minor">
+            <a:schemeClr val="lt1"/>
+          </a:fontRef>
+        </p:style>
+        <p:txBody>
+          <a:bodyPr rtlCol="0" anchor="ctr"/>
+          <a:lstStyle/>
+          <a:p>
+            <a:pPr algn="ctr"/>
+            <a:r>
+              <a:rPr lang="en-US" altLang="ko-KR" dirty="0">
+                <a:solidFill>
+                  <a:schemeClr val="tx1"/>
+                </a:solidFill>
+              </a:rPr>
+              <a:t>5&gt; </a:t>
+            </a:r>
+            <a:r>
+              <a:rPr lang="ko-KR" altLang="en-US" dirty="0" err="1">
+                <a:solidFill>
+                  <a:schemeClr val="tx1"/>
+                </a:solidFill>
+              </a:rPr>
+              <a:t>은행명</a:t>
+            </a:r>
+            <a:endParaRPr lang="ko-KR" altLang="en-US" dirty="0">
+              <a:solidFill>
+                <a:schemeClr val="tx1"/>
+              </a:solidFill>
+            </a:endParaRPr>
+          </a:p>
+        </p:txBody>
+      </p:sp>
+      <p:sp>
+        <p:nvSpPr>
+          <p:cNvPr id="9" name="직사각형 8">
+            <a:extLst>
+              <a:ext uri="{FF2B5EF4-FFF2-40B4-BE49-F238E27FC236}">
+                <a16:creationId xmlns:a16="http://schemas.microsoft.com/office/drawing/2014/main" id="{70BB8F04-72F5-432B-A95C-2EDE432841FD}"/>
+              </a:ext>
+            </a:extLst>
+          </p:cNvPr>
+          <p:cNvSpPr/>
+          <p:nvPr/>
+        </p:nvSpPr>
+        <p:spPr>
+          <a:xfrm>
+            <a:off x="2571134" y="4915869"/>
+            <a:ext cx="8367376" cy="400050"/>
+          </a:xfrm>
+          <a:prstGeom prst="rect">
+            <a:avLst/>
+          </a:prstGeom>
+          <a:solidFill>
+            <a:schemeClr val="bg1"/>
+          </a:solidFill>
+          <a:ln w="28575">
+            <a:solidFill>
+              <a:schemeClr val="tx1"/>
+            </a:solidFill>
+          </a:ln>
+        </p:spPr>
+        <p:style>
+          <a:lnRef idx="2">
+            <a:schemeClr val="accent1">
+              <a:shade val="50000"/>
+            </a:schemeClr>
+          </a:lnRef>
+          <a:fillRef idx="1">
+            <a:schemeClr val="accent1"/>
+          </a:fillRef>
+          <a:effectRef idx="0">
+            <a:schemeClr val="accent1"/>
+          </a:effectRef>
+          <a:fontRef idx="minor">
+            <a:schemeClr val="lt1"/>
+          </a:fontRef>
+        </p:style>
+        <p:txBody>
+          <a:bodyPr rtlCol="0" anchor="ctr"/>
+          <a:lstStyle/>
+          <a:p>
+            <a:pPr algn="ctr"/>
+            <a:r>
+              <a:rPr lang="en-US" altLang="ko-KR" dirty="0">
+                <a:solidFill>
+                  <a:schemeClr val="tx1"/>
+                </a:solidFill>
+              </a:rPr>
+              <a:t>6</a:t>
+            </a:r>
+            <a:r>
+              <a:rPr lang="en-US" altLang="ko-KR">
+                <a:solidFill>
+                  <a:schemeClr val="tx1"/>
+                </a:solidFill>
+              </a:rPr>
+              <a:t>&gt; </a:t>
+            </a:r>
+            <a:r>
+              <a:rPr lang="ko-KR" altLang="en-US" dirty="0">
+                <a:solidFill>
+                  <a:schemeClr val="tx1"/>
+                </a:solidFill>
+              </a:rPr>
+              <a:t>계좌번호</a:t>
+            </a:r>
+          </a:p>
+        </p:txBody>
+      </p:sp>
+      <p:sp>
+        <p:nvSpPr>
+          <p:cNvPr id="10" name="직사각형 9">
+            <a:extLst>
+              <a:ext uri="{FF2B5EF4-FFF2-40B4-BE49-F238E27FC236}">
+                <a16:creationId xmlns:a16="http://schemas.microsoft.com/office/drawing/2014/main" id="{9FEBDE96-3388-45DF-9222-83F852ACFE36}"/>
+              </a:ext>
+            </a:extLst>
+          </p:cNvPr>
+          <p:cNvSpPr/>
+          <p:nvPr/>
+        </p:nvSpPr>
+        <p:spPr>
+          <a:xfrm>
+            <a:off x="2571134" y="5609248"/>
+            <a:ext cx="8367376" cy="400050"/>
+          </a:xfrm>
+          <a:prstGeom prst="rect">
+            <a:avLst/>
+          </a:prstGeom>
+          <a:solidFill>
+            <a:schemeClr val="bg1"/>
+          </a:solidFill>
+          <a:ln w="28575">
+            <a:solidFill>
+              <a:schemeClr val="tx1"/>
+            </a:solidFill>
+          </a:ln>
+        </p:spPr>
+        <p:style>
+          <a:lnRef idx="2">
+            <a:schemeClr val="accent1">
+              <a:shade val="50000"/>
+            </a:schemeClr>
+          </a:lnRef>
+          <a:fillRef idx="1">
+            <a:schemeClr val="accent1"/>
+          </a:fillRef>
+          <a:effectRef idx="0">
+            <a:schemeClr val="accent1"/>
+          </a:effectRef>
+          <a:fontRef idx="minor">
+            <a:schemeClr val="lt1"/>
+          </a:fontRef>
+        </p:style>
+        <p:txBody>
+          <a:bodyPr rtlCol="0" anchor="ctr"/>
+          <a:lstStyle/>
+          <a:p>
+            <a:pPr algn="ctr"/>
+            <a:r>
+              <a:rPr lang="en-US" altLang="ko-KR" dirty="0">
+                <a:solidFill>
+                  <a:schemeClr val="tx1"/>
+                </a:solidFill>
+              </a:rPr>
+              <a:t>7&gt; </a:t>
+            </a:r>
+            <a:r>
+              <a:rPr lang="ko-KR" altLang="en-US" dirty="0">
+                <a:solidFill>
+                  <a:schemeClr val="tx1"/>
+                </a:solidFill>
+              </a:rPr>
+              <a:t>예금주</a:t>
+            </a:r>
+          </a:p>
+        </p:txBody>
+      </p:sp>
+      <p:sp>
+        <p:nvSpPr>
+          <p:cNvPr id="11" name="직사각형 10">
+            <a:extLst>
+              <a:ext uri="{FF2B5EF4-FFF2-40B4-BE49-F238E27FC236}">
+                <a16:creationId xmlns:a16="http://schemas.microsoft.com/office/drawing/2014/main" id="{CF040BC1-2106-4F8E-8BAB-F5719B6DF5C8}"/>
+              </a:ext>
+            </a:extLst>
+          </p:cNvPr>
+          <p:cNvSpPr/>
+          <p:nvPr/>
+        </p:nvSpPr>
+        <p:spPr>
+          <a:xfrm>
+            <a:off x="2765444" y="669382"/>
+            <a:ext cx="1716820" cy="336458"/>
+          </a:xfrm>
+          <a:prstGeom prst="rect">
+            <a:avLst/>
+          </a:prstGeom>
+          <a:ln w="28575">
+            <a:solidFill>
+              <a:schemeClr val="tx1"/>
+            </a:solidFill>
+          </a:ln>
+        </p:spPr>
+        <p:style>
+          <a:lnRef idx="2">
+            <a:schemeClr val="accent6"/>
+          </a:lnRef>
+          <a:fillRef idx="1">
+            <a:schemeClr val="lt1"/>
+          </a:fillRef>
+          <a:effectRef idx="0">
+            <a:schemeClr val="accent6"/>
+          </a:effectRef>
+          <a:fontRef idx="minor">
+            <a:schemeClr val="dk1"/>
+          </a:fontRef>
+        </p:style>
+        <p:txBody>
+          <a:bodyPr rtlCol="0" anchor="ctr"/>
+          <a:lstStyle/>
+          <a:p>
+            <a:pPr algn="ctr"/>
+            <a:r>
+              <a:rPr lang="ko-KR" altLang="en-US" dirty="0"/>
+              <a:t>회원정보수정</a:t>
+            </a:r>
+          </a:p>
+        </p:txBody>
+      </p:sp>
+      <p:sp>
+        <p:nvSpPr>
+          <p:cNvPr id="12" name="TextBox 11">
+            <a:extLst>
+              <a:ext uri="{FF2B5EF4-FFF2-40B4-BE49-F238E27FC236}">
+                <a16:creationId xmlns:a16="http://schemas.microsoft.com/office/drawing/2014/main" id="{451A1278-3B84-4B0C-A971-79A6C1667A0D}"/>
+              </a:ext>
+            </a:extLst>
+          </p:cNvPr>
+          <p:cNvSpPr txBox="1"/>
+          <p:nvPr/>
+        </p:nvSpPr>
+        <p:spPr>
+          <a:xfrm>
+            <a:off x="2571134" y="2574072"/>
+            <a:ext cx="1911130" cy="276999"/>
+          </a:xfrm>
+          <a:prstGeom prst="rect">
+            <a:avLst/>
+          </a:prstGeom>
+          <a:noFill/>
+        </p:spPr>
+        <p:txBody>
+          <a:bodyPr wrap="square" rtlCol="0">
+            <a:spAutoFit/>
+          </a:bodyPr>
+          <a:lstStyle/>
+          <a:p>
+            <a:r>
+              <a:rPr lang="en-US" altLang="ko-KR" sz="1200" dirty="0"/>
+              <a:t>Caps Lock </a:t>
+            </a:r>
+            <a:r>
+              <a:rPr lang="ko-KR" altLang="en-US" sz="1200" dirty="0"/>
+              <a:t>활성화 여부</a:t>
+            </a:r>
+          </a:p>
+        </p:txBody>
+      </p:sp>
+      <p:sp>
+        <p:nvSpPr>
+          <p:cNvPr id="13" name="TextBox 12">
+            <a:extLst>
+              <a:ext uri="{FF2B5EF4-FFF2-40B4-BE49-F238E27FC236}">
+                <a16:creationId xmlns:a16="http://schemas.microsoft.com/office/drawing/2014/main" id="{AC7BBFB0-B9C1-4302-BA8E-E890A07CD835}"/>
+              </a:ext>
+            </a:extLst>
+          </p:cNvPr>
+          <p:cNvSpPr txBox="1"/>
+          <p:nvPr/>
+        </p:nvSpPr>
+        <p:spPr>
+          <a:xfrm>
+            <a:off x="2571134" y="3261029"/>
+            <a:ext cx="1716820" cy="276999"/>
+          </a:xfrm>
+          <a:prstGeom prst="rect">
+            <a:avLst/>
+          </a:prstGeom>
+          <a:noFill/>
+        </p:spPr>
+        <p:txBody>
+          <a:bodyPr wrap="square" rtlCol="0">
+            <a:spAutoFit/>
+          </a:bodyPr>
+          <a:lstStyle/>
+          <a:p>
+            <a:r>
+              <a:rPr lang="ko-KR" altLang="en-US" sz="1200" dirty="0"/>
+              <a:t>비밀번호 유효성 체크</a:t>
+            </a:r>
+          </a:p>
+        </p:txBody>
+      </p:sp>
+      <p:sp>
+        <p:nvSpPr>
+          <p:cNvPr id="14" name="TextBox 13">
+            <a:extLst>
+              <a:ext uri="{FF2B5EF4-FFF2-40B4-BE49-F238E27FC236}">
+                <a16:creationId xmlns:a16="http://schemas.microsoft.com/office/drawing/2014/main" id="{D394EFA0-2A25-41D1-8AB1-F633EFE2C219}"/>
+              </a:ext>
+            </a:extLst>
+          </p:cNvPr>
+          <p:cNvSpPr txBox="1"/>
+          <p:nvPr/>
+        </p:nvSpPr>
+        <p:spPr>
+          <a:xfrm>
+            <a:off x="2594610" y="3948951"/>
+            <a:ext cx="1716820" cy="276999"/>
+          </a:xfrm>
+          <a:prstGeom prst="rect">
+            <a:avLst/>
+          </a:prstGeom>
+          <a:noFill/>
+        </p:spPr>
+        <p:txBody>
+          <a:bodyPr wrap="square" rtlCol="0">
+            <a:spAutoFit/>
+          </a:bodyPr>
+          <a:lstStyle/>
+          <a:p>
+            <a:r>
+              <a:rPr lang="ko-KR" altLang="en-US" sz="1200" dirty="0"/>
+              <a:t>비밀번호 유효성 체크</a:t>
+            </a:r>
+          </a:p>
+        </p:txBody>
+      </p:sp>
+      <p:sp>
+        <p:nvSpPr>
+          <p:cNvPr id="15" name="TextBox 14">
+            <a:extLst>
+              <a:ext uri="{FF2B5EF4-FFF2-40B4-BE49-F238E27FC236}">
+                <a16:creationId xmlns:a16="http://schemas.microsoft.com/office/drawing/2014/main" id="{FBEAF388-96D7-4118-AA4A-8354A2B46688}"/>
+              </a:ext>
+            </a:extLst>
+          </p:cNvPr>
+          <p:cNvSpPr txBox="1"/>
+          <p:nvPr/>
+        </p:nvSpPr>
+        <p:spPr>
+          <a:xfrm>
+            <a:off x="2571134" y="4626830"/>
+            <a:ext cx="1280776" cy="276999"/>
+          </a:xfrm>
+          <a:prstGeom prst="rect">
+            <a:avLst/>
+          </a:prstGeom>
+          <a:noFill/>
+        </p:spPr>
+        <p:txBody>
+          <a:bodyPr wrap="square" rtlCol="0">
+            <a:spAutoFit/>
+          </a:bodyPr>
+          <a:lstStyle/>
+          <a:p>
+            <a:r>
+              <a:rPr lang="en-US" altLang="ko-KR" sz="1200" dirty="0"/>
+              <a:t>Select Box </a:t>
+            </a:r>
+            <a:r>
+              <a:rPr lang="ko-KR" altLang="en-US" sz="1200" dirty="0"/>
+              <a:t>선택</a:t>
+            </a:r>
+          </a:p>
+        </p:txBody>
+      </p:sp>
+      <p:sp>
+        <p:nvSpPr>
+          <p:cNvPr id="16" name="TextBox 15">
+            <a:extLst>
+              <a:ext uri="{FF2B5EF4-FFF2-40B4-BE49-F238E27FC236}">
+                <a16:creationId xmlns:a16="http://schemas.microsoft.com/office/drawing/2014/main" id="{39B7C856-6427-41D8-8FF1-0767BAF9183E}"/>
+              </a:ext>
+            </a:extLst>
+          </p:cNvPr>
+          <p:cNvSpPr txBox="1"/>
+          <p:nvPr/>
+        </p:nvSpPr>
+        <p:spPr>
+          <a:xfrm>
+            <a:off x="2586990" y="5314360"/>
+            <a:ext cx="1584960" cy="276999"/>
+          </a:xfrm>
+          <a:prstGeom prst="rect">
+            <a:avLst/>
+          </a:prstGeom>
+          <a:noFill/>
+        </p:spPr>
+        <p:txBody>
+          <a:bodyPr wrap="square" rtlCol="0">
+            <a:spAutoFit/>
+          </a:bodyPr>
+          <a:lstStyle/>
+          <a:p>
+            <a:r>
+              <a:rPr lang="en-US" altLang="ko-KR" sz="1200" dirty="0"/>
+              <a:t>“-”</a:t>
+            </a:r>
+            <a:r>
+              <a:rPr lang="ko-KR" altLang="en-US" sz="1200" dirty="0"/>
+              <a:t>는 제외하고 입력</a:t>
+            </a:r>
+          </a:p>
+        </p:txBody>
+      </p:sp>
+      <p:sp>
+        <p:nvSpPr>
+          <p:cNvPr id="17" name="TextBox 16">
+            <a:extLst>
+              <a:ext uri="{FF2B5EF4-FFF2-40B4-BE49-F238E27FC236}">
+                <a16:creationId xmlns:a16="http://schemas.microsoft.com/office/drawing/2014/main" id="{8893143D-DDFA-4C33-929A-7E70D72E4084}"/>
+              </a:ext>
+            </a:extLst>
+          </p:cNvPr>
+          <p:cNvSpPr txBox="1"/>
+          <p:nvPr/>
+        </p:nvSpPr>
+        <p:spPr>
+          <a:xfrm>
+            <a:off x="2525414" y="6012358"/>
+            <a:ext cx="1584960" cy="276999"/>
+          </a:xfrm>
+          <a:prstGeom prst="rect">
+            <a:avLst/>
+          </a:prstGeom>
+          <a:noFill/>
+        </p:spPr>
+        <p:txBody>
+          <a:bodyPr wrap="square" rtlCol="0">
+            <a:spAutoFit/>
+          </a:bodyPr>
+          <a:lstStyle/>
+          <a:p>
+            <a:r>
+              <a:rPr lang="ko-KR" altLang="en-US" sz="1200" dirty="0"/>
+              <a:t>계좌 실명 입력</a:t>
+            </a:r>
+          </a:p>
+        </p:txBody>
+      </p:sp>
+    </p:spTree>
+    <p:extLst>
+      <p:ext uri="{BB962C8B-B14F-4D97-AF65-F5344CB8AC3E}">
+        <p14:creationId xmlns:p14="http://schemas.microsoft.com/office/powerpoint/2010/main" val="3483626313"/>
+      </p:ext>
+    </p:extLst>
+  </p:cSld>
+  <p:clrMapOvr>
+    <a:masterClrMapping/>
+  </p:clrMapOvr>
+</p:sld>
+</file>
+
+<file path=ppt/slides/slide7.xml><?xml version="1.0" encoding="utf-8"?>
+<p:sld xmlns:a="http://schemas.openxmlformats.org/drawingml/2006/main" xmlns:r="http://schemas.openxmlformats.org/officeDocument/2006/relationships" xmlns:p="http://schemas.openxmlformats.org/presentationml/2006/main">
+  <p:cSld>
+    <p:spTree>
+      <p:nvGrpSpPr>
+        <p:cNvPr id="1" name=""/>
+        <p:cNvGrpSpPr/>
+        <p:nvPr/>
+      </p:nvGrpSpPr>
+      <p:grpSpPr>
+        <a:xfrm>
+          <a:off x="0" y="0"/>
+          <a:ext cx="0" cy="0"/>
+          <a:chOff x="0" y="0"/>
+          <a:chExt cx="0" cy="0"/>
+        </a:xfrm>
+      </p:grpSpPr>
+      <p:sp>
+        <p:nvSpPr>
+          <p:cNvPr id="2" name="직사각형 1">
+            <a:extLst>
+              <a:ext uri="{FF2B5EF4-FFF2-40B4-BE49-F238E27FC236}">
+                <a16:creationId xmlns:a16="http://schemas.microsoft.com/office/drawing/2014/main" id="{DD441CF9-8221-4CAB-831E-250FBA9FF33C}"/>
+              </a:ext>
+            </a:extLst>
+          </p:cNvPr>
+          <p:cNvSpPr/>
+          <p:nvPr/>
+        </p:nvSpPr>
+        <p:spPr>
+          <a:xfrm>
+            <a:off x="2337876" y="417194"/>
+            <a:ext cx="9108634" cy="6289383"/>
+          </a:xfrm>
+          <a:prstGeom prst="rect">
+            <a:avLst/>
+          </a:prstGeom>
+          <a:ln w="57150">
+            <a:solidFill>
+              <a:schemeClr val="accent5">
+                <a:lumMod val="75000"/>
+              </a:schemeClr>
+            </a:solidFill>
+          </a:ln>
+        </p:spPr>
+        <p:style>
+          <a:lnRef idx="2">
+            <a:schemeClr val="accent6"/>
+          </a:lnRef>
+          <a:fillRef idx="1">
+            <a:schemeClr val="lt1"/>
+          </a:fillRef>
+          <a:effectRef idx="0">
+            <a:schemeClr val="accent6"/>
+          </a:effectRef>
+          <a:fontRef idx="minor">
+            <a:schemeClr val="dk1"/>
+          </a:fontRef>
+        </p:style>
+        <p:txBody>
+          <a:bodyPr rtlCol="0" anchor="ctr"/>
+          <a:lstStyle/>
+          <a:p>
+            <a:pPr algn="ctr"/>
+            <a:endParaRPr lang="ko-KR" altLang="en-US" dirty="0">
+              <a:solidFill>
+                <a:schemeClr val="tx1"/>
+              </a:solidFill>
+            </a:endParaRPr>
+          </a:p>
+        </p:txBody>
+      </p:sp>
+      <p:sp>
+        <p:nvSpPr>
+          <p:cNvPr id="3" name="직사각형 2">
+            <a:extLst>
+              <a:ext uri="{FF2B5EF4-FFF2-40B4-BE49-F238E27FC236}">
+                <a16:creationId xmlns:a16="http://schemas.microsoft.com/office/drawing/2014/main" id="{3ECFD580-5B85-4FF2-BB9E-FC80806E0961}"/>
+              </a:ext>
+            </a:extLst>
+          </p:cNvPr>
+          <p:cNvSpPr/>
+          <p:nvPr/>
+        </p:nvSpPr>
+        <p:spPr>
+          <a:xfrm>
+            <a:off x="101600" y="334327"/>
+            <a:ext cx="2070100" cy="440055"/>
+          </a:xfrm>
+          <a:prstGeom prst="rect">
+            <a:avLst/>
+          </a:prstGeom>
+          <a:ln w="19050">
+            <a:solidFill>
+              <a:schemeClr val="tx1"/>
+            </a:solidFill>
+          </a:ln>
+        </p:spPr>
+        <p:style>
+          <a:lnRef idx="2">
+            <a:schemeClr val="accent6"/>
+          </a:lnRef>
+          <a:fillRef idx="1">
+            <a:schemeClr val="lt1"/>
+          </a:fillRef>
+          <a:effectRef idx="0">
+            <a:schemeClr val="accent6"/>
+          </a:effectRef>
+          <a:fontRef idx="minor">
+            <a:schemeClr val="dk1"/>
+          </a:fontRef>
+        </p:style>
+        <p:txBody>
+          <a:bodyPr rtlCol="0" anchor="ctr"/>
+          <a:lstStyle/>
+          <a:p>
+            <a:pPr algn="ctr"/>
+            <a:r>
+              <a:rPr lang="en-US" altLang="ko-KR" sz="1500" dirty="0">
+                <a:ln w="0"/>
+                <a:solidFill>
+                  <a:schemeClr val="tx1"/>
+                </a:solidFill>
+                <a:effectLst>
+                  <a:outerShdw blurRad="38100" dist="19050" dir="2700000" algn="tl" rotWithShape="0">
+                    <a:schemeClr val="dk1">
+                      <a:alpha val="40000"/>
+                    </a:schemeClr>
+                  </a:outerShdw>
+                </a:effectLst>
+              </a:rPr>
+              <a:t>1-2) </a:t>
+            </a:r>
+            <a:r>
+              <a:rPr lang="ko-KR" altLang="en-US" sz="1500" dirty="0">
+                <a:ln w="0"/>
+                <a:solidFill>
+                  <a:schemeClr val="tx1"/>
+                </a:solidFill>
+                <a:effectLst>
+                  <a:outerShdw blurRad="38100" dist="19050" dir="2700000" algn="tl" rotWithShape="0">
+                    <a:schemeClr val="dk1">
+                      <a:alpha val="40000"/>
+                    </a:schemeClr>
+                  </a:outerShdw>
+                </a:effectLst>
+              </a:rPr>
+              <a:t>회원탈퇴 페이지</a:t>
+            </a:r>
+          </a:p>
+        </p:txBody>
+      </p:sp>
+      <p:sp>
+        <p:nvSpPr>
+          <p:cNvPr id="4" name="직사각형 3">
+            <a:extLst>
+              <a:ext uri="{FF2B5EF4-FFF2-40B4-BE49-F238E27FC236}">
+                <a16:creationId xmlns:a16="http://schemas.microsoft.com/office/drawing/2014/main" id="{F0DFAAB8-2023-40F0-8D79-ED1AE41AB8C7}"/>
+              </a:ext>
+            </a:extLst>
+          </p:cNvPr>
+          <p:cNvSpPr/>
+          <p:nvPr/>
+        </p:nvSpPr>
+        <p:spPr>
+          <a:xfrm>
+            <a:off x="2622550" y="720089"/>
+            <a:ext cx="8583930" cy="3775625"/>
+          </a:xfrm>
+          <a:prstGeom prst="rect">
+            <a:avLst/>
+          </a:prstGeom>
+          <a:solidFill>
+            <a:schemeClr val="bg1"/>
+          </a:solidFill>
+          <a:ln w="38100">
+            <a:solidFill>
+              <a:schemeClr val="tx1"/>
+            </a:solidFill>
+          </a:ln>
+        </p:spPr>
+        <p:style>
+          <a:lnRef idx="2">
+            <a:schemeClr val="accent1">
+              <a:shade val="50000"/>
+            </a:schemeClr>
+          </a:lnRef>
+          <a:fillRef idx="1">
+            <a:schemeClr val="accent1"/>
+          </a:fillRef>
+          <a:effectRef idx="0">
+            <a:schemeClr val="accent1"/>
+          </a:effectRef>
+          <a:fontRef idx="minor">
+            <a:schemeClr val="lt1"/>
+          </a:fontRef>
+        </p:style>
+        <p:txBody>
+          <a:bodyPr rtlCol="0" anchor="ctr"/>
+          <a:lstStyle/>
+          <a:p>
+            <a:pPr algn="ctr"/>
+            <a:r>
+              <a:rPr lang="en-US" altLang="ko-KR" dirty="0">
+                <a:solidFill>
+                  <a:schemeClr val="tx1"/>
+                </a:solidFill>
+              </a:rPr>
+              <a:t> </a:t>
+            </a:r>
+            <a:r>
+              <a:rPr lang="ko-KR" altLang="en-US" dirty="0">
+                <a:solidFill>
+                  <a:schemeClr val="tx1"/>
+                </a:solidFill>
+              </a:rPr>
+              <a:t>회원 탈퇴 약관 </a:t>
+            </a:r>
+          </a:p>
+        </p:txBody>
+      </p:sp>
+      <p:sp>
+        <p:nvSpPr>
+          <p:cNvPr id="5" name="직사각형 4">
+            <a:extLst>
+              <a:ext uri="{FF2B5EF4-FFF2-40B4-BE49-F238E27FC236}">
+                <a16:creationId xmlns:a16="http://schemas.microsoft.com/office/drawing/2014/main" id="{FD483D2D-716D-4BA9-81AE-654949E54FEF}"/>
+              </a:ext>
+            </a:extLst>
+          </p:cNvPr>
+          <p:cNvSpPr/>
+          <p:nvPr/>
+        </p:nvSpPr>
+        <p:spPr>
+          <a:xfrm>
+            <a:off x="2622550" y="4664280"/>
+            <a:ext cx="5036820" cy="320040"/>
+          </a:xfrm>
+          <a:prstGeom prst="rect">
+            <a:avLst/>
+          </a:prstGeom>
+          <a:solidFill>
+            <a:schemeClr val="bg1"/>
+          </a:solidFill>
+          <a:ln w="38100">
+            <a:solidFill>
+              <a:schemeClr val="tx1"/>
+            </a:solidFill>
+          </a:ln>
+        </p:spPr>
+        <p:style>
+          <a:lnRef idx="2">
+            <a:schemeClr val="accent1">
+              <a:shade val="50000"/>
+            </a:schemeClr>
+          </a:lnRef>
+          <a:fillRef idx="1">
+            <a:schemeClr val="accent1"/>
+          </a:fillRef>
+          <a:effectRef idx="0">
+            <a:schemeClr val="accent1"/>
+          </a:effectRef>
+          <a:fontRef idx="minor">
+            <a:schemeClr val="lt1"/>
+          </a:fontRef>
+        </p:style>
+        <p:txBody>
+          <a:bodyPr rtlCol="0" anchor="ctr"/>
+          <a:lstStyle/>
+          <a:p>
+            <a:pPr algn="ctr"/>
+            <a:r>
+              <a:rPr lang="en-US" altLang="ko-KR" dirty="0">
+                <a:solidFill>
+                  <a:schemeClr val="tx1"/>
+                </a:solidFill>
+              </a:rPr>
+              <a:t>1&gt; </a:t>
+            </a:r>
+            <a:r>
+              <a:rPr lang="ko-KR" altLang="en-US" dirty="0">
+                <a:solidFill>
+                  <a:schemeClr val="tx1"/>
+                </a:solidFill>
+              </a:rPr>
+              <a:t>안내사항 확인</a:t>
+            </a:r>
+          </a:p>
+        </p:txBody>
+      </p:sp>
+      <p:sp>
+        <p:nvSpPr>
+          <p:cNvPr id="6" name="직사각형 5">
+            <a:extLst>
+              <a:ext uri="{FF2B5EF4-FFF2-40B4-BE49-F238E27FC236}">
+                <a16:creationId xmlns:a16="http://schemas.microsoft.com/office/drawing/2014/main" id="{BAF8D4EF-71C3-4F81-A3A1-B9D24CC64161}"/>
+              </a:ext>
+            </a:extLst>
+          </p:cNvPr>
+          <p:cNvSpPr/>
+          <p:nvPr/>
+        </p:nvSpPr>
+        <p:spPr>
+          <a:xfrm>
+            <a:off x="5714365" y="6071484"/>
+            <a:ext cx="2400300" cy="474345"/>
+          </a:xfrm>
+          <a:prstGeom prst="rect">
+            <a:avLst/>
+          </a:prstGeom>
+          <a:solidFill>
+            <a:schemeClr val="bg1"/>
+          </a:solidFill>
+          <a:ln w="38100">
+            <a:solidFill>
+              <a:schemeClr val="tx1"/>
+            </a:solidFill>
+          </a:ln>
+        </p:spPr>
+        <p:style>
+          <a:lnRef idx="2">
+            <a:schemeClr val="accent1">
+              <a:shade val="50000"/>
+            </a:schemeClr>
+          </a:lnRef>
+          <a:fillRef idx="1">
+            <a:schemeClr val="accent1"/>
+          </a:fillRef>
+          <a:effectRef idx="0">
+            <a:schemeClr val="accent1"/>
+          </a:effectRef>
+          <a:fontRef idx="minor">
+            <a:schemeClr val="lt1"/>
+          </a:fontRef>
+        </p:style>
+        <p:txBody>
+          <a:bodyPr rtlCol="0" anchor="ctr"/>
+          <a:lstStyle/>
+          <a:p>
+            <a:pPr algn="ctr"/>
+            <a:r>
+              <a:rPr lang="en-US" altLang="ko-KR" dirty="0">
+                <a:solidFill>
+                  <a:schemeClr val="tx1"/>
+                </a:solidFill>
+              </a:rPr>
+              <a:t>3&gt; </a:t>
+            </a:r>
+            <a:r>
+              <a:rPr lang="ko-KR" altLang="en-US" dirty="0">
+                <a:solidFill>
+                  <a:schemeClr val="tx1"/>
+                </a:solidFill>
+              </a:rPr>
+              <a:t>확인</a:t>
+            </a:r>
+          </a:p>
+        </p:txBody>
+      </p:sp>
+      <p:sp>
+        <p:nvSpPr>
+          <p:cNvPr id="8" name="TextBox 7">
+            <a:extLst>
+              <a:ext uri="{FF2B5EF4-FFF2-40B4-BE49-F238E27FC236}">
+                <a16:creationId xmlns:a16="http://schemas.microsoft.com/office/drawing/2014/main" id="{8B203125-0903-4B99-918E-4B079F8CED7B}"/>
+              </a:ext>
+            </a:extLst>
+          </p:cNvPr>
+          <p:cNvSpPr txBox="1"/>
+          <p:nvPr/>
+        </p:nvSpPr>
+        <p:spPr>
+          <a:xfrm>
+            <a:off x="2565400" y="4979881"/>
+            <a:ext cx="1517650" cy="276999"/>
+          </a:xfrm>
+          <a:prstGeom prst="rect">
+            <a:avLst/>
+          </a:prstGeom>
+          <a:noFill/>
+        </p:spPr>
+        <p:txBody>
+          <a:bodyPr wrap="square" rtlCol="0">
+            <a:spAutoFit/>
+          </a:bodyPr>
+          <a:lstStyle/>
+          <a:p>
+            <a:r>
+              <a:rPr lang="en-US" altLang="ko-KR" sz="1200" dirty="0"/>
+              <a:t>Check Box </a:t>
+            </a:r>
+            <a:r>
+              <a:rPr lang="ko-KR" altLang="en-US" sz="1200" dirty="0"/>
+              <a:t>선택</a:t>
+            </a:r>
+          </a:p>
+        </p:txBody>
+      </p:sp>
+      <p:sp>
+        <p:nvSpPr>
+          <p:cNvPr id="9" name="직사각형 8">
+            <a:extLst>
+              <a:ext uri="{FF2B5EF4-FFF2-40B4-BE49-F238E27FC236}">
+                <a16:creationId xmlns:a16="http://schemas.microsoft.com/office/drawing/2014/main" id="{3CD1A306-06BC-431B-BCE5-CD285B824418}"/>
+              </a:ext>
+            </a:extLst>
+          </p:cNvPr>
+          <p:cNvSpPr/>
+          <p:nvPr/>
+        </p:nvSpPr>
+        <p:spPr>
+          <a:xfrm>
+            <a:off x="2622550" y="5292089"/>
+            <a:ext cx="5036820" cy="320040"/>
+          </a:xfrm>
+          <a:prstGeom prst="rect">
+            <a:avLst/>
+          </a:prstGeom>
+          <a:solidFill>
+            <a:schemeClr val="bg1"/>
+          </a:solidFill>
+          <a:ln w="38100">
+            <a:solidFill>
+              <a:schemeClr val="tx1"/>
+            </a:solidFill>
+          </a:ln>
+        </p:spPr>
+        <p:style>
+          <a:lnRef idx="2">
+            <a:schemeClr val="accent1">
+              <a:shade val="50000"/>
+            </a:schemeClr>
+          </a:lnRef>
+          <a:fillRef idx="1">
+            <a:schemeClr val="accent1"/>
+          </a:fillRef>
+          <a:effectRef idx="0">
+            <a:schemeClr val="accent1"/>
+          </a:effectRef>
+          <a:fontRef idx="minor">
+            <a:schemeClr val="lt1"/>
+          </a:fontRef>
+        </p:style>
+        <p:txBody>
+          <a:bodyPr rtlCol="0" anchor="ctr"/>
+          <a:lstStyle/>
+          <a:p>
+            <a:pPr algn="ctr"/>
+            <a:r>
+              <a:rPr lang="en-US" altLang="ko-KR" dirty="0">
+                <a:solidFill>
+                  <a:schemeClr val="tx1"/>
+                </a:solidFill>
+              </a:rPr>
+              <a:t>2&gt; </a:t>
+            </a:r>
+            <a:r>
+              <a:rPr lang="ko-KR" altLang="en-US" dirty="0">
+                <a:solidFill>
+                  <a:schemeClr val="tx1"/>
+                </a:solidFill>
+              </a:rPr>
+              <a:t>비밀번호 입력</a:t>
+            </a:r>
+          </a:p>
+        </p:txBody>
+      </p:sp>
+      <p:sp>
+        <p:nvSpPr>
+          <p:cNvPr id="10" name="TextBox 9">
+            <a:extLst>
+              <a:ext uri="{FF2B5EF4-FFF2-40B4-BE49-F238E27FC236}">
+                <a16:creationId xmlns:a16="http://schemas.microsoft.com/office/drawing/2014/main" id="{060BBF56-E286-40EF-8C53-AE3ED3E1A6C5}"/>
+              </a:ext>
+            </a:extLst>
+          </p:cNvPr>
+          <p:cNvSpPr txBox="1"/>
+          <p:nvPr/>
+        </p:nvSpPr>
+        <p:spPr>
+          <a:xfrm>
+            <a:off x="2576830" y="5612129"/>
+            <a:ext cx="1689102" cy="276999"/>
+          </a:xfrm>
+          <a:prstGeom prst="rect">
+            <a:avLst/>
+          </a:prstGeom>
+          <a:noFill/>
+        </p:spPr>
+        <p:txBody>
+          <a:bodyPr wrap="square" rtlCol="0">
+            <a:spAutoFit/>
+          </a:bodyPr>
+          <a:lstStyle/>
+          <a:p>
+            <a:r>
+              <a:rPr lang="ko-KR" altLang="en-US" sz="1200" dirty="0"/>
+              <a:t>비밀번호 유효성 체크</a:t>
+            </a:r>
+          </a:p>
+        </p:txBody>
+      </p:sp>
+    </p:spTree>
+    <p:extLst>
+      <p:ext uri="{BB962C8B-B14F-4D97-AF65-F5344CB8AC3E}">
+        <p14:creationId xmlns:p14="http://schemas.microsoft.com/office/powerpoint/2010/main" val="683198306"/>
+      </p:ext>
+    </p:extLst>
+  </p:cSld>
+  <p:clrMapOvr>
+    <a:masterClrMapping/>
+  </p:clrMapOvr>
+</p:sld>
+</file>
+
+<file path=ppt/slides/slide8.xml><?xml version="1.0" encoding="utf-8"?>
+<p:sld xmlns:a="http://schemas.openxmlformats.org/drawingml/2006/main" xmlns:r="http://schemas.openxmlformats.org/officeDocument/2006/relationships" xmlns:p="http://schemas.openxmlformats.org/presentationml/2006/main">
+  <p:cSld>
+    <p:spTree>
+      <p:nvGrpSpPr>
+        <p:cNvPr id="1" name=""/>
+        <p:cNvGrpSpPr/>
+        <p:nvPr/>
+      </p:nvGrpSpPr>
+      <p:grpSpPr>
+        <a:xfrm>
+          <a:off x="0" y="0"/>
+          <a:ext cx="0" cy="0"/>
+          <a:chOff x="0" y="0"/>
+          <a:chExt cx="0" cy="0"/>
+        </a:xfrm>
+      </p:grpSpPr>
+      <p:sp>
+        <p:nvSpPr>
+          <p:cNvPr id="2" name="직사각형 1">
+            <a:extLst>
+              <a:ext uri="{FF2B5EF4-FFF2-40B4-BE49-F238E27FC236}">
+                <a16:creationId xmlns:a16="http://schemas.microsoft.com/office/drawing/2014/main" id="{F967B7BD-644B-49BC-B8ED-0B9B798267D3}"/>
+              </a:ext>
+            </a:extLst>
+          </p:cNvPr>
+          <p:cNvSpPr/>
+          <p:nvPr/>
+        </p:nvSpPr>
+        <p:spPr>
+          <a:xfrm>
+            <a:off x="2366174" y="317157"/>
+            <a:ext cx="8012266" cy="6289383"/>
+          </a:xfrm>
+          <a:prstGeom prst="rect">
+            <a:avLst/>
+          </a:prstGeom>
+          <a:ln w="57150">
+            <a:solidFill>
+              <a:schemeClr val="accent5">
+                <a:lumMod val="75000"/>
+              </a:schemeClr>
+            </a:solidFill>
+          </a:ln>
+        </p:spPr>
+        <p:style>
+          <a:lnRef idx="2">
+            <a:schemeClr val="accent6"/>
+          </a:lnRef>
+          <a:fillRef idx="1">
+            <a:schemeClr val="lt1"/>
+          </a:fillRef>
+          <a:effectRef idx="0">
+            <a:schemeClr val="accent6"/>
+          </a:effectRef>
+          <a:fontRef idx="minor">
+            <a:schemeClr val="dk1"/>
+          </a:fontRef>
+        </p:style>
+        <p:txBody>
+          <a:bodyPr rtlCol="0" anchor="ctr"/>
+          <a:lstStyle/>
+          <a:p>
+            <a:pPr algn="ctr"/>
+            <a:endParaRPr lang="ko-KR" altLang="en-US" dirty="0">
+              <a:solidFill>
+                <a:schemeClr val="tx1"/>
+              </a:solidFill>
+            </a:endParaRPr>
+          </a:p>
+        </p:txBody>
+      </p:sp>
+      <p:sp>
+        <p:nvSpPr>
+          <p:cNvPr id="3" name="직사각형 2">
+            <a:extLst>
+              <a:ext uri="{FF2B5EF4-FFF2-40B4-BE49-F238E27FC236}">
+                <a16:creationId xmlns:a16="http://schemas.microsoft.com/office/drawing/2014/main" id="{4DEC405D-74C7-49F4-9912-10E2D317CFB6}"/>
+              </a:ext>
+            </a:extLst>
+          </p:cNvPr>
+          <p:cNvSpPr/>
+          <p:nvPr/>
+        </p:nvSpPr>
+        <p:spPr>
+          <a:xfrm>
+            <a:off x="546653" y="291465"/>
+            <a:ext cx="1584221" cy="345456"/>
+          </a:xfrm>
+          <a:prstGeom prst="rect">
+            <a:avLst/>
+          </a:prstGeom>
+          <a:ln w="19050">
+            <a:solidFill>
+              <a:schemeClr val="tx1"/>
+            </a:solidFill>
+          </a:ln>
+        </p:spPr>
+        <p:style>
+          <a:lnRef idx="2">
+            <a:schemeClr val="accent6"/>
+          </a:lnRef>
+          <a:fillRef idx="1">
+            <a:schemeClr val="lt1"/>
+          </a:fillRef>
+          <a:effectRef idx="0">
+            <a:schemeClr val="accent6"/>
+          </a:effectRef>
+          <a:fontRef idx="minor">
+            <a:schemeClr val="dk1"/>
+          </a:fontRef>
+        </p:style>
+        <p:txBody>
+          <a:bodyPr rtlCol="0" anchor="ctr"/>
+          <a:lstStyle/>
+          <a:p>
+            <a:pPr algn="ctr"/>
+            <a:r>
+              <a:rPr lang="ko-KR" altLang="en-US" sz="1400" dirty="0">
+                <a:ln w="0"/>
+                <a:solidFill>
+                  <a:schemeClr val="tx1"/>
+                </a:solidFill>
+                <a:effectLst>
+                  <a:outerShdw blurRad="38100" dist="19050" dir="2700000" algn="tl" rotWithShape="0">
+                    <a:schemeClr val="dk1">
+                      <a:alpha val="40000"/>
+                    </a:schemeClr>
+                  </a:outerShdw>
+                </a:effectLst>
+              </a:rPr>
+              <a:t>보류</a:t>
+            </a:r>
+            <a:r>
+              <a:rPr lang="en-US" altLang="ko-KR" sz="1400" dirty="0">
+                <a:ln w="0"/>
+                <a:solidFill>
+                  <a:schemeClr val="tx1"/>
+                </a:solidFill>
+                <a:effectLst>
+                  <a:outerShdw blurRad="38100" dist="19050" dir="2700000" algn="tl" rotWithShape="0">
+                    <a:schemeClr val="dk1">
+                      <a:alpha val="40000"/>
+                    </a:schemeClr>
+                  </a:outerShdw>
+                </a:effectLst>
+              </a:rPr>
+              <a:t>- </a:t>
+            </a:r>
+            <a:r>
+              <a:rPr lang="ko-KR" altLang="en-US" sz="1400" dirty="0" err="1">
+                <a:ln w="0"/>
+                <a:solidFill>
+                  <a:schemeClr val="tx1"/>
+                </a:solidFill>
+                <a:effectLst>
+                  <a:outerShdw blurRad="38100" dist="19050" dir="2700000" algn="tl" rotWithShape="0">
+                    <a:schemeClr val="dk1">
+                      <a:alpha val="40000"/>
+                    </a:schemeClr>
+                  </a:outerShdw>
+                </a:effectLst>
+              </a:rPr>
+              <a:t>쪽지함</a:t>
+            </a:r>
+            <a:r>
+              <a:rPr lang="ko-KR" altLang="en-US" sz="1400" dirty="0">
+                <a:ln w="0"/>
+                <a:solidFill>
+                  <a:schemeClr val="tx1"/>
+                </a:solidFill>
+                <a:effectLst>
+                  <a:outerShdw blurRad="38100" dist="19050" dir="2700000" algn="tl" rotWithShape="0">
+                    <a:schemeClr val="dk1">
+                      <a:alpha val="40000"/>
+                    </a:schemeClr>
+                  </a:outerShdw>
+                </a:effectLst>
+              </a:rPr>
+              <a:t> 폼</a:t>
+            </a:r>
+          </a:p>
+        </p:txBody>
+      </p:sp>
+      <p:sp>
+        <p:nvSpPr>
+          <p:cNvPr id="5" name="직사각형 4">
+            <a:extLst>
+              <a:ext uri="{FF2B5EF4-FFF2-40B4-BE49-F238E27FC236}">
+                <a16:creationId xmlns:a16="http://schemas.microsoft.com/office/drawing/2014/main" id="{B645579D-DE29-4518-A5F5-C903C841F7C8}"/>
+              </a:ext>
+            </a:extLst>
+          </p:cNvPr>
+          <p:cNvSpPr/>
+          <p:nvPr/>
+        </p:nvSpPr>
+        <p:spPr>
+          <a:xfrm>
+            <a:off x="3121465" y="950635"/>
+            <a:ext cx="6524544" cy="5119990"/>
+          </a:xfrm>
+          <a:prstGeom prst="rect">
+            <a:avLst/>
+          </a:prstGeom>
+          <a:ln w="28575">
+            <a:solidFill>
+              <a:schemeClr val="tx1"/>
+            </a:solidFill>
+          </a:ln>
+        </p:spPr>
+        <p:style>
+          <a:lnRef idx="2">
+            <a:schemeClr val="accent6"/>
+          </a:lnRef>
+          <a:fillRef idx="1">
+            <a:schemeClr val="lt1"/>
+          </a:fillRef>
+          <a:effectRef idx="0">
+            <a:schemeClr val="accent6"/>
+          </a:effectRef>
+          <a:fontRef idx="minor">
+            <a:schemeClr val="dk1"/>
+          </a:fontRef>
+        </p:style>
+        <p:txBody>
+          <a:bodyPr rtlCol="0" anchor="ctr"/>
+          <a:lstStyle/>
+          <a:p>
+            <a:endParaRPr lang="ko-KR" altLang="en-US" b="1" dirty="0"/>
+          </a:p>
+        </p:txBody>
+      </p:sp>
+      <p:sp>
+        <p:nvSpPr>
+          <p:cNvPr id="6" name="직사각형 5">
+            <a:extLst>
+              <a:ext uri="{FF2B5EF4-FFF2-40B4-BE49-F238E27FC236}">
+                <a16:creationId xmlns:a16="http://schemas.microsoft.com/office/drawing/2014/main" id="{24D02816-E5E4-421E-89D7-B7E1B74E610E}"/>
+              </a:ext>
+            </a:extLst>
+          </p:cNvPr>
+          <p:cNvSpPr/>
+          <p:nvPr/>
+        </p:nvSpPr>
+        <p:spPr>
+          <a:xfrm>
+            <a:off x="3177539" y="1088815"/>
+            <a:ext cx="6309361" cy="465665"/>
+          </a:xfrm>
+          <a:prstGeom prst="rect">
+            <a:avLst/>
+          </a:prstGeom>
+          <a:ln w="28575">
+            <a:solidFill>
+              <a:schemeClr val="tx1"/>
+            </a:solidFill>
+          </a:ln>
+        </p:spPr>
+        <p:style>
+          <a:lnRef idx="2">
+            <a:schemeClr val="accent6"/>
+          </a:lnRef>
+          <a:fillRef idx="1">
+            <a:schemeClr val="lt1"/>
+          </a:fillRef>
+          <a:effectRef idx="0">
+            <a:schemeClr val="accent6"/>
+          </a:effectRef>
+          <a:fontRef idx="minor">
+            <a:schemeClr val="dk1"/>
+          </a:fontRef>
+        </p:style>
+        <p:txBody>
+          <a:bodyPr rtlCol="0" anchor="ctr"/>
+          <a:lstStyle/>
+          <a:p>
+            <a:r>
+              <a:rPr lang="ko-KR" altLang="en-US" b="1" dirty="0" err="1"/>
+              <a:t>떼껄룩</a:t>
+            </a:r>
+            <a:r>
+              <a:rPr lang="ko-KR" altLang="en-US" b="1" dirty="0"/>
+              <a:t>  쪽지</a:t>
+            </a:r>
+          </a:p>
+        </p:txBody>
+      </p:sp>
+      <p:sp>
+        <p:nvSpPr>
+          <p:cNvPr id="10" name="직사각형 9">
+            <a:extLst>
+              <a:ext uri="{FF2B5EF4-FFF2-40B4-BE49-F238E27FC236}">
+                <a16:creationId xmlns:a16="http://schemas.microsoft.com/office/drawing/2014/main" id="{A7E46D4C-67BE-454F-B4E7-79DCD678F9DE}"/>
+              </a:ext>
+            </a:extLst>
+          </p:cNvPr>
+          <p:cNvSpPr/>
+          <p:nvPr/>
+        </p:nvSpPr>
+        <p:spPr>
+          <a:xfrm>
+            <a:off x="3177539" y="1574375"/>
+            <a:ext cx="6309361" cy="4411980"/>
+          </a:xfrm>
+          <a:prstGeom prst="rect">
+            <a:avLst/>
+          </a:prstGeom>
+          <a:solidFill>
+            <a:schemeClr val="bg1"/>
+          </a:solidFill>
+          <a:ln w="38100">
+            <a:solidFill>
+              <a:schemeClr val="tx1"/>
+            </a:solidFill>
+          </a:ln>
+        </p:spPr>
+        <p:style>
+          <a:lnRef idx="2">
+            <a:schemeClr val="accent1">
+              <a:shade val="50000"/>
+            </a:schemeClr>
+          </a:lnRef>
+          <a:fillRef idx="1">
+            <a:schemeClr val="accent1"/>
+          </a:fillRef>
+          <a:effectRef idx="0">
+            <a:schemeClr val="accent1"/>
+          </a:effectRef>
+          <a:fontRef idx="minor">
+            <a:schemeClr val="lt1"/>
+          </a:fontRef>
+        </p:style>
+        <p:txBody>
+          <a:bodyPr rtlCol="0" anchor="ctr"/>
+          <a:lstStyle/>
+          <a:p>
+            <a:pPr algn="ctr"/>
+            <a:endParaRPr lang="ko-KR" altLang="en-US" dirty="0"/>
+          </a:p>
+        </p:txBody>
+      </p:sp>
+      <p:sp>
+        <p:nvSpPr>
+          <p:cNvPr id="7" name="직사각형 6">
+            <a:extLst>
+              <a:ext uri="{FF2B5EF4-FFF2-40B4-BE49-F238E27FC236}">
+                <a16:creationId xmlns:a16="http://schemas.microsoft.com/office/drawing/2014/main" id="{CD4B7C56-620A-4133-B781-04B52782FE65}"/>
+              </a:ext>
+            </a:extLst>
+          </p:cNvPr>
+          <p:cNvSpPr/>
+          <p:nvPr/>
+        </p:nvSpPr>
+        <p:spPr>
+          <a:xfrm>
+            <a:off x="3291837" y="1813625"/>
+            <a:ext cx="1412517" cy="465665"/>
+          </a:xfrm>
+          <a:prstGeom prst="rect">
+            <a:avLst/>
+          </a:prstGeom>
+          <a:ln w="28575">
+            <a:solidFill>
+              <a:schemeClr val="tx1"/>
+            </a:solidFill>
+          </a:ln>
+        </p:spPr>
+        <p:style>
+          <a:lnRef idx="2">
+            <a:schemeClr val="accent6"/>
+          </a:lnRef>
+          <a:fillRef idx="1">
+            <a:schemeClr val="lt1"/>
+          </a:fillRef>
+          <a:effectRef idx="0">
+            <a:schemeClr val="accent6"/>
+          </a:effectRef>
+          <a:fontRef idx="minor">
+            <a:schemeClr val="dk1"/>
+          </a:fontRef>
+        </p:style>
+        <p:txBody>
+          <a:bodyPr rtlCol="0" anchor="ctr"/>
+          <a:lstStyle/>
+          <a:p>
+            <a:pPr algn="ctr"/>
+            <a:r>
+              <a:rPr lang="ko-KR" altLang="en-US" b="1" dirty="0"/>
+              <a:t>쪽지 쓰기</a:t>
+            </a:r>
+          </a:p>
+        </p:txBody>
+      </p:sp>
+      <p:sp>
+        <p:nvSpPr>
+          <p:cNvPr id="9" name="직사각형 8">
+            <a:extLst>
+              <a:ext uri="{FF2B5EF4-FFF2-40B4-BE49-F238E27FC236}">
+                <a16:creationId xmlns:a16="http://schemas.microsoft.com/office/drawing/2014/main" id="{2A4D0FF2-08E9-40A0-86FE-08EBD719EF60}"/>
+              </a:ext>
+            </a:extLst>
+          </p:cNvPr>
+          <p:cNvSpPr/>
+          <p:nvPr/>
+        </p:nvSpPr>
+        <p:spPr>
+          <a:xfrm>
+            <a:off x="3291838" y="2425218"/>
+            <a:ext cx="1428751" cy="465665"/>
+          </a:xfrm>
+          <a:prstGeom prst="rect">
+            <a:avLst/>
+          </a:prstGeom>
+          <a:ln w="28575">
+            <a:solidFill>
+              <a:schemeClr val="tx1"/>
+            </a:solidFill>
+          </a:ln>
+        </p:spPr>
+        <p:style>
+          <a:lnRef idx="2">
+            <a:schemeClr val="accent6"/>
+          </a:lnRef>
+          <a:fillRef idx="1">
+            <a:schemeClr val="lt1"/>
+          </a:fillRef>
+          <a:effectRef idx="0">
+            <a:schemeClr val="accent6"/>
+          </a:effectRef>
+          <a:fontRef idx="minor">
+            <a:schemeClr val="dk1"/>
+          </a:fontRef>
+        </p:style>
+        <p:txBody>
+          <a:bodyPr rtlCol="0" anchor="ctr"/>
+          <a:lstStyle/>
+          <a:p>
+            <a:pPr algn="ctr"/>
+            <a:r>
+              <a:rPr lang="ko-KR" altLang="en-US" b="1" dirty="0"/>
+              <a:t>받은 </a:t>
+            </a:r>
+            <a:r>
+              <a:rPr lang="ko-KR" altLang="en-US" b="1" dirty="0" err="1"/>
+              <a:t>쪽지함</a:t>
+            </a:r>
+            <a:endParaRPr lang="ko-KR" altLang="en-US" b="1" dirty="0"/>
+          </a:p>
+        </p:txBody>
+      </p:sp>
+      <p:sp>
+        <p:nvSpPr>
+          <p:cNvPr id="14" name="직사각형 13">
+            <a:extLst>
+              <a:ext uri="{FF2B5EF4-FFF2-40B4-BE49-F238E27FC236}">
+                <a16:creationId xmlns:a16="http://schemas.microsoft.com/office/drawing/2014/main" id="{7FF01D10-7150-4AB0-9F1E-485D74B4BA6A}"/>
+              </a:ext>
+            </a:extLst>
+          </p:cNvPr>
+          <p:cNvSpPr/>
+          <p:nvPr/>
+        </p:nvSpPr>
+        <p:spPr>
+          <a:xfrm>
+            <a:off x="4863464" y="2162875"/>
+            <a:ext cx="4480560" cy="3606310"/>
+          </a:xfrm>
+          <a:prstGeom prst="rect">
+            <a:avLst/>
+          </a:prstGeom>
+          <a:solidFill>
+            <a:schemeClr val="bg1"/>
+          </a:solidFill>
+          <a:ln w="28575">
+            <a:solidFill>
+              <a:schemeClr val="tx1"/>
+            </a:solidFill>
+          </a:ln>
+        </p:spPr>
+        <p:style>
+          <a:lnRef idx="2">
+            <a:schemeClr val="accent1">
+              <a:shade val="50000"/>
+            </a:schemeClr>
+          </a:lnRef>
+          <a:fillRef idx="1">
+            <a:schemeClr val="accent1"/>
+          </a:fillRef>
+          <a:effectRef idx="0">
+            <a:schemeClr val="accent1"/>
+          </a:effectRef>
+          <a:fontRef idx="minor">
+            <a:schemeClr val="lt1"/>
+          </a:fontRef>
+        </p:style>
+        <p:txBody>
+          <a:bodyPr rtlCol="0" anchor="ctr"/>
+          <a:lstStyle/>
+          <a:p>
+            <a:pPr algn="ctr"/>
+            <a:endParaRPr lang="ko-KR" altLang="en-US" dirty="0"/>
+          </a:p>
+        </p:txBody>
+      </p:sp>
+      <p:sp>
+        <p:nvSpPr>
+          <p:cNvPr id="15" name="직사각형 14">
+            <a:extLst>
+              <a:ext uri="{FF2B5EF4-FFF2-40B4-BE49-F238E27FC236}">
+                <a16:creationId xmlns:a16="http://schemas.microsoft.com/office/drawing/2014/main" id="{1A6672B6-10BB-4935-B93B-E732487FE099}"/>
+              </a:ext>
+            </a:extLst>
+          </p:cNvPr>
+          <p:cNvSpPr/>
+          <p:nvPr/>
+        </p:nvSpPr>
+        <p:spPr>
+          <a:xfrm>
+            <a:off x="4863464" y="1813625"/>
+            <a:ext cx="948690" cy="264979"/>
+          </a:xfrm>
+          <a:prstGeom prst="rect">
+            <a:avLst/>
+          </a:prstGeom>
+          <a:ln w="28575">
+            <a:solidFill>
+              <a:schemeClr val="tx1"/>
+            </a:solidFill>
+          </a:ln>
+        </p:spPr>
+        <p:style>
+          <a:lnRef idx="2">
+            <a:schemeClr val="accent6"/>
+          </a:lnRef>
+          <a:fillRef idx="1">
+            <a:schemeClr val="lt1"/>
+          </a:fillRef>
+          <a:effectRef idx="0">
+            <a:schemeClr val="accent6"/>
+          </a:effectRef>
+          <a:fontRef idx="minor">
+            <a:schemeClr val="dk1"/>
+          </a:fontRef>
+        </p:style>
+        <p:txBody>
+          <a:bodyPr rtlCol="0" anchor="ctr"/>
+          <a:lstStyle/>
+          <a:p>
+            <a:pPr algn="ctr"/>
+            <a:r>
+              <a:rPr lang="ko-KR" altLang="en-US" sz="1500" b="1" dirty="0"/>
+              <a:t>보내기</a:t>
+            </a:r>
+          </a:p>
+        </p:txBody>
+      </p:sp>
+      <p:sp>
+        <p:nvSpPr>
+          <p:cNvPr id="16" name="직사각형 15">
+            <a:extLst>
+              <a:ext uri="{FF2B5EF4-FFF2-40B4-BE49-F238E27FC236}">
+                <a16:creationId xmlns:a16="http://schemas.microsoft.com/office/drawing/2014/main" id="{6D9D23C1-BB60-43C3-B038-7A6190722437}"/>
+              </a:ext>
+            </a:extLst>
+          </p:cNvPr>
+          <p:cNvSpPr/>
+          <p:nvPr/>
+        </p:nvSpPr>
+        <p:spPr>
+          <a:xfrm>
+            <a:off x="4977764" y="2264632"/>
+            <a:ext cx="1078230" cy="264978"/>
+          </a:xfrm>
+          <a:prstGeom prst="rect">
+            <a:avLst/>
+          </a:prstGeom>
+          <a:ln w="28575">
+            <a:solidFill>
+              <a:schemeClr val="tx1"/>
+            </a:solidFill>
+          </a:ln>
+        </p:spPr>
+        <p:style>
+          <a:lnRef idx="2">
+            <a:schemeClr val="accent6"/>
+          </a:lnRef>
+          <a:fillRef idx="1">
+            <a:schemeClr val="lt1"/>
+          </a:fillRef>
+          <a:effectRef idx="0">
+            <a:schemeClr val="accent6"/>
+          </a:effectRef>
+          <a:fontRef idx="minor">
+            <a:schemeClr val="dk1"/>
+          </a:fontRef>
+        </p:style>
+        <p:txBody>
+          <a:bodyPr rtlCol="0" anchor="ctr"/>
+          <a:lstStyle/>
+          <a:p>
+            <a:pPr algn="ctr"/>
+            <a:r>
+              <a:rPr lang="ko-KR" altLang="en-US" sz="1500" b="1" dirty="0"/>
+              <a:t>받는 사람</a:t>
+            </a:r>
+          </a:p>
+        </p:txBody>
+      </p:sp>
+      <p:sp>
+        <p:nvSpPr>
+          <p:cNvPr id="17" name="직사각형 16">
+            <a:extLst>
+              <a:ext uri="{FF2B5EF4-FFF2-40B4-BE49-F238E27FC236}">
+                <a16:creationId xmlns:a16="http://schemas.microsoft.com/office/drawing/2014/main" id="{B67BCD95-71CB-487E-89D7-A53C07AF0E61}"/>
+              </a:ext>
+            </a:extLst>
+          </p:cNvPr>
+          <p:cNvSpPr/>
+          <p:nvPr/>
+        </p:nvSpPr>
+        <p:spPr>
+          <a:xfrm>
+            <a:off x="6112068" y="2263218"/>
+            <a:ext cx="3060506" cy="264978"/>
+          </a:xfrm>
+          <a:prstGeom prst="rect">
+            <a:avLst/>
+          </a:prstGeom>
+          <a:ln w="28575">
+            <a:solidFill>
+              <a:schemeClr val="tx1"/>
+            </a:solidFill>
+          </a:ln>
+        </p:spPr>
+        <p:style>
+          <a:lnRef idx="2">
+            <a:schemeClr val="accent6"/>
+          </a:lnRef>
+          <a:fillRef idx="1">
+            <a:schemeClr val="lt1"/>
+          </a:fillRef>
+          <a:effectRef idx="0">
+            <a:schemeClr val="accent6"/>
+          </a:effectRef>
+          <a:fontRef idx="minor">
+            <a:schemeClr val="dk1"/>
+          </a:fontRef>
+        </p:style>
+        <p:txBody>
+          <a:bodyPr rtlCol="0" anchor="ctr"/>
+          <a:lstStyle/>
+          <a:p>
+            <a:pPr algn="ctr"/>
+            <a:r>
+              <a:rPr lang="ko-KR" altLang="en-US" sz="1500" b="1" dirty="0" err="1"/>
+              <a:t>받는사람</a:t>
+            </a:r>
+            <a:r>
+              <a:rPr lang="ko-KR" altLang="en-US" sz="1500" b="1" dirty="0"/>
+              <a:t> 아이디</a:t>
+            </a:r>
+          </a:p>
+        </p:txBody>
+      </p:sp>
+      <p:sp>
+        <p:nvSpPr>
+          <p:cNvPr id="18" name="직사각형 17">
+            <a:extLst>
+              <a:ext uri="{FF2B5EF4-FFF2-40B4-BE49-F238E27FC236}">
+                <a16:creationId xmlns:a16="http://schemas.microsoft.com/office/drawing/2014/main" id="{6DABD487-B9BA-4CE3-8870-FE52C8DA790E}"/>
+              </a:ext>
+            </a:extLst>
+          </p:cNvPr>
+          <p:cNvSpPr/>
+          <p:nvPr/>
+        </p:nvSpPr>
+        <p:spPr>
+          <a:xfrm>
+            <a:off x="5006339" y="2646750"/>
+            <a:ext cx="4194810" cy="2988240"/>
+          </a:xfrm>
+          <a:prstGeom prst="rect">
+            <a:avLst/>
+          </a:prstGeom>
+          <a:solidFill>
+            <a:schemeClr val="bg1"/>
+          </a:solidFill>
+          <a:ln w="28575">
+            <a:solidFill>
+              <a:schemeClr val="tx1"/>
+            </a:solidFill>
+          </a:ln>
+        </p:spPr>
+        <p:style>
+          <a:lnRef idx="2">
+            <a:schemeClr val="accent1">
+              <a:shade val="50000"/>
+            </a:schemeClr>
+          </a:lnRef>
+          <a:fillRef idx="1">
+            <a:schemeClr val="accent1"/>
+          </a:fillRef>
+          <a:effectRef idx="0">
+            <a:schemeClr val="accent1"/>
+          </a:effectRef>
+          <a:fontRef idx="minor">
+            <a:schemeClr val="lt1"/>
+          </a:fontRef>
+        </p:style>
+        <p:txBody>
+          <a:bodyPr rtlCol="0" anchor="ctr"/>
+          <a:lstStyle/>
+          <a:p>
+            <a:pPr algn="ctr"/>
+            <a:endParaRPr lang="ko-KR" altLang="en-US" dirty="0"/>
+          </a:p>
+        </p:txBody>
+      </p:sp>
+    </p:spTree>
+    <p:extLst>
+      <p:ext uri="{BB962C8B-B14F-4D97-AF65-F5344CB8AC3E}">
+        <p14:creationId xmlns:p14="http://schemas.microsoft.com/office/powerpoint/2010/main" val="3778416753"/>
+      </p:ext>
+    </p:extLst>
+  </p:cSld>
+  <p:clrMapOvr>
+    <a:masterClrMapping/>
+  </p:clrMapOvr>
+</p:sld>
+</file>
+
+<file path=ppt/slides/slide9.xml><?xml version="1.0" encoding="utf-8"?>
+<p:sld xmlns:a="http://schemas.openxmlformats.org/drawingml/2006/main" xmlns:r="http://schemas.openxmlformats.org/officeDocument/2006/relationships" xmlns:p="http://schemas.openxmlformats.org/presentationml/2006/main">
+  <p:cSld>
+    <p:spTree>
+      <p:nvGrpSpPr>
+        <p:cNvPr id="1" name=""/>
+        <p:cNvGrpSpPr/>
+        <p:nvPr/>
+      </p:nvGrpSpPr>
+      <p:grpSpPr>
+        <a:xfrm>
+          <a:off x="0" y="0"/>
+          <a:ext cx="0" cy="0"/>
+          <a:chOff x="0" y="0"/>
+          <a:chExt cx="0" cy="0"/>
+        </a:xfrm>
+      </p:grpSpPr>
+      <p:sp>
+        <p:nvSpPr>
+          <p:cNvPr id="2" name="직사각형 1">
+            <a:extLst>
+              <a:ext uri="{FF2B5EF4-FFF2-40B4-BE49-F238E27FC236}">
+                <a16:creationId xmlns:a16="http://schemas.microsoft.com/office/drawing/2014/main" id="{9B9343DE-01B5-49CA-971E-6C3924B345FC}"/>
+              </a:ext>
+            </a:extLst>
+          </p:cNvPr>
+          <p:cNvSpPr/>
+          <p:nvPr/>
+        </p:nvSpPr>
+        <p:spPr>
+          <a:xfrm>
+            <a:off x="180934" y="568617"/>
+            <a:ext cx="1817534" cy="345456"/>
+          </a:xfrm>
+          <a:prstGeom prst="rect">
+            <a:avLst/>
+          </a:prstGeom>
+          <a:ln w="19050">
+            <a:solidFill>
+              <a:schemeClr val="tx1"/>
+            </a:solidFill>
+          </a:ln>
+        </p:spPr>
+        <p:style>
+          <a:lnRef idx="2">
+            <a:schemeClr val="accent6"/>
+          </a:lnRef>
+          <a:fillRef idx="1">
+            <a:schemeClr val="lt1"/>
+          </a:fillRef>
+          <a:effectRef idx="0">
+            <a:schemeClr val="accent6"/>
+          </a:effectRef>
+          <a:fontRef idx="minor">
+            <a:schemeClr val="dk1"/>
+          </a:fontRef>
+        </p:style>
+        <p:txBody>
+          <a:bodyPr rtlCol="0" anchor="ctr"/>
+          <a:lstStyle/>
+          <a:p>
+            <a:pPr algn="ctr"/>
+            <a:r>
+              <a:rPr lang="ko-KR" altLang="en-US" sz="1400" dirty="0">
+                <a:ln w="0"/>
+                <a:solidFill>
+                  <a:schemeClr val="tx1"/>
+                </a:solidFill>
+                <a:effectLst>
+                  <a:outerShdw blurRad="38100" dist="19050" dir="2700000" algn="tl" rotWithShape="0">
+                    <a:schemeClr val="dk1">
+                      <a:alpha val="40000"/>
+                    </a:schemeClr>
+                  </a:outerShdw>
+                </a:effectLst>
+              </a:rPr>
+              <a:t>보류</a:t>
+            </a:r>
+            <a:r>
+              <a:rPr lang="en-US" altLang="ko-KR" sz="1400" dirty="0">
+                <a:ln w="0"/>
+                <a:solidFill>
+                  <a:schemeClr val="tx1"/>
+                </a:solidFill>
+                <a:effectLst>
+                  <a:outerShdw blurRad="38100" dist="19050" dir="2700000" algn="tl" rotWithShape="0">
+                    <a:schemeClr val="dk1">
+                      <a:alpha val="40000"/>
+                    </a:schemeClr>
+                  </a:outerShdw>
+                </a:effectLst>
+              </a:rPr>
+              <a:t>- </a:t>
+            </a:r>
             <a:r>
               <a:rPr lang="ko-KR" altLang="en-US" sz="1400" dirty="0">
                 <a:ln w="0"/>
